--- a/Pasos.pptx
+++ b/Pasos.pptx
@@ -2,18 +2,29 @@
 <file path=ppt/presentation.xml><?xml version="1.0" encoding="utf-8"?>
 <p:presentation xmlns:a="http://schemas.openxmlformats.org/drawingml/2006/main" xmlns:r="http://schemas.openxmlformats.org/officeDocument/2006/relationships" xmlns:p="http://schemas.openxmlformats.org/presentationml/2006/main" saveSubsetFonts="1">
   <p:sldMasterIdLst>
-    <p:sldMasterId id="2147483648" r:id="rId1"/>
+    <p:sldMasterId id="2147483660" r:id="rId1"/>
   </p:sldMasterIdLst>
   <p:sldIdLst>
     <p:sldId id="256" r:id="rId2"/>
+    <p:sldId id="257" r:id="rId3"/>
+    <p:sldId id="258" r:id="rId4"/>
+    <p:sldId id="259" r:id="rId5"/>
+    <p:sldId id="260" r:id="rId6"/>
+    <p:sldId id="261" r:id="rId7"/>
+    <p:sldId id="262" r:id="rId8"/>
+    <p:sldId id="263" r:id="rId9"/>
+    <p:sldId id="264" r:id="rId10"/>
+    <p:sldId id="265" r:id="rId11"/>
+    <p:sldId id="266" r:id="rId12"/>
+    <p:sldId id="267" r:id="rId13"/>
   </p:sldIdLst>
   <p:sldSz cx="12192000" cy="6858000"/>
   <p:notesSz cx="6858000" cy="9144000"/>
   <p:defaultTextStyle>
     <a:defPPr>
-      <a:defRPr lang="es-ES"/>
+      <a:defRPr lang="en-US"/>
     </a:defPPr>
-    <a:lvl1pPr marL="0" algn="l" defTabSz="914400" rtl="0" eaLnBrk="1" latinLnBrk="0" hangingPunct="1">
+    <a:lvl1pPr marL="0" algn="l" defTabSz="457200" rtl="0" eaLnBrk="1" latinLnBrk="0" hangingPunct="1">
       <a:defRPr sz="1800" kern="1200">
         <a:solidFill>
           <a:schemeClr val="tx1"/>
@@ -23,7 +34,7 @@
         <a:cs typeface="+mn-cs"/>
       </a:defRPr>
     </a:lvl1pPr>
-    <a:lvl2pPr marL="457200" algn="l" defTabSz="914400" rtl="0" eaLnBrk="1" latinLnBrk="0" hangingPunct="1">
+    <a:lvl2pPr marL="457200" algn="l" defTabSz="457200" rtl="0" eaLnBrk="1" latinLnBrk="0" hangingPunct="1">
       <a:defRPr sz="1800" kern="1200">
         <a:solidFill>
           <a:schemeClr val="tx1"/>
@@ -33,7 +44,7 @@
         <a:cs typeface="+mn-cs"/>
       </a:defRPr>
     </a:lvl2pPr>
-    <a:lvl3pPr marL="914400" algn="l" defTabSz="914400" rtl="0" eaLnBrk="1" latinLnBrk="0" hangingPunct="1">
+    <a:lvl3pPr marL="914400" algn="l" defTabSz="457200" rtl="0" eaLnBrk="1" latinLnBrk="0" hangingPunct="1">
       <a:defRPr sz="1800" kern="1200">
         <a:solidFill>
           <a:schemeClr val="tx1"/>
@@ -43,7 +54,7 @@
         <a:cs typeface="+mn-cs"/>
       </a:defRPr>
     </a:lvl3pPr>
-    <a:lvl4pPr marL="1371600" algn="l" defTabSz="914400" rtl="0" eaLnBrk="1" latinLnBrk="0" hangingPunct="1">
+    <a:lvl4pPr marL="1371600" algn="l" defTabSz="457200" rtl="0" eaLnBrk="1" latinLnBrk="0" hangingPunct="1">
       <a:defRPr sz="1800" kern="1200">
         <a:solidFill>
           <a:schemeClr val="tx1"/>
@@ -53,7 +64,7 @@
         <a:cs typeface="+mn-cs"/>
       </a:defRPr>
     </a:lvl4pPr>
-    <a:lvl5pPr marL="1828800" algn="l" defTabSz="914400" rtl="0" eaLnBrk="1" latinLnBrk="0" hangingPunct="1">
+    <a:lvl5pPr marL="1828800" algn="l" defTabSz="457200" rtl="0" eaLnBrk="1" latinLnBrk="0" hangingPunct="1">
       <a:defRPr sz="1800" kern="1200">
         <a:solidFill>
           <a:schemeClr val="tx1"/>
@@ -63,7 +74,7 @@
         <a:cs typeface="+mn-cs"/>
       </a:defRPr>
     </a:lvl5pPr>
-    <a:lvl6pPr marL="2286000" algn="l" defTabSz="914400" rtl="0" eaLnBrk="1" latinLnBrk="0" hangingPunct="1">
+    <a:lvl6pPr marL="2286000" algn="l" defTabSz="457200" rtl="0" eaLnBrk="1" latinLnBrk="0" hangingPunct="1">
       <a:defRPr sz="1800" kern="1200">
         <a:solidFill>
           <a:schemeClr val="tx1"/>
@@ -73,7 +84,7 @@
         <a:cs typeface="+mn-cs"/>
       </a:defRPr>
     </a:lvl6pPr>
-    <a:lvl7pPr marL="2743200" algn="l" defTabSz="914400" rtl="0" eaLnBrk="1" latinLnBrk="0" hangingPunct="1">
+    <a:lvl7pPr marL="2743200" algn="l" defTabSz="457200" rtl="0" eaLnBrk="1" latinLnBrk="0" hangingPunct="1">
       <a:defRPr sz="1800" kern="1200">
         <a:solidFill>
           <a:schemeClr val="tx1"/>
@@ -83,7 +94,7 @@
         <a:cs typeface="+mn-cs"/>
       </a:defRPr>
     </a:lvl7pPr>
-    <a:lvl8pPr marL="3200400" algn="l" defTabSz="914400" rtl="0" eaLnBrk="1" latinLnBrk="0" hangingPunct="1">
+    <a:lvl8pPr marL="3200400" algn="l" defTabSz="457200" rtl="0" eaLnBrk="1" latinLnBrk="0" hangingPunct="1">
       <a:defRPr sz="1800" kern="1200">
         <a:solidFill>
           <a:schemeClr val="tx1"/>
@@ -93,7 +104,7 @@
         <a:cs typeface="+mn-cs"/>
       </a:defRPr>
     </a:lvl8pPr>
-    <a:lvl9pPr marL="3657600" algn="l" defTabSz="914400" rtl="0" eaLnBrk="1" latinLnBrk="0" hangingPunct="1">
+    <a:lvl9pPr marL="3657600" algn="l" defTabSz="457200" rtl="0" eaLnBrk="1" latinLnBrk="0" hangingPunct="1">
       <a:defRPr sz="1800" kern="1200">
         <a:solidFill>
           <a:schemeClr val="tx1"/>
@@ -104,6 +115,11 @@
       </a:defRPr>
     </a:lvl9pPr>
   </p:defaultTextStyle>
+  <p:extLst>
+    <p:ext uri="{EFAFB233-063F-42B5-8137-9DF3F51BA10A}">
+      <p15:sldGuideLst xmlns:p15="http://schemas.microsoft.com/office/powerpoint/2012/main"/>
+    </p:ext>
+  </p:extLst>
 </p:presentation>
 </file>
 
@@ -124,15 +140,39 @@
           <a:chExt cx="0" cy="0"/>
         </a:xfrm>
       </p:grpSpPr>
-      <p:sp>
-        <p:nvSpPr>
-          <p:cNvPr id="2" name="Título 1">
+      <p:pic>
+        <p:nvPicPr>
+          <p:cNvPr id="7" name="Picture 6" descr="C0-HD-BTM.png"/>
+          <p:cNvPicPr>
+            <a:picLocks noChangeAspect="1"/>
+          </p:cNvPicPr>
+          <p:nvPr/>
+        </p:nvPicPr>
+        <p:blipFill>
+          <a:blip r:embed="rId2">
             <a:extLst>
-              <a:ext uri="{FF2B5EF4-FFF2-40B4-BE49-F238E27FC236}">
-                <a16:creationId xmlns:a16="http://schemas.microsoft.com/office/drawing/2014/main" id="{E5A60453-F6EB-80A3-DC95-BFC500EE2E86}"/>
+              <a:ext uri="{28A0092B-C50C-407E-A947-70E740481C1C}">
+                <a14:useLocalDpi xmlns:a14="http://schemas.microsoft.com/office/drawing/2010/main" val="0"/>
               </a:ext>
             </a:extLst>
-          </p:cNvPr>
+          </a:blip>
+          <a:stretch>
+            <a:fillRect/>
+          </a:stretch>
+        </p:blipFill>
+        <p:spPr>
+          <a:xfrm>
+            <a:off x="0" y="4375150"/>
+            <a:ext cx="12192000" cy="2482850"/>
+          </a:xfrm>
+          <a:prstGeom prst="rect">
+            <a:avLst/>
+          </a:prstGeom>
+        </p:spPr>
+      </p:pic>
+      <p:sp>
+        <p:nvSpPr>
+          <p:cNvPr id="2" name="Title 1"/>
           <p:cNvSpPr>
             <a:spLocks noGrp="1"/>
           </p:cNvSpPr>
@@ -142,14 +182,16 @@
         </p:nvSpPr>
         <p:spPr>
           <a:xfrm>
-            <a:off x="1524000" y="1122363"/>
-            <a:ext cx="9144000" cy="2387600"/>
-          </a:xfrm>
-        </p:spPr>
-        <p:txBody>
-          <a:bodyPr anchor="b"/>
+            <a:off x="1371600" y="1803405"/>
+            <a:ext cx="9448800" cy="1825096"/>
+          </a:xfrm>
+        </p:spPr>
+        <p:txBody>
+          <a:bodyPr anchor="b">
+            <a:normAutofit/>
+          </a:bodyPr>
           <a:lstStyle>
-            <a:lvl1pPr algn="ctr">
+            <a:lvl1pPr algn="l">
               <a:defRPr sz="6000"/>
             </a:lvl1pPr>
           </a:lstStyle>
@@ -158,18 +200,13 @@
               <a:rPr lang="es-ES"/>
               <a:t>Haga clic para modificar el estilo de título del patrón</a:t>
             </a:r>
-          </a:p>
-        </p:txBody>
-      </p:sp>
-      <p:sp>
-        <p:nvSpPr>
-          <p:cNvPr id="3" name="Subtítulo 2">
-            <a:extLst>
-              <a:ext uri="{FF2B5EF4-FFF2-40B4-BE49-F238E27FC236}">
-                <a16:creationId xmlns:a16="http://schemas.microsoft.com/office/drawing/2014/main" id="{A37FD4C0-0C8E-5E7B-7CA5-7A4F1EA07035}"/>
-              </a:ext>
-            </a:extLst>
-          </p:cNvPr>
+            <a:endParaRPr lang="en-US" dirty="0"/>
+          </a:p>
+        </p:txBody>
+      </p:sp>
+      <p:sp>
+        <p:nvSpPr>
+          <p:cNvPr id="3" name="Subtitle 2"/>
           <p:cNvSpPr>
             <a:spLocks noGrp="1"/>
           </p:cNvSpPr>
@@ -179,16 +216,18 @@
         </p:nvSpPr>
         <p:spPr>
           <a:xfrm>
-            <a:off x="1524000" y="3602038"/>
-            <a:ext cx="9144000" cy="1655762"/>
-          </a:xfrm>
-        </p:spPr>
-        <p:txBody>
-          <a:bodyPr/>
+            <a:off x="1371600" y="3632201"/>
+            <a:ext cx="9448800" cy="685800"/>
+          </a:xfrm>
+        </p:spPr>
+        <p:txBody>
+          <a:bodyPr>
+            <a:normAutofit/>
+          </a:bodyPr>
           <a:lstStyle>
-            <a:lvl1pPr marL="0" indent="0" algn="ctr">
-              <a:buNone/>
-              <a:defRPr sz="2400"/>
+            <a:lvl1pPr marL="0" indent="0" algn="l">
+              <a:buNone/>
+              <a:defRPr sz="2000"/>
             </a:lvl1pPr>
             <a:lvl2pPr marL="457200" indent="0" algn="ctr">
               <a:buNone/>
@@ -228,18 +267,13 @@
               <a:rPr lang="es-ES"/>
               <a:t>Haga clic para modificar el estilo de subtítulo del patrón</a:t>
             </a:r>
-          </a:p>
-        </p:txBody>
-      </p:sp>
-      <p:sp>
-        <p:nvSpPr>
-          <p:cNvPr id="4" name="Marcador de fecha 3">
-            <a:extLst>
-              <a:ext uri="{FF2B5EF4-FFF2-40B4-BE49-F238E27FC236}">
-                <a16:creationId xmlns:a16="http://schemas.microsoft.com/office/drawing/2014/main" id="{DBC7F3E2-64AB-EAA9-57D3-48A2AA1B74ED}"/>
-              </a:ext>
-            </a:extLst>
-          </p:cNvPr>
+            <a:endParaRPr lang="en-US" dirty="0"/>
+          </a:p>
+        </p:txBody>
+      </p:sp>
+      <p:sp>
+        <p:nvSpPr>
+          <p:cNvPr id="4" name="Date Placeholder 3"/>
           <p:cNvSpPr>
             <a:spLocks noGrp="1"/>
           </p:cNvSpPr>
@@ -247,7 +281,12 @@
             <p:ph type="dt" sz="half" idx="10"/>
           </p:nvPr>
         </p:nvSpPr>
-        <p:spPr/>
+        <p:spPr>
+          <a:xfrm>
+            <a:off x="7909561" y="4314328"/>
+            <a:ext cx="2910840" cy="374642"/>
+          </a:xfrm>
+        </p:spPr>
         <p:txBody>
           <a:bodyPr/>
           <a:lstStyle/>
@@ -262,13 +301,7 @@
       </p:sp>
       <p:sp>
         <p:nvSpPr>
-          <p:cNvPr id="5" name="Marcador de pie de página 4">
-            <a:extLst>
-              <a:ext uri="{FF2B5EF4-FFF2-40B4-BE49-F238E27FC236}">
-                <a16:creationId xmlns:a16="http://schemas.microsoft.com/office/drawing/2014/main" id="{0EA6B807-BD38-486A-9CFE-E44A86CA725B}"/>
-              </a:ext>
-            </a:extLst>
-          </p:cNvPr>
+          <p:cNvPr id="5" name="Footer Placeholder 4"/>
           <p:cNvSpPr>
             <a:spLocks noGrp="1"/>
           </p:cNvSpPr>
@@ -276,7 +309,12 @@
             <p:ph type="ftr" sz="quarter" idx="11"/>
           </p:nvPr>
         </p:nvSpPr>
-        <p:spPr/>
+        <p:spPr>
+          <a:xfrm>
+            <a:off x="1371600" y="4323845"/>
+            <a:ext cx="6400800" cy="365125"/>
+          </a:xfrm>
+        </p:spPr>
         <p:txBody>
           <a:bodyPr/>
           <a:lstStyle/>
@@ -287,13 +325,7 @@
       </p:sp>
       <p:sp>
         <p:nvSpPr>
-          <p:cNvPr id="6" name="Marcador de número de diapositiva 5">
-            <a:extLst>
-              <a:ext uri="{FF2B5EF4-FFF2-40B4-BE49-F238E27FC236}">
-                <a16:creationId xmlns:a16="http://schemas.microsoft.com/office/drawing/2014/main" id="{2BA0E62D-2A21-4797-5E24-29ECE3E7CF90}"/>
-              </a:ext>
-            </a:extLst>
-          </p:cNvPr>
+          <p:cNvPr id="6" name="Slide Number Placeholder 5"/>
           <p:cNvSpPr>
             <a:spLocks noGrp="1"/>
           </p:cNvSpPr>
@@ -301,7 +333,12 @@
             <p:ph type="sldNum" sz="quarter" idx="12"/>
           </p:nvPr>
         </p:nvSpPr>
-        <p:spPr/>
+        <p:spPr>
+          <a:xfrm>
+            <a:off x="8077200" y="1430866"/>
+            <a:ext cx="2743200" cy="365125"/>
+          </a:xfrm>
+        </p:spPr>
         <p:txBody>
           <a:bodyPr/>
           <a:lstStyle/>
@@ -317,7 +354,7 @@
     </p:spTree>
     <p:extLst>
       <p:ext uri="{BB962C8B-B14F-4D97-AF65-F5344CB8AC3E}">
-        <p14:creationId xmlns:p14="http://schemas.microsoft.com/office/powerpoint/2010/main" val="2303769665"/>
+        <p14:creationId xmlns:p14="http://schemas.microsoft.com/office/powerpoint/2010/main" val="1457062443"/>
       </p:ext>
     </p:extLst>
   </p:cSld>
@@ -328,6 +365,2598 @@
 </file>
 
 <file path=ppt/slideLayouts/slideLayout10.xml><?xml version="1.0" encoding="utf-8"?>
+<p:sldLayout xmlns:a="http://schemas.openxmlformats.org/drawingml/2006/main" xmlns:r="http://schemas.openxmlformats.org/officeDocument/2006/relationships" xmlns:p="http://schemas.openxmlformats.org/presentationml/2006/main" preserve="1">
+  <p:cSld name="Imagen panorámica con descripción">
+    <p:spTree>
+      <p:nvGrpSpPr>
+        <p:cNvPr id="1" name=""/>
+        <p:cNvGrpSpPr/>
+        <p:nvPr/>
+      </p:nvGrpSpPr>
+      <p:grpSpPr>
+        <a:xfrm>
+          <a:off x="0" y="0"/>
+          <a:ext cx="0" cy="0"/>
+          <a:chOff x="0" y="0"/>
+          <a:chExt cx="0" cy="0"/>
+        </a:xfrm>
+      </p:grpSpPr>
+      <p:sp>
+        <p:nvSpPr>
+          <p:cNvPr id="2" name="Title 1"/>
+          <p:cNvSpPr>
+            <a:spLocks noGrp="1"/>
+          </p:cNvSpPr>
+          <p:nvPr>
+            <p:ph type="title"/>
+          </p:nvPr>
+        </p:nvSpPr>
+        <p:spPr>
+          <a:xfrm>
+            <a:off x="685777" y="4697360"/>
+            <a:ext cx="10822034" cy="819355"/>
+          </a:xfrm>
+        </p:spPr>
+        <p:txBody>
+          <a:bodyPr anchor="b"/>
+          <a:lstStyle>
+            <a:lvl1pPr algn="l">
+              <a:defRPr sz="3200"/>
+            </a:lvl1pPr>
+          </a:lstStyle>
+          <a:p>
+            <a:r>
+              <a:rPr lang="es-ES"/>
+              <a:t>Haga clic para modificar el estilo de título del patrón</a:t>
+            </a:r>
+            <a:endParaRPr lang="en-US" dirty="0"/>
+          </a:p>
+        </p:txBody>
+      </p:sp>
+      <p:sp>
+        <p:nvSpPr>
+          <p:cNvPr id="3" name="Picture Placeholder 2"/>
+          <p:cNvSpPr>
+            <a:spLocks noGrp="1" noChangeAspect="1"/>
+          </p:cNvSpPr>
+          <p:nvPr>
+            <p:ph type="pic" idx="1"/>
+          </p:nvPr>
+        </p:nvSpPr>
+        <p:spPr>
+          <a:xfrm>
+            <a:off x="681727" y="941439"/>
+            <a:ext cx="10821840" cy="3478161"/>
+          </a:xfrm>
+        </p:spPr>
+        <p:txBody>
+          <a:bodyPr anchor="t"/>
+          <a:lstStyle>
+            <a:lvl1pPr marL="0" indent="0">
+              <a:buNone/>
+              <a:defRPr sz="3200"/>
+            </a:lvl1pPr>
+            <a:lvl2pPr marL="457200" indent="0">
+              <a:buNone/>
+              <a:defRPr sz="2800"/>
+            </a:lvl2pPr>
+            <a:lvl3pPr marL="914400" indent="0">
+              <a:buNone/>
+              <a:defRPr sz="2400"/>
+            </a:lvl3pPr>
+            <a:lvl4pPr marL="1371600" indent="0">
+              <a:buNone/>
+              <a:defRPr sz="2000"/>
+            </a:lvl4pPr>
+            <a:lvl5pPr marL="1828800" indent="0">
+              <a:buNone/>
+              <a:defRPr sz="2000"/>
+            </a:lvl5pPr>
+            <a:lvl6pPr marL="2286000" indent="0">
+              <a:buNone/>
+              <a:defRPr sz="2000"/>
+            </a:lvl6pPr>
+            <a:lvl7pPr marL="2743200" indent="0">
+              <a:buNone/>
+              <a:defRPr sz="2000"/>
+            </a:lvl7pPr>
+            <a:lvl8pPr marL="3200400" indent="0">
+              <a:buNone/>
+              <a:defRPr sz="2000"/>
+            </a:lvl8pPr>
+            <a:lvl9pPr marL="3657600" indent="0">
+              <a:buNone/>
+              <a:defRPr sz="2000"/>
+            </a:lvl9pPr>
+          </a:lstStyle>
+          <a:p>
+            <a:r>
+              <a:rPr lang="es-ES"/>
+              <a:t>Haga clic en el icono para agregar una imagen</a:t>
+            </a:r>
+            <a:endParaRPr lang="en-US" dirty="0"/>
+          </a:p>
+        </p:txBody>
+      </p:sp>
+      <p:sp>
+        <p:nvSpPr>
+          <p:cNvPr id="4" name="Text Placeholder 3"/>
+          <p:cNvSpPr>
+            <a:spLocks noGrp="1"/>
+          </p:cNvSpPr>
+          <p:nvPr>
+            <p:ph type="body" sz="half" idx="2"/>
+          </p:nvPr>
+        </p:nvSpPr>
+        <p:spPr>
+          <a:xfrm>
+            <a:off x="685800" y="5516715"/>
+            <a:ext cx="10820400" cy="701969"/>
+          </a:xfrm>
+        </p:spPr>
+        <p:txBody>
+          <a:bodyPr/>
+          <a:lstStyle>
+            <a:lvl1pPr marL="0" indent="0" algn="l">
+              <a:buNone/>
+              <a:defRPr sz="1600"/>
+            </a:lvl1pPr>
+            <a:lvl2pPr marL="457200" indent="0">
+              <a:buNone/>
+              <a:defRPr sz="1400"/>
+            </a:lvl2pPr>
+            <a:lvl3pPr marL="914400" indent="0">
+              <a:buNone/>
+              <a:defRPr sz="1200"/>
+            </a:lvl3pPr>
+            <a:lvl4pPr marL="1371600" indent="0">
+              <a:buNone/>
+              <a:defRPr sz="1000"/>
+            </a:lvl4pPr>
+            <a:lvl5pPr marL="1828800" indent="0">
+              <a:buNone/>
+              <a:defRPr sz="1000"/>
+            </a:lvl5pPr>
+            <a:lvl6pPr marL="2286000" indent="0">
+              <a:buNone/>
+              <a:defRPr sz="1000"/>
+            </a:lvl6pPr>
+            <a:lvl7pPr marL="2743200" indent="0">
+              <a:buNone/>
+              <a:defRPr sz="1000"/>
+            </a:lvl7pPr>
+            <a:lvl8pPr marL="3200400" indent="0">
+              <a:buNone/>
+              <a:defRPr sz="1000"/>
+            </a:lvl8pPr>
+            <a:lvl9pPr marL="3657600" indent="0">
+              <a:buNone/>
+              <a:defRPr sz="1000"/>
+            </a:lvl9pPr>
+          </a:lstStyle>
+          <a:p>
+            <a:pPr lvl="0"/>
+            <a:r>
+              <a:rPr lang="es-ES"/>
+              <a:t>Haga clic para modificar los estilos de texto del patrón</a:t>
+            </a:r>
+          </a:p>
+        </p:txBody>
+      </p:sp>
+      <p:sp>
+        <p:nvSpPr>
+          <p:cNvPr id="5" name="Date Placeholder 4"/>
+          <p:cNvSpPr>
+            <a:spLocks noGrp="1"/>
+          </p:cNvSpPr>
+          <p:nvPr>
+            <p:ph type="dt" sz="half" idx="10"/>
+          </p:nvPr>
+        </p:nvSpPr>
+        <p:spPr/>
+        <p:txBody>
+          <a:bodyPr/>
+          <a:lstStyle/>
+          <a:p>
+            <a:fld id="{BA2DA283-DF95-4E2D-8B66-528F829F7A2B}" type="datetimeFigureOut">
+              <a:rPr lang="es-ES" smtClean="0"/>
+              <a:t>11/05/2024</a:t>
+            </a:fld>
+            <a:endParaRPr lang="es-ES"/>
+          </a:p>
+        </p:txBody>
+      </p:sp>
+      <p:sp>
+        <p:nvSpPr>
+          <p:cNvPr id="6" name="Footer Placeholder 5"/>
+          <p:cNvSpPr>
+            <a:spLocks noGrp="1"/>
+          </p:cNvSpPr>
+          <p:nvPr>
+            <p:ph type="ftr" sz="quarter" idx="11"/>
+          </p:nvPr>
+        </p:nvSpPr>
+        <p:spPr/>
+        <p:txBody>
+          <a:bodyPr/>
+          <a:lstStyle/>
+          <a:p>
+            <a:endParaRPr lang="es-ES"/>
+          </a:p>
+        </p:txBody>
+      </p:sp>
+      <p:sp>
+        <p:nvSpPr>
+          <p:cNvPr id="7" name="Slide Number Placeholder 6"/>
+          <p:cNvSpPr>
+            <a:spLocks noGrp="1"/>
+          </p:cNvSpPr>
+          <p:nvPr>
+            <p:ph type="sldNum" sz="quarter" idx="12"/>
+          </p:nvPr>
+        </p:nvSpPr>
+        <p:spPr/>
+        <p:txBody>
+          <a:bodyPr/>
+          <a:lstStyle/>
+          <a:p>
+            <a:fld id="{E0F33228-C604-4D2C-AE39-F2F307E5CA46}" type="slidenum">
+              <a:rPr lang="es-ES" smtClean="0"/>
+              <a:t>‹Nº›</a:t>
+            </a:fld>
+            <a:endParaRPr lang="es-ES"/>
+          </a:p>
+        </p:txBody>
+      </p:sp>
+    </p:spTree>
+    <p:extLst>
+      <p:ext uri="{BB962C8B-B14F-4D97-AF65-F5344CB8AC3E}">
+        <p14:creationId xmlns:p14="http://schemas.microsoft.com/office/powerpoint/2010/main" val="2656127091"/>
+      </p:ext>
+    </p:extLst>
+  </p:cSld>
+  <p:clrMapOvr>
+    <a:masterClrMapping/>
+  </p:clrMapOvr>
+</p:sldLayout>
+</file>
+
+<file path=ppt/slideLayouts/slideLayout11.xml><?xml version="1.0" encoding="utf-8"?>
+<p:sldLayout xmlns:a="http://schemas.openxmlformats.org/drawingml/2006/main" xmlns:r="http://schemas.openxmlformats.org/officeDocument/2006/relationships" xmlns:p="http://schemas.openxmlformats.org/presentationml/2006/main" showMasterSp="0" preserve="1">
+  <p:cSld name="Título y descripción">
+    <p:spTree>
+      <p:nvGrpSpPr>
+        <p:cNvPr id="1" name=""/>
+        <p:cNvGrpSpPr/>
+        <p:nvPr/>
+      </p:nvGrpSpPr>
+      <p:grpSpPr>
+        <a:xfrm>
+          <a:off x="0" y="0"/>
+          <a:ext cx="0" cy="0"/>
+          <a:chOff x="0" y="0"/>
+          <a:chExt cx="0" cy="0"/>
+        </a:xfrm>
+      </p:grpSpPr>
+      <p:pic>
+        <p:nvPicPr>
+          <p:cNvPr id="8" name="Picture 7" descr="C0-HD-BTM.png"/>
+          <p:cNvPicPr>
+            <a:picLocks noChangeAspect="1"/>
+          </p:cNvPicPr>
+          <p:nvPr/>
+        </p:nvPicPr>
+        <p:blipFill>
+          <a:blip r:embed="rId2">
+            <a:extLst>
+              <a:ext uri="{28A0092B-C50C-407E-A947-70E740481C1C}">
+                <a14:useLocalDpi xmlns:a14="http://schemas.microsoft.com/office/drawing/2010/main" val="0"/>
+              </a:ext>
+            </a:extLst>
+          </a:blip>
+          <a:stretch>
+            <a:fillRect/>
+          </a:stretch>
+        </p:blipFill>
+        <p:spPr>
+          <a:xfrm>
+            <a:off x="0" y="4375150"/>
+            <a:ext cx="12192000" cy="2482850"/>
+          </a:xfrm>
+          <a:prstGeom prst="rect">
+            <a:avLst/>
+          </a:prstGeom>
+        </p:spPr>
+      </p:pic>
+      <p:sp>
+        <p:nvSpPr>
+          <p:cNvPr id="2" name="Title 1"/>
+          <p:cNvSpPr>
+            <a:spLocks noGrp="1"/>
+          </p:cNvSpPr>
+          <p:nvPr>
+            <p:ph type="title"/>
+          </p:nvPr>
+        </p:nvSpPr>
+        <p:spPr>
+          <a:xfrm>
+            <a:off x="685800" y="753532"/>
+            <a:ext cx="10820400" cy="2802467"/>
+          </a:xfrm>
+        </p:spPr>
+        <p:txBody>
+          <a:bodyPr anchor="ctr"/>
+          <a:lstStyle>
+            <a:lvl1pPr algn="l">
+              <a:defRPr sz="3200"/>
+            </a:lvl1pPr>
+          </a:lstStyle>
+          <a:p>
+            <a:r>
+              <a:rPr lang="es-ES"/>
+              <a:t>Haga clic para modificar el estilo de título del patrón</a:t>
+            </a:r>
+            <a:endParaRPr lang="en-US" dirty="0"/>
+          </a:p>
+        </p:txBody>
+      </p:sp>
+      <p:sp>
+        <p:nvSpPr>
+          <p:cNvPr id="4" name="Text Placeholder 3"/>
+          <p:cNvSpPr>
+            <a:spLocks noGrp="1"/>
+          </p:cNvSpPr>
+          <p:nvPr>
+            <p:ph type="body" sz="half" idx="2"/>
+          </p:nvPr>
+        </p:nvSpPr>
+        <p:spPr>
+          <a:xfrm>
+            <a:off x="1024467" y="3649133"/>
+            <a:ext cx="10130516" cy="999067"/>
+          </a:xfrm>
+        </p:spPr>
+        <p:txBody>
+          <a:bodyPr anchor="ctr"/>
+          <a:lstStyle>
+            <a:lvl1pPr marL="0" indent="0">
+              <a:buNone/>
+              <a:defRPr sz="1600"/>
+            </a:lvl1pPr>
+            <a:lvl2pPr marL="457200" indent="0">
+              <a:buNone/>
+              <a:defRPr sz="1400"/>
+            </a:lvl2pPr>
+            <a:lvl3pPr marL="914400" indent="0">
+              <a:buNone/>
+              <a:defRPr sz="1200"/>
+            </a:lvl3pPr>
+            <a:lvl4pPr marL="1371600" indent="0">
+              <a:buNone/>
+              <a:defRPr sz="1000"/>
+            </a:lvl4pPr>
+            <a:lvl5pPr marL="1828800" indent="0">
+              <a:buNone/>
+              <a:defRPr sz="1000"/>
+            </a:lvl5pPr>
+            <a:lvl6pPr marL="2286000" indent="0">
+              <a:buNone/>
+              <a:defRPr sz="1000"/>
+            </a:lvl6pPr>
+            <a:lvl7pPr marL="2743200" indent="0">
+              <a:buNone/>
+              <a:defRPr sz="1000"/>
+            </a:lvl7pPr>
+            <a:lvl8pPr marL="3200400" indent="0">
+              <a:buNone/>
+              <a:defRPr sz="1000"/>
+            </a:lvl8pPr>
+            <a:lvl9pPr marL="3657600" indent="0">
+              <a:buNone/>
+              <a:defRPr sz="1000"/>
+            </a:lvl9pPr>
+          </a:lstStyle>
+          <a:p>
+            <a:pPr lvl="0"/>
+            <a:r>
+              <a:rPr lang="es-ES"/>
+              <a:t>Haga clic para modificar los estilos de texto del patrón</a:t>
+            </a:r>
+          </a:p>
+        </p:txBody>
+      </p:sp>
+      <p:sp>
+        <p:nvSpPr>
+          <p:cNvPr id="5" name="Date Placeholder 4"/>
+          <p:cNvSpPr>
+            <a:spLocks noGrp="1"/>
+          </p:cNvSpPr>
+          <p:nvPr>
+            <p:ph type="dt" sz="half" idx="10"/>
+          </p:nvPr>
+        </p:nvSpPr>
+        <p:spPr>
+          <a:xfrm>
+            <a:off x="7814452" y="381000"/>
+            <a:ext cx="2910840" cy="365125"/>
+          </a:xfrm>
+        </p:spPr>
+        <p:txBody>
+          <a:bodyPr/>
+          <a:lstStyle>
+            <a:lvl1pPr algn="r">
+              <a:defRPr/>
+            </a:lvl1pPr>
+          </a:lstStyle>
+          <a:p>
+            <a:fld id="{BA2DA283-DF95-4E2D-8B66-528F829F7A2B}" type="datetimeFigureOut">
+              <a:rPr lang="es-ES" smtClean="0"/>
+              <a:t>11/05/2024</a:t>
+            </a:fld>
+            <a:endParaRPr lang="es-ES"/>
+          </a:p>
+        </p:txBody>
+      </p:sp>
+      <p:sp>
+        <p:nvSpPr>
+          <p:cNvPr id="6" name="Footer Placeholder 5"/>
+          <p:cNvSpPr>
+            <a:spLocks noGrp="1"/>
+          </p:cNvSpPr>
+          <p:nvPr>
+            <p:ph type="ftr" sz="quarter" idx="11"/>
+          </p:nvPr>
+        </p:nvSpPr>
+        <p:spPr>
+          <a:xfrm>
+            <a:off x="685800" y="379941"/>
+            <a:ext cx="6991492" cy="365125"/>
+          </a:xfrm>
+        </p:spPr>
+        <p:txBody>
+          <a:bodyPr/>
+          <a:lstStyle/>
+          <a:p>
+            <a:endParaRPr lang="es-ES"/>
+          </a:p>
+        </p:txBody>
+      </p:sp>
+      <p:sp>
+        <p:nvSpPr>
+          <p:cNvPr id="7" name="Slide Number Placeholder 6"/>
+          <p:cNvSpPr>
+            <a:spLocks noGrp="1"/>
+          </p:cNvSpPr>
+          <p:nvPr>
+            <p:ph type="sldNum" sz="quarter" idx="12"/>
+          </p:nvPr>
+        </p:nvSpPr>
+        <p:spPr>
+          <a:xfrm>
+            <a:off x="10862452" y="381000"/>
+            <a:ext cx="643748" cy="365125"/>
+          </a:xfrm>
+        </p:spPr>
+        <p:txBody>
+          <a:bodyPr/>
+          <a:lstStyle/>
+          <a:p>
+            <a:fld id="{E0F33228-C604-4D2C-AE39-F2F307E5CA46}" type="slidenum">
+              <a:rPr lang="es-ES" smtClean="0"/>
+              <a:t>‹Nº›</a:t>
+            </a:fld>
+            <a:endParaRPr lang="es-ES"/>
+          </a:p>
+        </p:txBody>
+      </p:sp>
+    </p:spTree>
+    <p:extLst>
+      <p:ext uri="{BB962C8B-B14F-4D97-AF65-F5344CB8AC3E}">
+        <p14:creationId xmlns:p14="http://schemas.microsoft.com/office/powerpoint/2010/main" val="1413491132"/>
+      </p:ext>
+    </p:extLst>
+  </p:cSld>
+  <p:clrMapOvr>
+    <a:masterClrMapping/>
+  </p:clrMapOvr>
+</p:sldLayout>
+</file>
+
+<file path=ppt/slideLayouts/slideLayout12.xml><?xml version="1.0" encoding="utf-8"?>
+<p:sldLayout xmlns:a="http://schemas.openxmlformats.org/drawingml/2006/main" xmlns:r="http://schemas.openxmlformats.org/officeDocument/2006/relationships" xmlns:p="http://schemas.openxmlformats.org/presentationml/2006/main" showMasterSp="0" preserve="1">
+  <p:cSld name="Cita con descripción">
+    <p:spTree>
+      <p:nvGrpSpPr>
+        <p:cNvPr id="1" name=""/>
+        <p:cNvGrpSpPr/>
+        <p:nvPr/>
+      </p:nvGrpSpPr>
+      <p:grpSpPr>
+        <a:xfrm>
+          <a:off x="0" y="0"/>
+          <a:ext cx="0" cy="0"/>
+          <a:chOff x="0" y="0"/>
+          <a:chExt cx="0" cy="0"/>
+        </a:xfrm>
+      </p:grpSpPr>
+      <p:pic>
+        <p:nvPicPr>
+          <p:cNvPr id="13" name="Picture 12" descr="C0-HD-BTM.png"/>
+          <p:cNvPicPr>
+            <a:picLocks noChangeAspect="1"/>
+          </p:cNvPicPr>
+          <p:nvPr/>
+        </p:nvPicPr>
+        <p:blipFill>
+          <a:blip r:embed="rId2">
+            <a:extLst>
+              <a:ext uri="{28A0092B-C50C-407E-A947-70E740481C1C}">
+                <a14:useLocalDpi xmlns:a14="http://schemas.microsoft.com/office/drawing/2010/main" val="0"/>
+              </a:ext>
+            </a:extLst>
+          </a:blip>
+          <a:stretch>
+            <a:fillRect/>
+          </a:stretch>
+        </p:blipFill>
+        <p:spPr>
+          <a:xfrm>
+            <a:off x="0" y="4375150"/>
+            <a:ext cx="12192000" cy="2482850"/>
+          </a:xfrm>
+          <a:prstGeom prst="rect">
+            <a:avLst/>
+          </a:prstGeom>
+        </p:spPr>
+      </p:pic>
+      <p:sp>
+        <p:nvSpPr>
+          <p:cNvPr id="2" name="Title 1"/>
+          <p:cNvSpPr>
+            <a:spLocks noGrp="1"/>
+          </p:cNvSpPr>
+          <p:nvPr>
+            <p:ph type="title"/>
+          </p:nvPr>
+        </p:nvSpPr>
+        <p:spPr>
+          <a:xfrm>
+            <a:off x="1024467" y="753533"/>
+            <a:ext cx="10151533" cy="2604495"/>
+          </a:xfrm>
+        </p:spPr>
+        <p:txBody>
+          <a:bodyPr anchor="ctr"/>
+          <a:lstStyle>
+            <a:lvl1pPr algn="l">
+              <a:defRPr sz="3200"/>
+            </a:lvl1pPr>
+          </a:lstStyle>
+          <a:p>
+            <a:r>
+              <a:rPr lang="es-ES"/>
+              <a:t>Haga clic para modificar el estilo de título del patrón</a:t>
+            </a:r>
+            <a:endParaRPr lang="en-US" dirty="0"/>
+          </a:p>
+        </p:txBody>
+      </p:sp>
+      <p:sp>
+        <p:nvSpPr>
+          <p:cNvPr id="12" name="Text Placeholder 3"/>
+          <p:cNvSpPr>
+            <a:spLocks noGrp="1"/>
+          </p:cNvSpPr>
+          <p:nvPr>
+            <p:ph type="body" sz="half" idx="13"/>
+          </p:nvPr>
+        </p:nvSpPr>
+        <p:spPr>
+          <a:xfrm>
+            <a:off x="1303865" y="3365556"/>
+            <a:ext cx="9592736" cy="444443"/>
+          </a:xfrm>
+        </p:spPr>
+        <p:txBody>
+          <a:bodyPr anchor="t">
+            <a:normAutofit/>
+          </a:bodyPr>
+          <a:lstStyle>
+            <a:lvl1pPr marL="0" indent="0">
+              <a:buNone/>
+              <a:defRPr sz="1400"/>
+            </a:lvl1pPr>
+            <a:lvl2pPr marL="457200" indent="0">
+              <a:buNone/>
+              <a:defRPr sz="1400"/>
+            </a:lvl2pPr>
+            <a:lvl3pPr marL="914400" indent="0">
+              <a:buNone/>
+              <a:defRPr sz="1200"/>
+            </a:lvl3pPr>
+            <a:lvl4pPr marL="1371600" indent="0">
+              <a:buNone/>
+              <a:defRPr sz="1000"/>
+            </a:lvl4pPr>
+            <a:lvl5pPr marL="1828800" indent="0">
+              <a:buNone/>
+              <a:defRPr sz="1000"/>
+            </a:lvl5pPr>
+            <a:lvl6pPr marL="2286000" indent="0">
+              <a:buNone/>
+              <a:defRPr sz="1000"/>
+            </a:lvl6pPr>
+            <a:lvl7pPr marL="2743200" indent="0">
+              <a:buNone/>
+              <a:defRPr sz="1000"/>
+            </a:lvl7pPr>
+            <a:lvl8pPr marL="3200400" indent="0">
+              <a:buNone/>
+              <a:defRPr sz="1000"/>
+            </a:lvl8pPr>
+            <a:lvl9pPr marL="3657600" indent="0">
+              <a:buNone/>
+              <a:defRPr sz="1000"/>
+            </a:lvl9pPr>
+          </a:lstStyle>
+          <a:p>
+            <a:pPr lvl="0"/>
+            <a:r>
+              <a:rPr lang="es-ES"/>
+              <a:t>Haga clic para modificar los estilos de texto del patrón</a:t>
+            </a:r>
+          </a:p>
+        </p:txBody>
+      </p:sp>
+      <p:sp>
+        <p:nvSpPr>
+          <p:cNvPr id="4" name="Text Placeholder 3"/>
+          <p:cNvSpPr>
+            <a:spLocks noGrp="1"/>
+          </p:cNvSpPr>
+          <p:nvPr>
+            <p:ph type="body" sz="half" idx="2"/>
+          </p:nvPr>
+        </p:nvSpPr>
+        <p:spPr>
+          <a:xfrm>
+            <a:off x="1024467" y="3959862"/>
+            <a:ext cx="10151533" cy="679871"/>
+          </a:xfrm>
+        </p:spPr>
+        <p:txBody>
+          <a:bodyPr anchor="ctr">
+            <a:normAutofit/>
+          </a:bodyPr>
+          <a:lstStyle>
+            <a:lvl1pPr marL="0" indent="0">
+              <a:buNone/>
+              <a:defRPr sz="1600"/>
+            </a:lvl1pPr>
+            <a:lvl2pPr marL="457200" indent="0">
+              <a:buNone/>
+              <a:defRPr sz="1400"/>
+            </a:lvl2pPr>
+            <a:lvl3pPr marL="914400" indent="0">
+              <a:buNone/>
+              <a:defRPr sz="1200"/>
+            </a:lvl3pPr>
+            <a:lvl4pPr marL="1371600" indent="0">
+              <a:buNone/>
+              <a:defRPr sz="1000"/>
+            </a:lvl4pPr>
+            <a:lvl5pPr marL="1828800" indent="0">
+              <a:buNone/>
+              <a:defRPr sz="1000"/>
+            </a:lvl5pPr>
+            <a:lvl6pPr marL="2286000" indent="0">
+              <a:buNone/>
+              <a:defRPr sz="1000"/>
+            </a:lvl6pPr>
+            <a:lvl7pPr marL="2743200" indent="0">
+              <a:buNone/>
+              <a:defRPr sz="1000"/>
+            </a:lvl7pPr>
+            <a:lvl8pPr marL="3200400" indent="0">
+              <a:buNone/>
+              <a:defRPr sz="1000"/>
+            </a:lvl8pPr>
+            <a:lvl9pPr marL="3657600" indent="0">
+              <a:buNone/>
+              <a:defRPr sz="1000"/>
+            </a:lvl9pPr>
+          </a:lstStyle>
+          <a:p>
+            <a:pPr lvl="0"/>
+            <a:r>
+              <a:rPr lang="es-ES"/>
+              <a:t>Haga clic para modificar los estilos de texto del patrón</a:t>
+            </a:r>
+          </a:p>
+        </p:txBody>
+      </p:sp>
+      <p:sp>
+        <p:nvSpPr>
+          <p:cNvPr id="5" name="Date Placeholder 4"/>
+          <p:cNvSpPr>
+            <a:spLocks noGrp="1"/>
+          </p:cNvSpPr>
+          <p:nvPr>
+            <p:ph type="dt" sz="half" idx="10"/>
+          </p:nvPr>
+        </p:nvSpPr>
+        <p:spPr>
+          <a:xfrm>
+            <a:off x="7814452" y="381000"/>
+            <a:ext cx="2910840" cy="365125"/>
+          </a:xfrm>
+        </p:spPr>
+        <p:txBody>
+          <a:bodyPr/>
+          <a:lstStyle>
+            <a:lvl1pPr algn="r">
+              <a:defRPr/>
+            </a:lvl1pPr>
+          </a:lstStyle>
+          <a:p>
+            <a:fld id="{BA2DA283-DF95-4E2D-8B66-528F829F7A2B}" type="datetimeFigureOut">
+              <a:rPr lang="es-ES" smtClean="0"/>
+              <a:t>11/05/2024</a:t>
+            </a:fld>
+            <a:endParaRPr lang="es-ES"/>
+          </a:p>
+        </p:txBody>
+      </p:sp>
+      <p:sp>
+        <p:nvSpPr>
+          <p:cNvPr id="6" name="Footer Placeholder 5"/>
+          <p:cNvSpPr>
+            <a:spLocks noGrp="1"/>
+          </p:cNvSpPr>
+          <p:nvPr>
+            <p:ph type="ftr" sz="quarter" idx="11"/>
+          </p:nvPr>
+        </p:nvSpPr>
+        <p:spPr>
+          <a:xfrm>
+            <a:off x="685800" y="379941"/>
+            <a:ext cx="6991492" cy="365125"/>
+          </a:xfrm>
+        </p:spPr>
+        <p:txBody>
+          <a:bodyPr/>
+          <a:lstStyle/>
+          <a:p>
+            <a:endParaRPr lang="es-ES"/>
+          </a:p>
+        </p:txBody>
+      </p:sp>
+      <p:sp>
+        <p:nvSpPr>
+          <p:cNvPr id="7" name="Slide Number Placeholder 6"/>
+          <p:cNvSpPr>
+            <a:spLocks noGrp="1"/>
+          </p:cNvSpPr>
+          <p:nvPr>
+            <p:ph type="sldNum" sz="quarter" idx="12"/>
+          </p:nvPr>
+        </p:nvSpPr>
+        <p:spPr>
+          <a:xfrm>
+            <a:off x="10862452" y="381000"/>
+            <a:ext cx="643748" cy="365125"/>
+          </a:xfrm>
+        </p:spPr>
+        <p:txBody>
+          <a:bodyPr/>
+          <a:lstStyle/>
+          <a:p>
+            <a:fld id="{E0F33228-C604-4D2C-AE39-F2F307E5CA46}" type="slidenum">
+              <a:rPr lang="es-ES" smtClean="0"/>
+              <a:t>‹Nº›</a:t>
+            </a:fld>
+            <a:endParaRPr lang="es-ES"/>
+          </a:p>
+        </p:txBody>
+      </p:sp>
+      <p:sp>
+        <p:nvSpPr>
+          <p:cNvPr id="9" name="TextBox 8"/>
+          <p:cNvSpPr txBox="1"/>
+          <p:nvPr/>
+        </p:nvSpPr>
+        <p:spPr>
+          <a:xfrm>
+            <a:off x="476250" y="933450"/>
+            <a:ext cx="609600" cy="584776"/>
+          </a:xfrm>
+          <a:prstGeom prst="rect">
+            <a:avLst/>
+          </a:prstGeom>
+        </p:spPr>
+        <p:txBody>
+          <a:bodyPr vert="horz" lIns="91440" tIns="45720" rIns="91440" bIns="45720" rtlCol="0" anchor="ctr">
+            <a:noAutofit/>
+          </a:bodyPr>
+          <a:lstStyle>
+            <a:lvl1pPr>
+              <a:spcBef>
+                <a:spcPct val="0"/>
+              </a:spcBef>
+              <a:buNone/>
+              <a:defRPr sz="3200" b="0" cap="all">
+                <a:ln w="3175" cmpd="sng">
+                  <a:noFill/>
+                </a:ln>
+                <a:effectLst>
+                  <a:glow rad="38100">
+                    <a:schemeClr val="bg1">
+                      <a:lumMod val="65000"/>
+                      <a:lumOff val="35000"/>
+                      <a:alpha val="40000"/>
+                    </a:schemeClr>
+                  </a:glow>
+                  <a:outerShdw blurRad="28575" dist="38100" dir="14040000" algn="tl" rotWithShape="0">
+                    <a:srgbClr val="000000">
+                      <a:alpha val="25000"/>
+                    </a:srgbClr>
+                  </a:outerShdw>
+                </a:effectLst>
+              </a:defRPr>
+            </a:lvl1pPr>
+            <a:lvl2pPr>
+              <a:defRPr>
+                <a:solidFill>
+                  <a:schemeClr val="tx2"/>
+                </a:solidFill>
+              </a:defRPr>
+            </a:lvl2pPr>
+            <a:lvl3pPr>
+              <a:defRPr>
+                <a:solidFill>
+                  <a:schemeClr val="tx2"/>
+                </a:solidFill>
+              </a:defRPr>
+            </a:lvl3pPr>
+            <a:lvl4pPr>
+              <a:defRPr>
+                <a:solidFill>
+                  <a:schemeClr val="tx2"/>
+                </a:solidFill>
+              </a:defRPr>
+            </a:lvl4pPr>
+            <a:lvl5pPr>
+              <a:defRPr>
+                <a:solidFill>
+                  <a:schemeClr val="tx2"/>
+                </a:solidFill>
+              </a:defRPr>
+            </a:lvl5pPr>
+            <a:lvl6pPr>
+              <a:defRPr>
+                <a:solidFill>
+                  <a:schemeClr val="tx2"/>
+                </a:solidFill>
+              </a:defRPr>
+            </a:lvl6pPr>
+            <a:lvl7pPr>
+              <a:defRPr>
+                <a:solidFill>
+                  <a:schemeClr val="tx2"/>
+                </a:solidFill>
+              </a:defRPr>
+            </a:lvl7pPr>
+            <a:lvl8pPr>
+              <a:defRPr>
+                <a:solidFill>
+                  <a:schemeClr val="tx2"/>
+                </a:solidFill>
+              </a:defRPr>
+            </a:lvl8pPr>
+            <a:lvl9pPr>
+              <a:defRPr>
+                <a:solidFill>
+                  <a:schemeClr val="tx2"/>
+                </a:solidFill>
+              </a:defRPr>
+            </a:lvl9pPr>
+          </a:lstStyle>
+          <a:p>
+            <a:pPr lvl="0"/>
+            <a:r>
+              <a:rPr lang="en-US" sz="8000" dirty="0">
+                <a:solidFill>
+                  <a:schemeClr val="tx1"/>
+                </a:solidFill>
+                <a:effectLst/>
+              </a:rPr>
+              <a:t>“</a:t>
+            </a:r>
+          </a:p>
+        </p:txBody>
+      </p:sp>
+      <p:sp>
+        <p:nvSpPr>
+          <p:cNvPr id="10" name="TextBox 9"/>
+          <p:cNvSpPr txBox="1"/>
+          <p:nvPr/>
+        </p:nvSpPr>
+        <p:spPr>
+          <a:xfrm>
+            <a:off x="10984230" y="2701290"/>
+            <a:ext cx="609600" cy="584776"/>
+          </a:xfrm>
+          <a:prstGeom prst="rect">
+            <a:avLst/>
+          </a:prstGeom>
+        </p:spPr>
+        <p:txBody>
+          <a:bodyPr vert="horz" lIns="91440" tIns="45720" rIns="91440" bIns="45720" rtlCol="0" anchor="ctr">
+            <a:noAutofit/>
+          </a:bodyPr>
+          <a:lstStyle>
+            <a:lvl1pPr>
+              <a:spcBef>
+                <a:spcPct val="0"/>
+              </a:spcBef>
+              <a:buNone/>
+              <a:defRPr sz="3200" b="0" cap="all">
+                <a:ln w="3175" cmpd="sng">
+                  <a:noFill/>
+                </a:ln>
+                <a:effectLst>
+                  <a:glow rad="38100">
+                    <a:schemeClr val="bg1">
+                      <a:lumMod val="65000"/>
+                      <a:lumOff val="35000"/>
+                      <a:alpha val="40000"/>
+                    </a:schemeClr>
+                  </a:glow>
+                  <a:outerShdw blurRad="28575" dist="38100" dir="14040000" algn="tl" rotWithShape="0">
+                    <a:srgbClr val="000000">
+                      <a:alpha val="25000"/>
+                    </a:srgbClr>
+                  </a:outerShdw>
+                </a:effectLst>
+              </a:defRPr>
+            </a:lvl1pPr>
+            <a:lvl2pPr>
+              <a:defRPr>
+                <a:solidFill>
+                  <a:schemeClr val="tx2"/>
+                </a:solidFill>
+              </a:defRPr>
+            </a:lvl2pPr>
+            <a:lvl3pPr>
+              <a:defRPr>
+                <a:solidFill>
+                  <a:schemeClr val="tx2"/>
+                </a:solidFill>
+              </a:defRPr>
+            </a:lvl3pPr>
+            <a:lvl4pPr>
+              <a:defRPr>
+                <a:solidFill>
+                  <a:schemeClr val="tx2"/>
+                </a:solidFill>
+              </a:defRPr>
+            </a:lvl4pPr>
+            <a:lvl5pPr>
+              <a:defRPr>
+                <a:solidFill>
+                  <a:schemeClr val="tx2"/>
+                </a:solidFill>
+              </a:defRPr>
+            </a:lvl5pPr>
+            <a:lvl6pPr>
+              <a:defRPr>
+                <a:solidFill>
+                  <a:schemeClr val="tx2"/>
+                </a:solidFill>
+              </a:defRPr>
+            </a:lvl6pPr>
+            <a:lvl7pPr>
+              <a:defRPr>
+                <a:solidFill>
+                  <a:schemeClr val="tx2"/>
+                </a:solidFill>
+              </a:defRPr>
+            </a:lvl7pPr>
+            <a:lvl8pPr>
+              <a:defRPr>
+                <a:solidFill>
+                  <a:schemeClr val="tx2"/>
+                </a:solidFill>
+              </a:defRPr>
+            </a:lvl8pPr>
+            <a:lvl9pPr>
+              <a:defRPr>
+                <a:solidFill>
+                  <a:schemeClr val="tx2"/>
+                </a:solidFill>
+              </a:defRPr>
+            </a:lvl9pPr>
+          </a:lstStyle>
+          <a:p>
+            <a:pPr lvl="0" algn="r"/>
+            <a:r>
+              <a:rPr lang="en-US" sz="8000" dirty="0">
+                <a:solidFill>
+                  <a:schemeClr val="tx1"/>
+                </a:solidFill>
+                <a:effectLst/>
+              </a:rPr>
+              <a:t>”</a:t>
+            </a:r>
+          </a:p>
+        </p:txBody>
+      </p:sp>
+    </p:spTree>
+    <p:extLst>
+      <p:ext uri="{BB962C8B-B14F-4D97-AF65-F5344CB8AC3E}">
+        <p14:creationId xmlns:p14="http://schemas.microsoft.com/office/powerpoint/2010/main" val="2263772155"/>
+      </p:ext>
+    </p:extLst>
+  </p:cSld>
+  <p:clrMapOvr>
+    <a:masterClrMapping/>
+  </p:clrMapOvr>
+</p:sldLayout>
+</file>
+
+<file path=ppt/slideLayouts/slideLayout13.xml><?xml version="1.0" encoding="utf-8"?>
+<p:sldLayout xmlns:a="http://schemas.openxmlformats.org/drawingml/2006/main" xmlns:r="http://schemas.openxmlformats.org/officeDocument/2006/relationships" xmlns:p="http://schemas.openxmlformats.org/presentationml/2006/main" showMasterSp="0" preserve="1">
+  <p:cSld name="Tarjeta de nombre">
+    <p:spTree>
+      <p:nvGrpSpPr>
+        <p:cNvPr id="1" name=""/>
+        <p:cNvGrpSpPr/>
+        <p:nvPr/>
+      </p:nvGrpSpPr>
+      <p:grpSpPr>
+        <a:xfrm>
+          <a:off x="0" y="0"/>
+          <a:ext cx="0" cy="0"/>
+          <a:chOff x="0" y="0"/>
+          <a:chExt cx="0" cy="0"/>
+        </a:xfrm>
+      </p:grpSpPr>
+      <p:pic>
+        <p:nvPicPr>
+          <p:cNvPr id="9" name="Picture 8" descr="C0-HD-BTM.png"/>
+          <p:cNvPicPr>
+            <a:picLocks noChangeAspect="1"/>
+          </p:cNvPicPr>
+          <p:nvPr/>
+        </p:nvPicPr>
+        <p:blipFill>
+          <a:blip r:embed="rId2">
+            <a:extLst>
+              <a:ext uri="{28A0092B-C50C-407E-A947-70E740481C1C}">
+                <a14:useLocalDpi xmlns:a14="http://schemas.microsoft.com/office/drawing/2010/main" val="0"/>
+              </a:ext>
+            </a:extLst>
+          </a:blip>
+          <a:stretch>
+            <a:fillRect/>
+          </a:stretch>
+        </p:blipFill>
+        <p:spPr>
+          <a:xfrm>
+            <a:off x="0" y="4375150"/>
+            <a:ext cx="12192000" cy="2482850"/>
+          </a:xfrm>
+          <a:prstGeom prst="rect">
+            <a:avLst/>
+          </a:prstGeom>
+        </p:spPr>
+      </p:pic>
+      <p:sp>
+        <p:nvSpPr>
+          <p:cNvPr id="2" name="Title 1"/>
+          <p:cNvSpPr>
+            <a:spLocks noGrp="1"/>
+          </p:cNvSpPr>
+          <p:nvPr>
+            <p:ph type="title"/>
+          </p:nvPr>
+        </p:nvSpPr>
+        <p:spPr>
+          <a:xfrm>
+            <a:off x="1024495" y="1124701"/>
+            <a:ext cx="10146186" cy="2511835"/>
+          </a:xfrm>
+        </p:spPr>
+        <p:txBody>
+          <a:bodyPr anchor="b"/>
+          <a:lstStyle>
+            <a:lvl1pPr algn="l">
+              <a:defRPr sz="3200"/>
+            </a:lvl1pPr>
+          </a:lstStyle>
+          <a:p>
+            <a:r>
+              <a:rPr lang="es-ES"/>
+              <a:t>Haga clic para modificar el estilo de título del patrón</a:t>
+            </a:r>
+            <a:endParaRPr lang="en-US" dirty="0"/>
+          </a:p>
+        </p:txBody>
+      </p:sp>
+      <p:sp>
+        <p:nvSpPr>
+          <p:cNvPr id="4" name="Text Placeholder 3"/>
+          <p:cNvSpPr>
+            <a:spLocks noGrp="1"/>
+          </p:cNvSpPr>
+          <p:nvPr>
+            <p:ph type="body" sz="half" idx="2"/>
+          </p:nvPr>
+        </p:nvSpPr>
+        <p:spPr>
+          <a:xfrm>
+            <a:off x="1024467" y="3648315"/>
+            <a:ext cx="10144654" cy="999885"/>
+          </a:xfrm>
+        </p:spPr>
+        <p:txBody>
+          <a:bodyPr anchor="t"/>
+          <a:lstStyle>
+            <a:lvl1pPr marL="0" indent="0">
+              <a:buNone/>
+              <a:defRPr sz="1600"/>
+            </a:lvl1pPr>
+            <a:lvl2pPr marL="457200" indent="0">
+              <a:buNone/>
+              <a:defRPr sz="1400"/>
+            </a:lvl2pPr>
+            <a:lvl3pPr marL="914400" indent="0">
+              <a:buNone/>
+              <a:defRPr sz="1200"/>
+            </a:lvl3pPr>
+            <a:lvl4pPr marL="1371600" indent="0">
+              <a:buNone/>
+              <a:defRPr sz="1000"/>
+            </a:lvl4pPr>
+            <a:lvl5pPr marL="1828800" indent="0">
+              <a:buNone/>
+              <a:defRPr sz="1000"/>
+            </a:lvl5pPr>
+            <a:lvl6pPr marL="2286000" indent="0">
+              <a:buNone/>
+              <a:defRPr sz="1000"/>
+            </a:lvl6pPr>
+            <a:lvl7pPr marL="2743200" indent="0">
+              <a:buNone/>
+              <a:defRPr sz="1000"/>
+            </a:lvl7pPr>
+            <a:lvl8pPr marL="3200400" indent="0">
+              <a:buNone/>
+              <a:defRPr sz="1000"/>
+            </a:lvl8pPr>
+            <a:lvl9pPr marL="3657600" indent="0">
+              <a:buNone/>
+              <a:defRPr sz="1000"/>
+            </a:lvl9pPr>
+          </a:lstStyle>
+          <a:p>
+            <a:pPr lvl="0"/>
+            <a:r>
+              <a:rPr lang="es-ES"/>
+              <a:t>Haga clic para modificar los estilos de texto del patrón</a:t>
+            </a:r>
+          </a:p>
+        </p:txBody>
+      </p:sp>
+      <p:sp>
+        <p:nvSpPr>
+          <p:cNvPr id="5" name="Date Placeholder 4"/>
+          <p:cNvSpPr>
+            <a:spLocks noGrp="1"/>
+          </p:cNvSpPr>
+          <p:nvPr>
+            <p:ph type="dt" sz="half" idx="10"/>
+          </p:nvPr>
+        </p:nvSpPr>
+        <p:spPr>
+          <a:xfrm>
+            <a:off x="7814452" y="378883"/>
+            <a:ext cx="2910840" cy="365125"/>
+          </a:xfrm>
+        </p:spPr>
+        <p:txBody>
+          <a:bodyPr/>
+          <a:lstStyle>
+            <a:lvl1pPr algn="r">
+              <a:defRPr/>
+            </a:lvl1pPr>
+          </a:lstStyle>
+          <a:p>
+            <a:fld id="{BA2DA283-DF95-4E2D-8B66-528F829F7A2B}" type="datetimeFigureOut">
+              <a:rPr lang="es-ES" smtClean="0"/>
+              <a:t>11/05/2024</a:t>
+            </a:fld>
+            <a:endParaRPr lang="es-ES"/>
+          </a:p>
+        </p:txBody>
+      </p:sp>
+      <p:sp>
+        <p:nvSpPr>
+          <p:cNvPr id="6" name="Footer Placeholder 5"/>
+          <p:cNvSpPr>
+            <a:spLocks noGrp="1"/>
+          </p:cNvSpPr>
+          <p:nvPr>
+            <p:ph type="ftr" sz="quarter" idx="11"/>
+          </p:nvPr>
+        </p:nvSpPr>
+        <p:spPr>
+          <a:xfrm>
+            <a:off x="685800" y="378883"/>
+            <a:ext cx="6991492" cy="365125"/>
+          </a:xfrm>
+        </p:spPr>
+        <p:txBody>
+          <a:bodyPr/>
+          <a:lstStyle/>
+          <a:p>
+            <a:endParaRPr lang="es-ES"/>
+          </a:p>
+        </p:txBody>
+      </p:sp>
+      <p:sp>
+        <p:nvSpPr>
+          <p:cNvPr id="7" name="Slide Number Placeholder 6"/>
+          <p:cNvSpPr>
+            <a:spLocks noGrp="1"/>
+          </p:cNvSpPr>
+          <p:nvPr>
+            <p:ph type="sldNum" sz="quarter" idx="12"/>
+          </p:nvPr>
+        </p:nvSpPr>
+        <p:spPr>
+          <a:xfrm>
+            <a:off x="10862452" y="381000"/>
+            <a:ext cx="643748" cy="365125"/>
+          </a:xfrm>
+        </p:spPr>
+        <p:txBody>
+          <a:bodyPr/>
+          <a:lstStyle/>
+          <a:p>
+            <a:fld id="{E0F33228-C604-4D2C-AE39-F2F307E5CA46}" type="slidenum">
+              <a:rPr lang="es-ES" smtClean="0"/>
+              <a:t>‹Nº›</a:t>
+            </a:fld>
+            <a:endParaRPr lang="es-ES"/>
+          </a:p>
+        </p:txBody>
+      </p:sp>
+    </p:spTree>
+    <p:extLst>
+      <p:ext uri="{BB962C8B-B14F-4D97-AF65-F5344CB8AC3E}">
+        <p14:creationId xmlns:p14="http://schemas.microsoft.com/office/powerpoint/2010/main" val="3867989527"/>
+      </p:ext>
+    </p:extLst>
+  </p:cSld>
+  <p:clrMapOvr>
+    <a:masterClrMapping/>
+  </p:clrMapOvr>
+</p:sldLayout>
+</file>
+
+<file path=ppt/slideLayouts/slideLayout14.xml><?xml version="1.0" encoding="utf-8"?>
+<p:sldLayout xmlns:a="http://schemas.openxmlformats.org/drawingml/2006/main" xmlns:r="http://schemas.openxmlformats.org/officeDocument/2006/relationships" xmlns:p="http://schemas.openxmlformats.org/presentationml/2006/main" preserve="1">
+  <p:cSld name="Columna 3">
+    <p:spTree>
+      <p:nvGrpSpPr>
+        <p:cNvPr id="1" name=""/>
+        <p:cNvGrpSpPr/>
+        <p:nvPr/>
+      </p:nvGrpSpPr>
+      <p:grpSpPr>
+        <a:xfrm>
+          <a:off x="0" y="0"/>
+          <a:ext cx="0" cy="0"/>
+          <a:chOff x="0" y="0"/>
+          <a:chExt cx="0" cy="0"/>
+        </a:xfrm>
+      </p:grpSpPr>
+      <p:sp>
+        <p:nvSpPr>
+          <p:cNvPr id="15" name="Title 1"/>
+          <p:cNvSpPr>
+            <a:spLocks noGrp="1"/>
+          </p:cNvSpPr>
+          <p:nvPr>
+            <p:ph type="title"/>
+          </p:nvPr>
+        </p:nvSpPr>
+        <p:spPr>
+          <a:xfrm>
+            <a:off x="2895600" y="761999"/>
+            <a:ext cx="8610599" cy="1303867"/>
+          </a:xfrm>
+        </p:spPr>
+        <p:txBody>
+          <a:bodyPr/>
+          <a:lstStyle/>
+          <a:p>
+            <a:r>
+              <a:rPr lang="es-ES"/>
+              <a:t>Haga clic para modificar el estilo de título del patrón</a:t>
+            </a:r>
+            <a:endParaRPr lang="en-US" dirty="0"/>
+          </a:p>
+        </p:txBody>
+      </p:sp>
+      <p:sp>
+        <p:nvSpPr>
+          <p:cNvPr id="7" name="Text Placeholder 2"/>
+          <p:cNvSpPr>
+            <a:spLocks noGrp="1"/>
+          </p:cNvSpPr>
+          <p:nvPr>
+            <p:ph type="body" idx="1"/>
+          </p:nvPr>
+        </p:nvSpPr>
+        <p:spPr>
+          <a:xfrm>
+            <a:off x="685800" y="2202080"/>
+            <a:ext cx="3456432" cy="617320"/>
+          </a:xfrm>
+        </p:spPr>
+        <p:txBody>
+          <a:bodyPr anchor="b">
+            <a:noAutofit/>
+          </a:bodyPr>
+          <a:lstStyle>
+            <a:lvl1pPr marL="0" indent="0">
+              <a:buNone/>
+              <a:defRPr sz="2400" b="0">
+                <a:solidFill>
+                  <a:schemeClr val="tx1"/>
+                </a:solidFill>
+              </a:defRPr>
+            </a:lvl1pPr>
+            <a:lvl2pPr marL="457200" indent="0">
+              <a:buNone/>
+              <a:defRPr sz="2000" b="1"/>
+            </a:lvl2pPr>
+            <a:lvl3pPr marL="914400" indent="0">
+              <a:buNone/>
+              <a:defRPr sz="1800" b="1"/>
+            </a:lvl3pPr>
+            <a:lvl4pPr marL="1371600" indent="0">
+              <a:buNone/>
+              <a:defRPr sz="1600" b="1"/>
+            </a:lvl4pPr>
+            <a:lvl5pPr marL="1828800" indent="0">
+              <a:buNone/>
+              <a:defRPr sz="1600" b="1"/>
+            </a:lvl5pPr>
+            <a:lvl6pPr marL="2286000" indent="0">
+              <a:buNone/>
+              <a:defRPr sz="1600" b="1"/>
+            </a:lvl6pPr>
+            <a:lvl7pPr marL="2743200" indent="0">
+              <a:buNone/>
+              <a:defRPr sz="1600" b="1"/>
+            </a:lvl7pPr>
+            <a:lvl8pPr marL="3200400" indent="0">
+              <a:buNone/>
+              <a:defRPr sz="1600" b="1"/>
+            </a:lvl8pPr>
+            <a:lvl9pPr marL="3657600" indent="0">
+              <a:buNone/>
+              <a:defRPr sz="1600" b="1"/>
+            </a:lvl9pPr>
+          </a:lstStyle>
+          <a:p>
+            <a:pPr lvl="0"/>
+            <a:r>
+              <a:rPr lang="es-ES"/>
+              <a:t>Haga clic para modificar los estilos de texto del patrón</a:t>
+            </a:r>
+          </a:p>
+        </p:txBody>
+      </p:sp>
+      <p:sp>
+        <p:nvSpPr>
+          <p:cNvPr id="8" name="Text Placeholder 3"/>
+          <p:cNvSpPr>
+            <a:spLocks noGrp="1"/>
+          </p:cNvSpPr>
+          <p:nvPr>
+            <p:ph type="body" sz="half" idx="15"/>
+          </p:nvPr>
+        </p:nvSpPr>
+        <p:spPr>
+          <a:xfrm>
+            <a:off x="685799" y="2904565"/>
+            <a:ext cx="3456432" cy="3314132"/>
+          </a:xfrm>
+        </p:spPr>
+        <p:txBody>
+          <a:bodyPr anchor="t">
+            <a:normAutofit/>
+          </a:bodyPr>
+          <a:lstStyle>
+            <a:lvl1pPr marL="0" indent="0">
+              <a:buNone/>
+              <a:defRPr sz="1400"/>
+            </a:lvl1pPr>
+            <a:lvl2pPr marL="457200" indent="0">
+              <a:buNone/>
+              <a:defRPr sz="1200"/>
+            </a:lvl2pPr>
+            <a:lvl3pPr marL="914400" indent="0">
+              <a:buNone/>
+              <a:defRPr sz="1000"/>
+            </a:lvl3pPr>
+            <a:lvl4pPr marL="1371600" indent="0">
+              <a:buNone/>
+              <a:defRPr sz="900"/>
+            </a:lvl4pPr>
+            <a:lvl5pPr marL="1828800" indent="0">
+              <a:buNone/>
+              <a:defRPr sz="900"/>
+            </a:lvl5pPr>
+            <a:lvl6pPr marL="2286000" indent="0">
+              <a:buNone/>
+              <a:defRPr sz="900"/>
+            </a:lvl6pPr>
+            <a:lvl7pPr marL="2743200" indent="0">
+              <a:buNone/>
+              <a:defRPr sz="900"/>
+            </a:lvl7pPr>
+            <a:lvl8pPr marL="3200400" indent="0">
+              <a:buNone/>
+              <a:defRPr sz="900"/>
+            </a:lvl8pPr>
+            <a:lvl9pPr marL="3657600" indent="0">
+              <a:buNone/>
+              <a:defRPr sz="900"/>
+            </a:lvl9pPr>
+          </a:lstStyle>
+          <a:p>
+            <a:pPr lvl="0"/>
+            <a:r>
+              <a:rPr lang="es-ES"/>
+              <a:t>Haga clic para modificar los estilos de texto del patrón</a:t>
+            </a:r>
+          </a:p>
+        </p:txBody>
+      </p:sp>
+      <p:sp>
+        <p:nvSpPr>
+          <p:cNvPr id="9" name="Text Placeholder 4"/>
+          <p:cNvSpPr>
+            <a:spLocks noGrp="1"/>
+          </p:cNvSpPr>
+          <p:nvPr>
+            <p:ph type="body" sz="quarter" idx="3"/>
+          </p:nvPr>
+        </p:nvSpPr>
+        <p:spPr>
+          <a:xfrm>
+            <a:off x="4368800" y="2201333"/>
+            <a:ext cx="3456432" cy="626534"/>
+          </a:xfrm>
+        </p:spPr>
+        <p:txBody>
+          <a:bodyPr anchor="b">
+            <a:noAutofit/>
+          </a:bodyPr>
+          <a:lstStyle>
+            <a:lvl1pPr marL="0" indent="0">
+              <a:buNone/>
+              <a:defRPr sz="2400" b="0">
+                <a:solidFill>
+                  <a:schemeClr val="tx1"/>
+                </a:solidFill>
+              </a:defRPr>
+            </a:lvl1pPr>
+            <a:lvl2pPr marL="457200" indent="0">
+              <a:buNone/>
+              <a:defRPr sz="2000" b="1"/>
+            </a:lvl2pPr>
+            <a:lvl3pPr marL="914400" indent="0">
+              <a:buNone/>
+              <a:defRPr sz="1800" b="1"/>
+            </a:lvl3pPr>
+            <a:lvl4pPr marL="1371600" indent="0">
+              <a:buNone/>
+              <a:defRPr sz="1600" b="1"/>
+            </a:lvl4pPr>
+            <a:lvl5pPr marL="1828800" indent="0">
+              <a:buNone/>
+              <a:defRPr sz="1600" b="1"/>
+            </a:lvl5pPr>
+            <a:lvl6pPr marL="2286000" indent="0">
+              <a:buNone/>
+              <a:defRPr sz="1600" b="1"/>
+            </a:lvl6pPr>
+            <a:lvl7pPr marL="2743200" indent="0">
+              <a:buNone/>
+              <a:defRPr sz="1600" b="1"/>
+            </a:lvl7pPr>
+            <a:lvl8pPr marL="3200400" indent="0">
+              <a:buNone/>
+              <a:defRPr sz="1600" b="1"/>
+            </a:lvl8pPr>
+            <a:lvl9pPr marL="3657600" indent="0">
+              <a:buNone/>
+              <a:defRPr sz="1600" b="1"/>
+            </a:lvl9pPr>
+          </a:lstStyle>
+          <a:p>
+            <a:pPr lvl="0"/>
+            <a:r>
+              <a:rPr lang="es-ES"/>
+              <a:t>Haga clic para modificar los estilos de texto del patrón</a:t>
+            </a:r>
+          </a:p>
+        </p:txBody>
+      </p:sp>
+      <p:sp>
+        <p:nvSpPr>
+          <p:cNvPr id="10" name="Text Placeholder 3"/>
+          <p:cNvSpPr>
+            <a:spLocks noGrp="1"/>
+          </p:cNvSpPr>
+          <p:nvPr>
+            <p:ph type="body" sz="half" idx="16"/>
+          </p:nvPr>
+        </p:nvSpPr>
+        <p:spPr>
+          <a:xfrm>
+            <a:off x="4366858" y="2904067"/>
+            <a:ext cx="3456432" cy="3314618"/>
+          </a:xfrm>
+        </p:spPr>
+        <p:txBody>
+          <a:bodyPr anchor="t">
+            <a:normAutofit/>
+          </a:bodyPr>
+          <a:lstStyle>
+            <a:lvl1pPr marL="0" indent="0">
+              <a:buNone/>
+              <a:defRPr sz="1400"/>
+            </a:lvl1pPr>
+            <a:lvl2pPr marL="457200" indent="0">
+              <a:buNone/>
+              <a:defRPr sz="1200"/>
+            </a:lvl2pPr>
+            <a:lvl3pPr marL="914400" indent="0">
+              <a:buNone/>
+              <a:defRPr sz="1000"/>
+            </a:lvl3pPr>
+            <a:lvl4pPr marL="1371600" indent="0">
+              <a:buNone/>
+              <a:defRPr sz="900"/>
+            </a:lvl4pPr>
+            <a:lvl5pPr marL="1828800" indent="0">
+              <a:buNone/>
+              <a:defRPr sz="900"/>
+            </a:lvl5pPr>
+            <a:lvl6pPr marL="2286000" indent="0">
+              <a:buNone/>
+              <a:defRPr sz="900"/>
+            </a:lvl6pPr>
+            <a:lvl7pPr marL="2743200" indent="0">
+              <a:buNone/>
+              <a:defRPr sz="900"/>
+            </a:lvl7pPr>
+            <a:lvl8pPr marL="3200400" indent="0">
+              <a:buNone/>
+              <a:defRPr sz="900"/>
+            </a:lvl8pPr>
+            <a:lvl9pPr marL="3657600" indent="0">
+              <a:buNone/>
+              <a:defRPr sz="900"/>
+            </a:lvl9pPr>
+          </a:lstStyle>
+          <a:p>
+            <a:pPr lvl="0"/>
+            <a:r>
+              <a:rPr lang="es-ES"/>
+              <a:t>Haga clic para modificar los estilos de texto del patrón</a:t>
+            </a:r>
+          </a:p>
+        </p:txBody>
+      </p:sp>
+      <p:sp>
+        <p:nvSpPr>
+          <p:cNvPr id="11" name="Text Placeholder 4"/>
+          <p:cNvSpPr>
+            <a:spLocks noGrp="1"/>
+          </p:cNvSpPr>
+          <p:nvPr>
+            <p:ph type="body" sz="quarter" idx="13"/>
+          </p:nvPr>
+        </p:nvSpPr>
+        <p:spPr>
+          <a:xfrm>
+            <a:off x="8051800" y="2192866"/>
+            <a:ext cx="3456432" cy="626534"/>
+          </a:xfrm>
+        </p:spPr>
+        <p:txBody>
+          <a:bodyPr anchor="b">
+            <a:noAutofit/>
+          </a:bodyPr>
+          <a:lstStyle>
+            <a:lvl1pPr marL="0" indent="0">
+              <a:buNone/>
+              <a:defRPr sz="2400" b="0">
+                <a:solidFill>
+                  <a:schemeClr val="tx1"/>
+                </a:solidFill>
+              </a:defRPr>
+            </a:lvl1pPr>
+            <a:lvl2pPr marL="457200" indent="0">
+              <a:buNone/>
+              <a:defRPr sz="2000" b="1"/>
+            </a:lvl2pPr>
+            <a:lvl3pPr marL="914400" indent="0">
+              <a:buNone/>
+              <a:defRPr sz="1800" b="1"/>
+            </a:lvl3pPr>
+            <a:lvl4pPr marL="1371600" indent="0">
+              <a:buNone/>
+              <a:defRPr sz="1600" b="1"/>
+            </a:lvl4pPr>
+            <a:lvl5pPr marL="1828800" indent="0">
+              <a:buNone/>
+              <a:defRPr sz="1600" b="1"/>
+            </a:lvl5pPr>
+            <a:lvl6pPr marL="2286000" indent="0">
+              <a:buNone/>
+              <a:defRPr sz="1600" b="1"/>
+            </a:lvl6pPr>
+            <a:lvl7pPr marL="2743200" indent="0">
+              <a:buNone/>
+              <a:defRPr sz="1600" b="1"/>
+            </a:lvl7pPr>
+            <a:lvl8pPr marL="3200400" indent="0">
+              <a:buNone/>
+              <a:defRPr sz="1600" b="1"/>
+            </a:lvl8pPr>
+            <a:lvl9pPr marL="3657600" indent="0">
+              <a:buNone/>
+              <a:defRPr sz="1600" b="1"/>
+            </a:lvl9pPr>
+          </a:lstStyle>
+          <a:p>
+            <a:pPr lvl="0"/>
+            <a:r>
+              <a:rPr lang="es-ES"/>
+              <a:t>Haga clic para modificar los estilos de texto del patrón</a:t>
+            </a:r>
+          </a:p>
+        </p:txBody>
+      </p:sp>
+      <p:sp>
+        <p:nvSpPr>
+          <p:cNvPr id="12" name="Text Placeholder 3"/>
+          <p:cNvSpPr>
+            <a:spLocks noGrp="1"/>
+          </p:cNvSpPr>
+          <p:nvPr>
+            <p:ph type="body" sz="half" idx="17"/>
+          </p:nvPr>
+        </p:nvSpPr>
+        <p:spPr>
+          <a:xfrm>
+            <a:off x="8051801" y="2904565"/>
+            <a:ext cx="3456432" cy="3314132"/>
+          </a:xfrm>
+        </p:spPr>
+        <p:txBody>
+          <a:bodyPr anchor="t">
+            <a:normAutofit/>
+          </a:bodyPr>
+          <a:lstStyle>
+            <a:lvl1pPr marL="0" indent="0">
+              <a:buNone/>
+              <a:defRPr sz="1400"/>
+            </a:lvl1pPr>
+            <a:lvl2pPr marL="457200" indent="0">
+              <a:buNone/>
+              <a:defRPr sz="1200"/>
+            </a:lvl2pPr>
+            <a:lvl3pPr marL="914400" indent="0">
+              <a:buNone/>
+              <a:defRPr sz="1000"/>
+            </a:lvl3pPr>
+            <a:lvl4pPr marL="1371600" indent="0">
+              <a:buNone/>
+              <a:defRPr sz="900"/>
+            </a:lvl4pPr>
+            <a:lvl5pPr marL="1828800" indent="0">
+              <a:buNone/>
+              <a:defRPr sz="900"/>
+            </a:lvl5pPr>
+            <a:lvl6pPr marL="2286000" indent="0">
+              <a:buNone/>
+              <a:defRPr sz="900"/>
+            </a:lvl6pPr>
+            <a:lvl7pPr marL="2743200" indent="0">
+              <a:buNone/>
+              <a:defRPr sz="900"/>
+            </a:lvl7pPr>
+            <a:lvl8pPr marL="3200400" indent="0">
+              <a:buNone/>
+              <a:defRPr sz="900"/>
+            </a:lvl8pPr>
+            <a:lvl9pPr marL="3657600" indent="0">
+              <a:buNone/>
+              <a:defRPr sz="900"/>
+            </a:lvl9pPr>
+          </a:lstStyle>
+          <a:p>
+            <a:pPr lvl="0"/>
+            <a:r>
+              <a:rPr lang="es-ES"/>
+              <a:t>Haga clic para modificar los estilos de texto del patrón</a:t>
+            </a:r>
+          </a:p>
+        </p:txBody>
+      </p:sp>
+      <p:sp>
+        <p:nvSpPr>
+          <p:cNvPr id="3" name="Date Placeholder 2"/>
+          <p:cNvSpPr>
+            <a:spLocks noGrp="1"/>
+          </p:cNvSpPr>
+          <p:nvPr>
+            <p:ph type="dt" sz="half" idx="10"/>
+          </p:nvPr>
+        </p:nvSpPr>
+        <p:spPr/>
+        <p:txBody>
+          <a:bodyPr/>
+          <a:lstStyle/>
+          <a:p>
+            <a:fld id="{BA2DA283-DF95-4E2D-8B66-528F829F7A2B}" type="datetimeFigureOut">
+              <a:rPr lang="es-ES" smtClean="0"/>
+              <a:t>11/05/2024</a:t>
+            </a:fld>
+            <a:endParaRPr lang="es-ES"/>
+          </a:p>
+        </p:txBody>
+      </p:sp>
+      <p:sp>
+        <p:nvSpPr>
+          <p:cNvPr id="4" name="Footer Placeholder 3"/>
+          <p:cNvSpPr>
+            <a:spLocks noGrp="1"/>
+          </p:cNvSpPr>
+          <p:nvPr>
+            <p:ph type="ftr" sz="quarter" idx="11"/>
+          </p:nvPr>
+        </p:nvSpPr>
+        <p:spPr/>
+        <p:txBody>
+          <a:bodyPr/>
+          <a:lstStyle/>
+          <a:p>
+            <a:endParaRPr lang="es-ES"/>
+          </a:p>
+        </p:txBody>
+      </p:sp>
+      <p:sp>
+        <p:nvSpPr>
+          <p:cNvPr id="5" name="Slide Number Placeholder 4"/>
+          <p:cNvSpPr>
+            <a:spLocks noGrp="1"/>
+          </p:cNvSpPr>
+          <p:nvPr>
+            <p:ph type="sldNum" sz="quarter" idx="12"/>
+          </p:nvPr>
+        </p:nvSpPr>
+        <p:spPr/>
+        <p:txBody>
+          <a:bodyPr/>
+          <a:lstStyle/>
+          <a:p>
+            <a:fld id="{E0F33228-C604-4D2C-AE39-F2F307E5CA46}" type="slidenum">
+              <a:rPr lang="es-ES" smtClean="0"/>
+              <a:t>‹Nº›</a:t>
+            </a:fld>
+            <a:endParaRPr lang="es-ES"/>
+          </a:p>
+        </p:txBody>
+      </p:sp>
+    </p:spTree>
+    <p:extLst>
+      <p:ext uri="{BB962C8B-B14F-4D97-AF65-F5344CB8AC3E}">
+        <p14:creationId xmlns:p14="http://schemas.microsoft.com/office/powerpoint/2010/main" val="654302075"/>
+      </p:ext>
+    </p:extLst>
+  </p:cSld>
+  <p:clrMapOvr>
+    <a:masterClrMapping/>
+  </p:clrMapOvr>
+</p:sldLayout>
+</file>
+
+<file path=ppt/slideLayouts/slideLayout15.xml><?xml version="1.0" encoding="utf-8"?>
+<p:sldLayout xmlns:a="http://schemas.openxmlformats.org/drawingml/2006/main" xmlns:r="http://schemas.openxmlformats.org/officeDocument/2006/relationships" xmlns:p="http://schemas.openxmlformats.org/presentationml/2006/main" preserve="1">
+  <p:cSld name="Columna de imagen 3">
+    <p:spTree>
+      <p:nvGrpSpPr>
+        <p:cNvPr id="1" name=""/>
+        <p:cNvGrpSpPr/>
+        <p:nvPr/>
+      </p:nvGrpSpPr>
+      <p:grpSpPr>
+        <a:xfrm>
+          <a:off x="0" y="0"/>
+          <a:ext cx="0" cy="0"/>
+          <a:chOff x="0" y="0"/>
+          <a:chExt cx="0" cy="0"/>
+        </a:xfrm>
+      </p:grpSpPr>
+      <p:sp>
+        <p:nvSpPr>
+          <p:cNvPr id="30" name="Title 1"/>
+          <p:cNvSpPr>
+            <a:spLocks noGrp="1"/>
+          </p:cNvSpPr>
+          <p:nvPr>
+            <p:ph type="title"/>
+          </p:nvPr>
+        </p:nvSpPr>
+        <p:spPr>
+          <a:xfrm>
+            <a:off x="2895600" y="762000"/>
+            <a:ext cx="8610599" cy="1295400"/>
+          </a:xfrm>
+        </p:spPr>
+        <p:txBody>
+          <a:bodyPr/>
+          <a:lstStyle/>
+          <a:p>
+            <a:r>
+              <a:rPr lang="es-ES"/>
+              <a:t>Haga clic para modificar el estilo de título del patrón</a:t>
+            </a:r>
+            <a:endParaRPr lang="en-US" dirty="0"/>
+          </a:p>
+        </p:txBody>
+      </p:sp>
+      <p:sp>
+        <p:nvSpPr>
+          <p:cNvPr id="19" name="Text Placeholder 2"/>
+          <p:cNvSpPr>
+            <a:spLocks noGrp="1"/>
+          </p:cNvSpPr>
+          <p:nvPr>
+            <p:ph type="body" idx="1"/>
+          </p:nvPr>
+        </p:nvSpPr>
+        <p:spPr>
+          <a:xfrm>
+            <a:off x="688618" y="4191000"/>
+            <a:ext cx="3451582" cy="682765"/>
+          </a:xfrm>
+        </p:spPr>
+        <p:txBody>
+          <a:bodyPr anchor="b">
+            <a:noAutofit/>
+          </a:bodyPr>
+          <a:lstStyle>
+            <a:lvl1pPr marL="0" indent="0">
+              <a:buNone/>
+              <a:defRPr sz="2400" b="0">
+                <a:solidFill>
+                  <a:schemeClr val="tx1"/>
+                </a:solidFill>
+              </a:defRPr>
+            </a:lvl1pPr>
+            <a:lvl2pPr marL="457200" indent="0">
+              <a:buNone/>
+              <a:defRPr sz="2000" b="1"/>
+            </a:lvl2pPr>
+            <a:lvl3pPr marL="914400" indent="0">
+              <a:buNone/>
+              <a:defRPr sz="1800" b="1"/>
+            </a:lvl3pPr>
+            <a:lvl4pPr marL="1371600" indent="0">
+              <a:buNone/>
+              <a:defRPr sz="1600" b="1"/>
+            </a:lvl4pPr>
+            <a:lvl5pPr marL="1828800" indent="0">
+              <a:buNone/>
+              <a:defRPr sz="1600" b="1"/>
+            </a:lvl5pPr>
+            <a:lvl6pPr marL="2286000" indent="0">
+              <a:buNone/>
+              <a:defRPr sz="1600" b="1"/>
+            </a:lvl6pPr>
+            <a:lvl7pPr marL="2743200" indent="0">
+              <a:buNone/>
+              <a:defRPr sz="1600" b="1"/>
+            </a:lvl7pPr>
+            <a:lvl8pPr marL="3200400" indent="0">
+              <a:buNone/>
+              <a:defRPr sz="1600" b="1"/>
+            </a:lvl8pPr>
+            <a:lvl9pPr marL="3657600" indent="0">
+              <a:buNone/>
+              <a:defRPr sz="1600" b="1"/>
+            </a:lvl9pPr>
+          </a:lstStyle>
+          <a:p>
+            <a:pPr lvl="0"/>
+            <a:r>
+              <a:rPr lang="es-ES"/>
+              <a:t>Haga clic para modificar los estilos de texto del patrón</a:t>
+            </a:r>
+          </a:p>
+        </p:txBody>
+      </p:sp>
+      <p:sp>
+        <p:nvSpPr>
+          <p:cNvPr id="20" name="Picture Placeholder 2"/>
+          <p:cNvSpPr>
+            <a:spLocks noGrp="1" noChangeAspect="1"/>
+          </p:cNvSpPr>
+          <p:nvPr>
+            <p:ph type="pic" idx="15"/>
+          </p:nvPr>
+        </p:nvSpPr>
+        <p:spPr>
+          <a:xfrm>
+            <a:off x="688618" y="2362200"/>
+            <a:ext cx="3451582" cy="1524000"/>
+          </a:xfrm>
+          <a:prstGeom prst="roundRect">
+            <a:avLst>
+              <a:gd name="adj" fmla="val 0"/>
+            </a:avLst>
+          </a:prstGeom>
+          <a:effectLst>
+            <a:outerShdw blurRad="50800" dist="50800" dir="5400000" algn="tl" rotWithShape="0">
+              <a:srgbClr val="000000">
+                <a:alpha val="43000"/>
+              </a:srgbClr>
+            </a:outerShdw>
+          </a:effectLst>
+        </p:spPr>
+        <p:txBody>
+          <a:bodyPr anchor="t">
+            <a:normAutofit/>
+          </a:bodyPr>
+          <a:lstStyle>
+            <a:lvl1pPr marL="0" indent="0" algn="ctr">
+              <a:buNone/>
+              <a:defRPr sz="1600"/>
+            </a:lvl1pPr>
+            <a:lvl2pPr marL="457200" indent="0">
+              <a:buNone/>
+              <a:defRPr sz="1600"/>
+            </a:lvl2pPr>
+            <a:lvl3pPr marL="914400" indent="0">
+              <a:buNone/>
+              <a:defRPr sz="1600"/>
+            </a:lvl3pPr>
+            <a:lvl4pPr marL="1371600" indent="0">
+              <a:buNone/>
+              <a:defRPr sz="1600"/>
+            </a:lvl4pPr>
+            <a:lvl5pPr marL="1828800" indent="0">
+              <a:buNone/>
+              <a:defRPr sz="1600"/>
+            </a:lvl5pPr>
+            <a:lvl6pPr marL="2286000" indent="0">
+              <a:buNone/>
+              <a:defRPr sz="1600"/>
+            </a:lvl6pPr>
+            <a:lvl7pPr marL="2743200" indent="0">
+              <a:buNone/>
+              <a:defRPr sz="1600"/>
+            </a:lvl7pPr>
+            <a:lvl8pPr marL="3200400" indent="0">
+              <a:buNone/>
+              <a:defRPr sz="1600"/>
+            </a:lvl8pPr>
+            <a:lvl9pPr marL="3657600" indent="0">
+              <a:buNone/>
+              <a:defRPr sz="1600"/>
+            </a:lvl9pPr>
+          </a:lstStyle>
+          <a:p>
+            <a:r>
+              <a:rPr lang="es-ES"/>
+              <a:t>Haga clic en el icono para agregar una imagen</a:t>
+            </a:r>
+            <a:endParaRPr lang="en-US" dirty="0"/>
+          </a:p>
+        </p:txBody>
+      </p:sp>
+      <p:sp>
+        <p:nvSpPr>
+          <p:cNvPr id="21" name="Text Placeholder 3"/>
+          <p:cNvSpPr>
+            <a:spLocks noGrp="1"/>
+          </p:cNvSpPr>
+          <p:nvPr>
+            <p:ph type="body" sz="half" idx="18"/>
+          </p:nvPr>
+        </p:nvSpPr>
+        <p:spPr>
+          <a:xfrm>
+            <a:off x="688618" y="4873764"/>
+            <a:ext cx="3451582" cy="1344921"/>
+          </a:xfrm>
+        </p:spPr>
+        <p:txBody>
+          <a:bodyPr anchor="t">
+            <a:normAutofit/>
+          </a:bodyPr>
+          <a:lstStyle>
+            <a:lvl1pPr marL="0" indent="0">
+              <a:buNone/>
+              <a:defRPr sz="1400"/>
+            </a:lvl1pPr>
+            <a:lvl2pPr marL="457200" indent="0">
+              <a:buNone/>
+              <a:defRPr sz="1200"/>
+            </a:lvl2pPr>
+            <a:lvl3pPr marL="914400" indent="0">
+              <a:buNone/>
+              <a:defRPr sz="1000"/>
+            </a:lvl3pPr>
+            <a:lvl4pPr marL="1371600" indent="0">
+              <a:buNone/>
+              <a:defRPr sz="900"/>
+            </a:lvl4pPr>
+            <a:lvl5pPr marL="1828800" indent="0">
+              <a:buNone/>
+              <a:defRPr sz="900"/>
+            </a:lvl5pPr>
+            <a:lvl6pPr marL="2286000" indent="0">
+              <a:buNone/>
+              <a:defRPr sz="900"/>
+            </a:lvl6pPr>
+            <a:lvl7pPr marL="2743200" indent="0">
+              <a:buNone/>
+              <a:defRPr sz="900"/>
+            </a:lvl7pPr>
+            <a:lvl8pPr marL="3200400" indent="0">
+              <a:buNone/>
+              <a:defRPr sz="900"/>
+            </a:lvl8pPr>
+            <a:lvl9pPr marL="3657600" indent="0">
+              <a:buNone/>
+              <a:defRPr sz="900"/>
+            </a:lvl9pPr>
+          </a:lstStyle>
+          <a:p>
+            <a:pPr lvl="0"/>
+            <a:r>
+              <a:rPr lang="es-ES"/>
+              <a:t>Haga clic para modificar los estilos de texto del patrón</a:t>
+            </a:r>
+          </a:p>
+        </p:txBody>
+      </p:sp>
+      <p:sp>
+        <p:nvSpPr>
+          <p:cNvPr id="22" name="Text Placeholder 4"/>
+          <p:cNvSpPr>
+            <a:spLocks noGrp="1"/>
+          </p:cNvSpPr>
+          <p:nvPr>
+            <p:ph type="body" sz="quarter" idx="3"/>
+          </p:nvPr>
+        </p:nvSpPr>
+        <p:spPr>
+          <a:xfrm>
+            <a:off x="4374263" y="4191000"/>
+            <a:ext cx="3448935" cy="682765"/>
+          </a:xfrm>
+        </p:spPr>
+        <p:txBody>
+          <a:bodyPr anchor="b">
+            <a:noAutofit/>
+          </a:bodyPr>
+          <a:lstStyle>
+            <a:lvl1pPr marL="0" indent="0">
+              <a:buNone/>
+              <a:defRPr sz="2400" b="0">
+                <a:solidFill>
+                  <a:schemeClr val="tx1"/>
+                </a:solidFill>
+              </a:defRPr>
+            </a:lvl1pPr>
+            <a:lvl2pPr marL="457200" indent="0">
+              <a:buNone/>
+              <a:defRPr sz="2000" b="1"/>
+            </a:lvl2pPr>
+            <a:lvl3pPr marL="914400" indent="0">
+              <a:buNone/>
+              <a:defRPr sz="1800" b="1"/>
+            </a:lvl3pPr>
+            <a:lvl4pPr marL="1371600" indent="0">
+              <a:buNone/>
+              <a:defRPr sz="1600" b="1"/>
+            </a:lvl4pPr>
+            <a:lvl5pPr marL="1828800" indent="0">
+              <a:buNone/>
+              <a:defRPr sz="1600" b="1"/>
+            </a:lvl5pPr>
+            <a:lvl6pPr marL="2286000" indent="0">
+              <a:buNone/>
+              <a:defRPr sz="1600" b="1"/>
+            </a:lvl6pPr>
+            <a:lvl7pPr marL="2743200" indent="0">
+              <a:buNone/>
+              <a:defRPr sz="1600" b="1"/>
+            </a:lvl7pPr>
+            <a:lvl8pPr marL="3200400" indent="0">
+              <a:buNone/>
+              <a:defRPr sz="1600" b="1"/>
+            </a:lvl8pPr>
+            <a:lvl9pPr marL="3657600" indent="0">
+              <a:buNone/>
+              <a:defRPr sz="1600" b="1"/>
+            </a:lvl9pPr>
+          </a:lstStyle>
+          <a:p>
+            <a:pPr lvl="0"/>
+            <a:r>
+              <a:rPr lang="es-ES"/>
+              <a:t>Haga clic para modificar los estilos de texto del patrón</a:t>
+            </a:r>
+          </a:p>
+        </p:txBody>
+      </p:sp>
+      <p:sp>
+        <p:nvSpPr>
+          <p:cNvPr id="23" name="Picture Placeholder 2"/>
+          <p:cNvSpPr>
+            <a:spLocks noGrp="1" noChangeAspect="1"/>
+          </p:cNvSpPr>
+          <p:nvPr>
+            <p:ph type="pic" idx="21"/>
+          </p:nvPr>
+        </p:nvSpPr>
+        <p:spPr>
+          <a:xfrm>
+            <a:off x="4374263" y="2362200"/>
+            <a:ext cx="3448936" cy="1524000"/>
+          </a:xfrm>
+          <a:prstGeom prst="roundRect">
+            <a:avLst>
+              <a:gd name="adj" fmla="val 0"/>
+            </a:avLst>
+          </a:prstGeom>
+          <a:effectLst>
+            <a:outerShdw blurRad="50800" dist="50800" dir="5400000" algn="tl" rotWithShape="0">
+              <a:srgbClr val="000000">
+                <a:alpha val="43000"/>
+              </a:srgbClr>
+            </a:outerShdw>
+          </a:effectLst>
+        </p:spPr>
+        <p:txBody>
+          <a:bodyPr anchor="t">
+            <a:normAutofit/>
+          </a:bodyPr>
+          <a:lstStyle>
+            <a:lvl1pPr marL="0" indent="0" algn="ctr">
+              <a:buNone/>
+              <a:defRPr sz="1600"/>
+            </a:lvl1pPr>
+            <a:lvl2pPr marL="457200" indent="0">
+              <a:buNone/>
+              <a:defRPr sz="1600"/>
+            </a:lvl2pPr>
+            <a:lvl3pPr marL="914400" indent="0">
+              <a:buNone/>
+              <a:defRPr sz="1600"/>
+            </a:lvl3pPr>
+            <a:lvl4pPr marL="1371600" indent="0">
+              <a:buNone/>
+              <a:defRPr sz="1600"/>
+            </a:lvl4pPr>
+            <a:lvl5pPr marL="1828800" indent="0">
+              <a:buNone/>
+              <a:defRPr sz="1600"/>
+            </a:lvl5pPr>
+            <a:lvl6pPr marL="2286000" indent="0">
+              <a:buNone/>
+              <a:defRPr sz="1600"/>
+            </a:lvl6pPr>
+            <a:lvl7pPr marL="2743200" indent="0">
+              <a:buNone/>
+              <a:defRPr sz="1600"/>
+            </a:lvl7pPr>
+            <a:lvl8pPr marL="3200400" indent="0">
+              <a:buNone/>
+              <a:defRPr sz="1600"/>
+            </a:lvl8pPr>
+            <a:lvl9pPr marL="3657600" indent="0">
+              <a:buNone/>
+              <a:defRPr sz="1600"/>
+            </a:lvl9pPr>
+          </a:lstStyle>
+          <a:p>
+            <a:r>
+              <a:rPr lang="es-ES"/>
+              <a:t>Haga clic en el icono para agregar una imagen</a:t>
+            </a:r>
+            <a:endParaRPr lang="en-US" dirty="0"/>
+          </a:p>
+        </p:txBody>
+      </p:sp>
+      <p:sp>
+        <p:nvSpPr>
+          <p:cNvPr id="24" name="Text Placeholder 3"/>
+          <p:cNvSpPr>
+            <a:spLocks noGrp="1"/>
+          </p:cNvSpPr>
+          <p:nvPr>
+            <p:ph type="body" sz="half" idx="19"/>
+          </p:nvPr>
+        </p:nvSpPr>
+        <p:spPr>
+          <a:xfrm>
+            <a:off x="4374264" y="4873763"/>
+            <a:ext cx="3448935" cy="1344921"/>
+          </a:xfrm>
+        </p:spPr>
+        <p:txBody>
+          <a:bodyPr anchor="t">
+            <a:normAutofit/>
+          </a:bodyPr>
+          <a:lstStyle>
+            <a:lvl1pPr marL="0" indent="0">
+              <a:buNone/>
+              <a:defRPr sz="1400"/>
+            </a:lvl1pPr>
+            <a:lvl2pPr marL="457200" indent="0">
+              <a:buNone/>
+              <a:defRPr sz="1200"/>
+            </a:lvl2pPr>
+            <a:lvl3pPr marL="914400" indent="0">
+              <a:buNone/>
+              <a:defRPr sz="1000"/>
+            </a:lvl3pPr>
+            <a:lvl4pPr marL="1371600" indent="0">
+              <a:buNone/>
+              <a:defRPr sz="900"/>
+            </a:lvl4pPr>
+            <a:lvl5pPr marL="1828800" indent="0">
+              <a:buNone/>
+              <a:defRPr sz="900"/>
+            </a:lvl5pPr>
+            <a:lvl6pPr marL="2286000" indent="0">
+              <a:buNone/>
+              <a:defRPr sz="900"/>
+            </a:lvl6pPr>
+            <a:lvl7pPr marL="2743200" indent="0">
+              <a:buNone/>
+              <a:defRPr sz="900"/>
+            </a:lvl7pPr>
+            <a:lvl8pPr marL="3200400" indent="0">
+              <a:buNone/>
+              <a:defRPr sz="900"/>
+            </a:lvl8pPr>
+            <a:lvl9pPr marL="3657600" indent="0">
+              <a:buNone/>
+              <a:defRPr sz="900"/>
+            </a:lvl9pPr>
+          </a:lstStyle>
+          <a:p>
+            <a:pPr lvl="0"/>
+            <a:r>
+              <a:rPr lang="es-ES"/>
+              <a:t>Haga clic para modificar los estilos de texto del patrón</a:t>
+            </a:r>
+          </a:p>
+        </p:txBody>
+      </p:sp>
+      <p:sp>
+        <p:nvSpPr>
+          <p:cNvPr id="25" name="Text Placeholder 4"/>
+          <p:cNvSpPr>
+            <a:spLocks noGrp="1"/>
+          </p:cNvSpPr>
+          <p:nvPr>
+            <p:ph type="body" sz="quarter" idx="13"/>
+          </p:nvPr>
+        </p:nvSpPr>
+        <p:spPr>
+          <a:xfrm>
+            <a:off x="8049731" y="4191000"/>
+            <a:ext cx="3456469" cy="682765"/>
+          </a:xfrm>
+        </p:spPr>
+        <p:txBody>
+          <a:bodyPr anchor="b">
+            <a:noAutofit/>
+          </a:bodyPr>
+          <a:lstStyle>
+            <a:lvl1pPr marL="0" indent="0">
+              <a:buNone/>
+              <a:defRPr sz="2400" b="0">
+                <a:solidFill>
+                  <a:schemeClr val="tx1"/>
+                </a:solidFill>
+              </a:defRPr>
+            </a:lvl1pPr>
+            <a:lvl2pPr marL="457200" indent="0">
+              <a:buNone/>
+              <a:defRPr sz="2000" b="1"/>
+            </a:lvl2pPr>
+            <a:lvl3pPr marL="914400" indent="0">
+              <a:buNone/>
+              <a:defRPr sz="1800" b="1"/>
+            </a:lvl3pPr>
+            <a:lvl4pPr marL="1371600" indent="0">
+              <a:buNone/>
+              <a:defRPr sz="1600" b="1"/>
+            </a:lvl4pPr>
+            <a:lvl5pPr marL="1828800" indent="0">
+              <a:buNone/>
+              <a:defRPr sz="1600" b="1"/>
+            </a:lvl5pPr>
+            <a:lvl6pPr marL="2286000" indent="0">
+              <a:buNone/>
+              <a:defRPr sz="1600" b="1"/>
+            </a:lvl6pPr>
+            <a:lvl7pPr marL="2743200" indent="0">
+              <a:buNone/>
+              <a:defRPr sz="1600" b="1"/>
+            </a:lvl7pPr>
+            <a:lvl8pPr marL="3200400" indent="0">
+              <a:buNone/>
+              <a:defRPr sz="1600" b="1"/>
+            </a:lvl8pPr>
+            <a:lvl9pPr marL="3657600" indent="0">
+              <a:buNone/>
+              <a:defRPr sz="1600" b="1"/>
+            </a:lvl9pPr>
+          </a:lstStyle>
+          <a:p>
+            <a:pPr lvl="0"/>
+            <a:r>
+              <a:rPr lang="es-ES"/>
+              <a:t>Haga clic para modificar los estilos de texto del patrón</a:t>
+            </a:r>
+          </a:p>
+        </p:txBody>
+      </p:sp>
+      <p:sp>
+        <p:nvSpPr>
+          <p:cNvPr id="26" name="Picture Placeholder 2"/>
+          <p:cNvSpPr>
+            <a:spLocks noGrp="1" noChangeAspect="1"/>
+          </p:cNvSpPr>
+          <p:nvPr>
+            <p:ph type="pic" idx="22"/>
+          </p:nvPr>
+        </p:nvSpPr>
+        <p:spPr>
+          <a:xfrm>
+            <a:off x="8049855" y="2362200"/>
+            <a:ext cx="3447878" cy="1524000"/>
+          </a:xfrm>
+          <a:prstGeom prst="roundRect">
+            <a:avLst>
+              <a:gd name="adj" fmla="val 0"/>
+            </a:avLst>
+          </a:prstGeom>
+          <a:effectLst>
+            <a:outerShdw blurRad="50800" dist="50800" dir="5400000" algn="tl" rotWithShape="0">
+              <a:srgbClr val="000000">
+                <a:alpha val="43000"/>
+              </a:srgbClr>
+            </a:outerShdw>
+          </a:effectLst>
+        </p:spPr>
+        <p:txBody>
+          <a:bodyPr anchor="t">
+            <a:normAutofit/>
+          </a:bodyPr>
+          <a:lstStyle>
+            <a:lvl1pPr marL="0" indent="0" algn="ctr">
+              <a:buNone/>
+              <a:defRPr sz="1600"/>
+            </a:lvl1pPr>
+            <a:lvl2pPr marL="457200" indent="0">
+              <a:buNone/>
+              <a:defRPr sz="1600"/>
+            </a:lvl2pPr>
+            <a:lvl3pPr marL="914400" indent="0">
+              <a:buNone/>
+              <a:defRPr sz="1600"/>
+            </a:lvl3pPr>
+            <a:lvl4pPr marL="1371600" indent="0">
+              <a:buNone/>
+              <a:defRPr sz="1600"/>
+            </a:lvl4pPr>
+            <a:lvl5pPr marL="1828800" indent="0">
+              <a:buNone/>
+              <a:defRPr sz="1600"/>
+            </a:lvl5pPr>
+            <a:lvl6pPr marL="2286000" indent="0">
+              <a:buNone/>
+              <a:defRPr sz="1600"/>
+            </a:lvl6pPr>
+            <a:lvl7pPr marL="2743200" indent="0">
+              <a:buNone/>
+              <a:defRPr sz="1600"/>
+            </a:lvl7pPr>
+            <a:lvl8pPr marL="3200400" indent="0">
+              <a:buNone/>
+              <a:defRPr sz="1600"/>
+            </a:lvl8pPr>
+            <a:lvl9pPr marL="3657600" indent="0">
+              <a:buNone/>
+              <a:defRPr sz="1600"/>
+            </a:lvl9pPr>
+          </a:lstStyle>
+          <a:p>
+            <a:r>
+              <a:rPr lang="es-ES"/>
+              <a:t>Haga clic en el icono para agregar una imagen</a:t>
+            </a:r>
+            <a:endParaRPr lang="en-US" dirty="0"/>
+          </a:p>
+        </p:txBody>
+      </p:sp>
+      <p:sp>
+        <p:nvSpPr>
+          <p:cNvPr id="27" name="Text Placeholder 3"/>
+          <p:cNvSpPr>
+            <a:spLocks noGrp="1"/>
+          </p:cNvSpPr>
+          <p:nvPr>
+            <p:ph type="body" sz="half" idx="20"/>
+          </p:nvPr>
+        </p:nvSpPr>
+        <p:spPr>
+          <a:xfrm>
+            <a:off x="8049731" y="4873761"/>
+            <a:ext cx="3452445" cy="1344921"/>
+          </a:xfrm>
+        </p:spPr>
+        <p:txBody>
+          <a:bodyPr anchor="t">
+            <a:normAutofit/>
+          </a:bodyPr>
+          <a:lstStyle>
+            <a:lvl1pPr marL="0" indent="0">
+              <a:buNone/>
+              <a:defRPr sz="1400"/>
+            </a:lvl1pPr>
+            <a:lvl2pPr marL="457200" indent="0">
+              <a:buNone/>
+              <a:defRPr sz="1200"/>
+            </a:lvl2pPr>
+            <a:lvl3pPr marL="914400" indent="0">
+              <a:buNone/>
+              <a:defRPr sz="1000"/>
+            </a:lvl3pPr>
+            <a:lvl4pPr marL="1371600" indent="0">
+              <a:buNone/>
+              <a:defRPr sz="900"/>
+            </a:lvl4pPr>
+            <a:lvl5pPr marL="1828800" indent="0">
+              <a:buNone/>
+              <a:defRPr sz="900"/>
+            </a:lvl5pPr>
+            <a:lvl6pPr marL="2286000" indent="0">
+              <a:buNone/>
+              <a:defRPr sz="900"/>
+            </a:lvl6pPr>
+            <a:lvl7pPr marL="2743200" indent="0">
+              <a:buNone/>
+              <a:defRPr sz="900"/>
+            </a:lvl7pPr>
+            <a:lvl8pPr marL="3200400" indent="0">
+              <a:buNone/>
+              <a:defRPr sz="900"/>
+            </a:lvl8pPr>
+            <a:lvl9pPr marL="3657600" indent="0">
+              <a:buNone/>
+              <a:defRPr sz="900"/>
+            </a:lvl9pPr>
+          </a:lstStyle>
+          <a:p>
+            <a:pPr lvl="0"/>
+            <a:r>
+              <a:rPr lang="es-ES"/>
+              <a:t>Haga clic para modificar los estilos de texto del patrón</a:t>
+            </a:r>
+          </a:p>
+        </p:txBody>
+      </p:sp>
+      <p:sp>
+        <p:nvSpPr>
+          <p:cNvPr id="3" name="Date Placeholder 2"/>
+          <p:cNvSpPr>
+            <a:spLocks noGrp="1"/>
+          </p:cNvSpPr>
+          <p:nvPr>
+            <p:ph type="dt" sz="half" idx="10"/>
+          </p:nvPr>
+        </p:nvSpPr>
+        <p:spPr/>
+        <p:txBody>
+          <a:bodyPr/>
+          <a:lstStyle/>
+          <a:p>
+            <a:fld id="{BA2DA283-DF95-4E2D-8B66-528F829F7A2B}" type="datetimeFigureOut">
+              <a:rPr lang="es-ES" smtClean="0"/>
+              <a:t>11/05/2024</a:t>
+            </a:fld>
+            <a:endParaRPr lang="es-ES"/>
+          </a:p>
+        </p:txBody>
+      </p:sp>
+      <p:sp>
+        <p:nvSpPr>
+          <p:cNvPr id="4" name="Footer Placeholder 3"/>
+          <p:cNvSpPr>
+            <a:spLocks noGrp="1"/>
+          </p:cNvSpPr>
+          <p:nvPr>
+            <p:ph type="ftr" sz="quarter" idx="11"/>
+          </p:nvPr>
+        </p:nvSpPr>
+        <p:spPr/>
+        <p:txBody>
+          <a:bodyPr/>
+          <a:lstStyle/>
+          <a:p>
+            <a:endParaRPr lang="es-ES"/>
+          </a:p>
+        </p:txBody>
+      </p:sp>
+      <p:sp>
+        <p:nvSpPr>
+          <p:cNvPr id="5" name="Slide Number Placeholder 4"/>
+          <p:cNvSpPr>
+            <a:spLocks noGrp="1"/>
+          </p:cNvSpPr>
+          <p:nvPr>
+            <p:ph type="sldNum" sz="quarter" idx="12"/>
+          </p:nvPr>
+        </p:nvSpPr>
+        <p:spPr/>
+        <p:txBody>
+          <a:bodyPr/>
+          <a:lstStyle/>
+          <a:p>
+            <a:fld id="{E0F33228-C604-4D2C-AE39-F2F307E5CA46}" type="slidenum">
+              <a:rPr lang="es-ES" smtClean="0"/>
+              <a:t>‹Nº›</a:t>
+            </a:fld>
+            <a:endParaRPr lang="es-ES"/>
+          </a:p>
+        </p:txBody>
+      </p:sp>
+    </p:spTree>
+    <p:extLst>
+      <p:ext uri="{BB962C8B-B14F-4D97-AF65-F5344CB8AC3E}">
+        <p14:creationId xmlns:p14="http://schemas.microsoft.com/office/powerpoint/2010/main" val="3797343284"/>
+      </p:ext>
+    </p:extLst>
+  </p:cSld>
+  <p:clrMapOvr>
+    <a:masterClrMapping/>
+  </p:clrMapOvr>
+</p:sldLayout>
+</file>
+
+<file path=ppt/slideLayouts/slideLayout16.xml><?xml version="1.0" encoding="utf-8"?>
 <p:sldLayout xmlns:a="http://schemas.openxmlformats.org/drawingml/2006/main" xmlns:r="http://schemas.openxmlformats.org/officeDocument/2006/relationships" xmlns:p="http://schemas.openxmlformats.org/presentationml/2006/main" type="vertTx" preserve="1">
   <p:cSld name="Título y texto vertical">
     <p:spTree>
@@ -346,13 +2975,7 @@
       </p:grpSpPr>
       <p:sp>
         <p:nvSpPr>
-          <p:cNvPr id="2" name="Título 1">
-            <a:extLst>
-              <a:ext uri="{FF2B5EF4-FFF2-40B4-BE49-F238E27FC236}">
-                <a16:creationId xmlns:a16="http://schemas.microsoft.com/office/drawing/2014/main" id="{06431518-CC13-19D1-1DBE-1A8ACA7AF8EF}"/>
-              </a:ext>
-            </a:extLst>
-          </p:cNvPr>
+          <p:cNvPr id="2" name="Title 1"/>
           <p:cNvSpPr>
             <a:spLocks noGrp="1"/>
           </p:cNvSpPr>
@@ -369,18 +2992,13 @@
               <a:rPr lang="es-ES"/>
               <a:t>Haga clic para modificar el estilo de título del patrón</a:t>
             </a:r>
-          </a:p>
-        </p:txBody>
-      </p:sp>
-      <p:sp>
-        <p:nvSpPr>
-          <p:cNvPr id="3" name="Marcador de texto vertical 2">
-            <a:extLst>
-              <a:ext uri="{FF2B5EF4-FFF2-40B4-BE49-F238E27FC236}">
-                <a16:creationId xmlns:a16="http://schemas.microsoft.com/office/drawing/2014/main" id="{2598E882-645F-FD83-796C-36463DBC6BE4}"/>
-              </a:ext>
-            </a:extLst>
-          </p:cNvPr>
+            <a:endParaRPr lang="en-US" dirty="0"/>
+          </a:p>
+        </p:txBody>
+      </p:sp>
+      <p:sp>
+        <p:nvSpPr>
+          <p:cNvPr id="3" name="Vertical Text Placeholder 2"/>
           <p:cNvSpPr>
             <a:spLocks noGrp="1"/>
           </p:cNvSpPr>
@@ -388,7 +3006,12 @@
             <p:ph type="body" orient="vert" idx="1"/>
           </p:nvPr>
         </p:nvSpPr>
-        <p:spPr/>
+        <p:spPr>
+          <a:xfrm>
+            <a:off x="685800" y="2194559"/>
+            <a:ext cx="10820400" cy="4024125"/>
+          </a:xfrm>
+        </p:spPr>
         <p:txBody>
           <a:bodyPr vert="eaVert"/>
           <a:lstStyle/>
@@ -426,18 +3049,13 @@
               <a:rPr lang="es-ES"/>
               <a:t>Quinto nivel</a:t>
             </a:r>
-          </a:p>
-        </p:txBody>
-      </p:sp>
-      <p:sp>
-        <p:nvSpPr>
-          <p:cNvPr id="4" name="Marcador de fecha 3">
-            <a:extLst>
-              <a:ext uri="{FF2B5EF4-FFF2-40B4-BE49-F238E27FC236}">
-                <a16:creationId xmlns:a16="http://schemas.microsoft.com/office/drawing/2014/main" id="{906D149C-4831-9796-3488-A5C06F09F336}"/>
-              </a:ext>
-            </a:extLst>
-          </p:cNvPr>
+            <a:endParaRPr lang="en-US" dirty="0"/>
+          </a:p>
+        </p:txBody>
+      </p:sp>
+      <p:sp>
+        <p:nvSpPr>
+          <p:cNvPr id="4" name="Date Placeholder 3"/>
           <p:cNvSpPr>
             <a:spLocks noGrp="1"/>
           </p:cNvSpPr>
@@ -460,13 +3078,7 @@
       </p:sp>
       <p:sp>
         <p:nvSpPr>
-          <p:cNvPr id="5" name="Marcador de pie de página 4">
-            <a:extLst>
-              <a:ext uri="{FF2B5EF4-FFF2-40B4-BE49-F238E27FC236}">
-                <a16:creationId xmlns:a16="http://schemas.microsoft.com/office/drawing/2014/main" id="{DEAD509C-471D-0E43-2D40-E7C478715697}"/>
-              </a:ext>
-            </a:extLst>
-          </p:cNvPr>
+          <p:cNvPr id="5" name="Footer Placeholder 4"/>
           <p:cNvSpPr>
             <a:spLocks noGrp="1"/>
           </p:cNvSpPr>
@@ -485,13 +3097,7 @@
       </p:sp>
       <p:sp>
         <p:nvSpPr>
-          <p:cNvPr id="6" name="Marcador de número de diapositiva 5">
-            <a:extLst>
-              <a:ext uri="{FF2B5EF4-FFF2-40B4-BE49-F238E27FC236}">
-                <a16:creationId xmlns:a16="http://schemas.microsoft.com/office/drawing/2014/main" id="{4112B7BE-C56D-E414-7F19-2F0F952E092A}"/>
-              </a:ext>
-            </a:extLst>
-          </p:cNvPr>
+          <p:cNvPr id="6" name="Slide Number Placeholder 5"/>
           <p:cNvSpPr>
             <a:spLocks noGrp="1"/>
           </p:cNvSpPr>
@@ -515,7 +3121,7 @@
     </p:spTree>
     <p:extLst>
       <p:ext uri="{BB962C8B-B14F-4D97-AF65-F5344CB8AC3E}">
-        <p14:creationId xmlns:p14="http://schemas.microsoft.com/office/powerpoint/2010/main" val="3626762689"/>
+        <p14:creationId xmlns:p14="http://schemas.microsoft.com/office/powerpoint/2010/main" val="1637799667"/>
       </p:ext>
     </p:extLst>
   </p:cSld>
@@ -525,8 +3131,8 @@
 </p:sldLayout>
 </file>
 
-<file path=ppt/slideLayouts/slideLayout11.xml><?xml version="1.0" encoding="utf-8"?>
-<p:sldLayout xmlns:a="http://schemas.openxmlformats.org/drawingml/2006/main" xmlns:r="http://schemas.openxmlformats.org/officeDocument/2006/relationships" xmlns:p="http://schemas.openxmlformats.org/presentationml/2006/main" type="vertTitleAndTx" preserve="1">
+<file path=ppt/slideLayouts/slideLayout17.xml><?xml version="1.0" encoding="utf-8"?>
+<p:sldLayout xmlns:a="http://schemas.openxmlformats.org/drawingml/2006/main" xmlns:r="http://schemas.openxmlformats.org/officeDocument/2006/relationships" xmlns:p="http://schemas.openxmlformats.org/presentationml/2006/main" showMasterSp="0" type="vertTitleAndTx" preserve="1">
   <p:cSld name="Título vertical y texto">
     <p:spTree>
       <p:nvGrpSpPr>
@@ -542,15 +3148,39 @@
           <a:chExt cx="0" cy="0"/>
         </a:xfrm>
       </p:grpSpPr>
-      <p:sp>
-        <p:nvSpPr>
-          <p:cNvPr id="2" name="Título vertical 1">
+      <p:pic>
+        <p:nvPicPr>
+          <p:cNvPr id="8" name="Picture 7" descr="C0-HD-BTM.png"/>
+          <p:cNvPicPr>
+            <a:picLocks noChangeAspect="1"/>
+          </p:cNvPicPr>
+          <p:nvPr/>
+        </p:nvPicPr>
+        <p:blipFill>
+          <a:blip r:embed="rId2">
             <a:extLst>
-              <a:ext uri="{FF2B5EF4-FFF2-40B4-BE49-F238E27FC236}">
-                <a16:creationId xmlns:a16="http://schemas.microsoft.com/office/drawing/2014/main" id="{2954EC56-B4AA-C49F-61D2-2C75998795D2}"/>
+              <a:ext uri="{28A0092B-C50C-407E-A947-70E740481C1C}">
+                <a14:useLocalDpi xmlns:a14="http://schemas.microsoft.com/office/drawing/2010/main" val="0"/>
               </a:ext>
             </a:extLst>
-          </p:cNvPr>
+          </a:blip>
+          <a:stretch>
+            <a:fillRect/>
+          </a:stretch>
+        </p:blipFill>
+        <p:spPr>
+          <a:xfrm>
+            <a:off x="0" y="4375150"/>
+            <a:ext cx="12192000" cy="2482850"/>
+          </a:xfrm>
+          <a:prstGeom prst="rect">
+            <a:avLst/>
+          </a:prstGeom>
+        </p:spPr>
+      </p:pic>
+      <p:sp>
+        <p:nvSpPr>
+          <p:cNvPr id="2" name="Vertical Title 1"/>
           <p:cNvSpPr>
             <a:spLocks noGrp="1"/>
           </p:cNvSpPr>
@@ -560,47 +3190,46 @@
         </p:nvSpPr>
         <p:spPr>
           <a:xfrm>
-            <a:off x="8724900" y="365125"/>
-            <a:ext cx="2628900" cy="5811838"/>
+            <a:off x="9448800" y="745066"/>
+            <a:ext cx="2057400" cy="3903133"/>
+          </a:xfrm>
+        </p:spPr>
+        <p:txBody>
+          <a:bodyPr vert="eaVert"/>
+          <a:lstStyle>
+            <a:lvl1pPr algn="l">
+              <a:defRPr/>
+            </a:lvl1pPr>
+          </a:lstStyle>
+          <a:p>
+            <a:r>
+              <a:rPr lang="es-ES"/>
+              <a:t>Haga clic para modificar el estilo de título del patrón</a:t>
+            </a:r>
+            <a:endParaRPr lang="en-US" dirty="0"/>
+          </a:p>
+        </p:txBody>
+      </p:sp>
+      <p:sp>
+        <p:nvSpPr>
+          <p:cNvPr id="3" name="Vertical Text Placeholder 2"/>
+          <p:cNvSpPr>
+            <a:spLocks noGrp="1"/>
+          </p:cNvSpPr>
+          <p:nvPr>
+            <p:ph type="body" orient="vert" idx="1"/>
+          </p:nvPr>
+        </p:nvSpPr>
+        <p:spPr>
+          <a:xfrm>
+            <a:off x="1024466" y="745067"/>
+            <a:ext cx="8204201" cy="3903133"/>
           </a:xfrm>
         </p:spPr>
         <p:txBody>
           <a:bodyPr vert="eaVert"/>
           <a:lstStyle/>
           <a:p>
-            <a:r>
-              <a:rPr lang="es-ES"/>
-              <a:t>Haga clic para modificar el estilo de título del patrón</a:t>
-            </a:r>
-          </a:p>
-        </p:txBody>
-      </p:sp>
-      <p:sp>
-        <p:nvSpPr>
-          <p:cNvPr id="3" name="Marcador de texto vertical 2">
-            <a:extLst>
-              <a:ext uri="{FF2B5EF4-FFF2-40B4-BE49-F238E27FC236}">
-                <a16:creationId xmlns:a16="http://schemas.microsoft.com/office/drawing/2014/main" id="{D77E5E98-D430-E92C-74A7-EE2B6B3390CF}"/>
-              </a:ext>
-            </a:extLst>
-          </p:cNvPr>
-          <p:cNvSpPr>
-            <a:spLocks noGrp="1"/>
-          </p:cNvSpPr>
-          <p:nvPr>
-            <p:ph type="body" orient="vert" idx="1"/>
-          </p:nvPr>
-        </p:nvSpPr>
-        <p:spPr>
-          <a:xfrm>
-            <a:off x="838200" y="365125"/>
-            <a:ext cx="7734300" cy="5811838"/>
-          </a:xfrm>
-        </p:spPr>
-        <p:txBody>
-          <a:bodyPr vert="eaVert"/>
-          <a:lstStyle/>
-          <a:p>
             <a:pPr lvl="0"/>
             <a:r>
               <a:rPr lang="es-ES"/>
@@ -634,18 +3263,13 @@
               <a:rPr lang="es-ES"/>
               <a:t>Quinto nivel</a:t>
             </a:r>
-          </a:p>
-        </p:txBody>
-      </p:sp>
-      <p:sp>
-        <p:nvSpPr>
-          <p:cNvPr id="4" name="Marcador de fecha 3">
-            <a:extLst>
-              <a:ext uri="{FF2B5EF4-FFF2-40B4-BE49-F238E27FC236}">
-                <a16:creationId xmlns:a16="http://schemas.microsoft.com/office/drawing/2014/main" id="{96FD71FD-76AB-21BE-4F07-71C6357406EA}"/>
-              </a:ext>
-            </a:extLst>
-          </p:cNvPr>
+            <a:endParaRPr lang="en-US" dirty="0"/>
+          </a:p>
+        </p:txBody>
+      </p:sp>
+      <p:sp>
+        <p:nvSpPr>
+          <p:cNvPr id="4" name="Date Placeholder 3"/>
           <p:cNvSpPr>
             <a:spLocks noGrp="1"/>
           </p:cNvSpPr>
@@ -653,10 +3277,19 @@
             <p:ph type="dt" sz="half" idx="10"/>
           </p:nvPr>
         </p:nvSpPr>
-        <p:spPr/>
+        <p:spPr>
+          <a:xfrm>
+            <a:off x="7814452" y="379941"/>
+            <a:ext cx="2910840" cy="365125"/>
+          </a:xfrm>
+        </p:spPr>
         <p:txBody>
           <a:bodyPr/>
-          <a:lstStyle/>
+          <a:lstStyle>
+            <a:lvl1pPr algn="r">
+              <a:defRPr/>
+            </a:lvl1pPr>
+          </a:lstStyle>
           <a:p>
             <a:fld id="{BA2DA283-DF95-4E2D-8B66-528F829F7A2B}" type="datetimeFigureOut">
               <a:rPr lang="es-ES" smtClean="0"/>
@@ -668,13 +3301,7 @@
       </p:sp>
       <p:sp>
         <p:nvSpPr>
-          <p:cNvPr id="5" name="Marcador de pie de página 4">
-            <a:extLst>
-              <a:ext uri="{FF2B5EF4-FFF2-40B4-BE49-F238E27FC236}">
-                <a16:creationId xmlns:a16="http://schemas.microsoft.com/office/drawing/2014/main" id="{70E29AF7-73D7-5FB6-060A-98DBD63B4D3A}"/>
-              </a:ext>
-            </a:extLst>
-          </p:cNvPr>
+          <p:cNvPr id="5" name="Footer Placeholder 4"/>
           <p:cNvSpPr>
             <a:spLocks noGrp="1"/>
           </p:cNvSpPr>
@@ -682,7 +3309,12 @@
             <p:ph type="ftr" sz="quarter" idx="11"/>
           </p:nvPr>
         </p:nvSpPr>
-        <p:spPr/>
+        <p:spPr>
+          <a:xfrm>
+            <a:off x="685800" y="381000"/>
+            <a:ext cx="6991492" cy="365125"/>
+          </a:xfrm>
+        </p:spPr>
         <p:txBody>
           <a:bodyPr/>
           <a:lstStyle/>
@@ -693,13 +3325,7 @@
       </p:sp>
       <p:sp>
         <p:nvSpPr>
-          <p:cNvPr id="6" name="Marcador de número de diapositiva 5">
-            <a:extLst>
-              <a:ext uri="{FF2B5EF4-FFF2-40B4-BE49-F238E27FC236}">
-                <a16:creationId xmlns:a16="http://schemas.microsoft.com/office/drawing/2014/main" id="{7AE14638-E0E8-D0F4-D041-0A1EFEC40929}"/>
-              </a:ext>
-            </a:extLst>
-          </p:cNvPr>
+          <p:cNvPr id="6" name="Slide Number Placeholder 5"/>
           <p:cNvSpPr>
             <a:spLocks noGrp="1"/>
           </p:cNvSpPr>
@@ -707,7 +3333,12 @@
             <p:ph type="sldNum" sz="quarter" idx="12"/>
           </p:nvPr>
         </p:nvSpPr>
-        <p:spPr/>
+        <p:spPr>
+          <a:xfrm>
+            <a:off x="10862452" y="381000"/>
+            <a:ext cx="643748" cy="365125"/>
+          </a:xfrm>
+        </p:spPr>
         <p:txBody>
           <a:bodyPr/>
           <a:lstStyle/>
@@ -723,7 +3354,7 @@
     </p:spTree>
     <p:extLst>
       <p:ext uri="{BB962C8B-B14F-4D97-AF65-F5344CB8AC3E}">
-        <p14:creationId xmlns:p14="http://schemas.microsoft.com/office/powerpoint/2010/main" val="301302669"/>
+        <p14:creationId xmlns:p14="http://schemas.microsoft.com/office/powerpoint/2010/main" val="2315555623"/>
       </p:ext>
     </p:extLst>
   </p:cSld>
@@ -752,13 +3383,7 @@
       </p:grpSpPr>
       <p:sp>
         <p:nvSpPr>
-          <p:cNvPr id="2" name="Título 1">
-            <a:extLst>
-              <a:ext uri="{FF2B5EF4-FFF2-40B4-BE49-F238E27FC236}">
-                <a16:creationId xmlns:a16="http://schemas.microsoft.com/office/drawing/2014/main" id="{76500A77-C704-2D19-0F60-15D872531196}"/>
-              </a:ext>
-            </a:extLst>
-          </p:cNvPr>
+          <p:cNvPr id="2" name="Title 1"/>
           <p:cNvSpPr>
             <a:spLocks noGrp="1"/>
           </p:cNvSpPr>
@@ -775,18 +3400,13 @@
               <a:rPr lang="es-ES"/>
               <a:t>Haga clic para modificar el estilo de título del patrón</a:t>
             </a:r>
-          </a:p>
-        </p:txBody>
-      </p:sp>
-      <p:sp>
-        <p:nvSpPr>
-          <p:cNvPr id="3" name="Marcador de contenido 2">
-            <a:extLst>
-              <a:ext uri="{FF2B5EF4-FFF2-40B4-BE49-F238E27FC236}">
-                <a16:creationId xmlns:a16="http://schemas.microsoft.com/office/drawing/2014/main" id="{45B14383-E8A9-036E-466D-0ECF582400B1}"/>
-              </a:ext>
-            </a:extLst>
-          </p:cNvPr>
+            <a:endParaRPr lang="en-US" dirty="0"/>
+          </a:p>
+        </p:txBody>
+      </p:sp>
+      <p:sp>
+        <p:nvSpPr>
+          <p:cNvPr id="3" name="Content Placeholder 2"/>
           <p:cNvSpPr>
             <a:spLocks noGrp="1"/>
           </p:cNvSpPr>
@@ -832,18 +3452,13 @@
               <a:rPr lang="es-ES"/>
               <a:t>Quinto nivel</a:t>
             </a:r>
-          </a:p>
-        </p:txBody>
-      </p:sp>
-      <p:sp>
-        <p:nvSpPr>
-          <p:cNvPr id="4" name="Marcador de fecha 3">
-            <a:extLst>
-              <a:ext uri="{FF2B5EF4-FFF2-40B4-BE49-F238E27FC236}">
-                <a16:creationId xmlns:a16="http://schemas.microsoft.com/office/drawing/2014/main" id="{45559D3E-762F-34B2-DAA2-152114003ACB}"/>
-              </a:ext>
-            </a:extLst>
-          </p:cNvPr>
+            <a:endParaRPr lang="en-US" dirty="0"/>
+          </a:p>
+        </p:txBody>
+      </p:sp>
+      <p:sp>
+        <p:nvSpPr>
+          <p:cNvPr id="4" name="Date Placeholder 3"/>
           <p:cNvSpPr>
             <a:spLocks noGrp="1"/>
           </p:cNvSpPr>
@@ -866,13 +3481,7 @@
       </p:sp>
       <p:sp>
         <p:nvSpPr>
-          <p:cNvPr id="5" name="Marcador de pie de página 4">
-            <a:extLst>
-              <a:ext uri="{FF2B5EF4-FFF2-40B4-BE49-F238E27FC236}">
-                <a16:creationId xmlns:a16="http://schemas.microsoft.com/office/drawing/2014/main" id="{1D1D59F4-C7A6-EE18-3116-F65B65384F4E}"/>
-              </a:ext>
-            </a:extLst>
-          </p:cNvPr>
+          <p:cNvPr id="5" name="Footer Placeholder 4"/>
           <p:cNvSpPr>
             <a:spLocks noGrp="1"/>
           </p:cNvSpPr>
@@ -891,13 +3500,7 @@
       </p:sp>
       <p:sp>
         <p:nvSpPr>
-          <p:cNvPr id="6" name="Marcador de número de diapositiva 5">
-            <a:extLst>
-              <a:ext uri="{FF2B5EF4-FFF2-40B4-BE49-F238E27FC236}">
-                <a16:creationId xmlns:a16="http://schemas.microsoft.com/office/drawing/2014/main" id="{C68E057C-368B-6A1F-933C-DBB78EDBF661}"/>
-              </a:ext>
-            </a:extLst>
-          </p:cNvPr>
+          <p:cNvPr id="6" name="Slide Number Placeholder 5"/>
           <p:cNvSpPr>
             <a:spLocks noGrp="1"/>
           </p:cNvSpPr>
@@ -921,7 +3524,7 @@
     </p:spTree>
     <p:extLst>
       <p:ext uri="{BB962C8B-B14F-4D97-AF65-F5344CB8AC3E}">
-        <p14:creationId xmlns:p14="http://schemas.microsoft.com/office/powerpoint/2010/main" val="1276694097"/>
+        <p14:creationId xmlns:p14="http://schemas.microsoft.com/office/powerpoint/2010/main" val="3725597731"/>
       </p:ext>
     </p:extLst>
   </p:cSld>
@@ -932,7 +3535,7 @@
 </file>
 
 <file path=ppt/slideLayouts/slideLayout3.xml><?xml version="1.0" encoding="utf-8"?>
-<p:sldLayout xmlns:a="http://schemas.openxmlformats.org/drawingml/2006/main" xmlns:r="http://schemas.openxmlformats.org/officeDocument/2006/relationships" xmlns:p="http://schemas.openxmlformats.org/presentationml/2006/main" type="secHead" preserve="1">
+<p:sldLayout xmlns:a="http://schemas.openxmlformats.org/drawingml/2006/main" xmlns:r="http://schemas.openxmlformats.org/officeDocument/2006/relationships" xmlns:p="http://schemas.openxmlformats.org/presentationml/2006/main" showMasterSp="0" type="secHead" preserve="1">
   <p:cSld name="Encabezado de sección">
     <p:spTree>
       <p:nvGrpSpPr>
@@ -948,15 +3551,39 @@
           <a:chExt cx="0" cy="0"/>
         </a:xfrm>
       </p:grpSpPr>
-      <p:sp>
-        <p:nvSpPr>
-          <p:cNvPr id="2" name="Título 1">
+      <p:pic>
+        <p:nvPicPr>
+          <p:cNvPr id="9" name="Picture 8" descr="C0-HD-BTM.png"/>
+          <p:cNvPicPr>
+            <a:picLocks noChangeAspect="1"/>
+          </p:cNvPicPr>
+          <p:nvPr/>
+        </p:nvPicPr>
+        <p:blipFill>
+          <a:blip r:embed="rId2">
             <a:extLst>
-              <a:ext uri="{FF2B5EF4-FFF2-40B4-BE49-F238E27FC236}">
-                <a16:creationId xmlns:a16="http://schemas.microsoft.com/office/drawing/2014/main" id="{7D8B58F2-42E8-738F-160C-20B297545AB6}"/>
+              <a:ext uri="{28A0092B-C50C-407E-A947-70E740481C1C}">
+                <a14:useLocalDpi xmlns:a14="http://schemas.microsoft.com/office/drawing/2010/main" val="0"/>
               </a:ext>
             </a:extLst>
-          </p:cNvPr>
+          </a:blip>
+          <a:stretch>
+            <a:fillRect/>
+          </a:stretch>
+        </p:blipFill>
+        <p:spPr>
+          <a:xfrm>
+            <a:off x="0" y="4375150"/>
+            <a:ext cx="12192000" cy="2482850"/>
+          </a:xfrm>
+          <a:prstGeom prst="rect">
+            <a:avLst/>
+          </a:prstGeom>
+        </p:spPr>
+      </p:pic>
+      <p:sp>
+        <p:nvSpPr>
+          <p:cNvPr id="2" name="Title 1"/>
           <p:cNvSpPr>
             <a:spLocks noGrp="1"/>
           </p:cNvSpPr>
@@ -966,15 +3593,17 @@
         </p:nvSpPr>
         <p:spPr>
           <a:xfrm>
-            <a:off x="831850" y="1709738"/>
-            <a:ext cx="10515600" cy="2852737"/>
-          </a:xfrm>
-        </p:spPr>
-        <p:txBody>
-          <a:bodyPr anchor="b"/>
+            <a:off x="685800" y="753533"/>
+            <a:ext cx="10820399" cy="2801935"/>
+          </a:xfrm>
+        </p:spPr>
+        <p:txBody>
+          <a:bodyPr anchor="b">
+            <a:normAutofit/>
+          </a:bodyPr>
           <a:lstStyle>
-            <a:lvl1pPr>
-              <a:defRPr sz="6000"/>
+            <a:lvl1pPr algn="r">
+              <a:defRPr sz="4000"/>
             </a:lvl1pPr>
           </a:lstStyle>
           <a:p>
@@ -982,18 +3611,13 @@
               <a:rPr lang="es-ES"/>
               <a:t>Haga clic para modificar el estilo de título del patrón</a:t>
             </a:r>
-          </a:p>
-        </p:txBody>
-      </p:sp>
-      <p:sp>
-        <p:nvSpPr>
-          <p:cNvPr id="3" name="Marcador de texto 2">
-            <a:extLst>
-              <a:ext uri="{FF2B5EF4-FFF2-40B4-BE49-F238E27FC236}">
-                <a16:creationId xmlns:a16="http://schemas.microsoft.com/office/drawing/2014/main" id="{2C174CFC-A344-79E4-2A18-BED9E542EFC4}"/>
-              </a:ext>
-            </a:extLst>
-          </p:cNvPr>
+            <a:endParaRPr lang="en-US" dirty="0"/>
+          </a:p>
+        </p:txBody>
+      </p:sp>
+      <p:sp>
+        <p:nvSpPr>
+          <p:cNvPr id="3" name="Text Placeholder 2"/>
           <p:cNvSpPr>
             <a:spLocks noGrp="1"/>
           </p:cNvSpPr>
@@ -1003,16 +3627,18 @@
         </p:nvSpPr>
         <p:spPr>
           <a:xfrm>
-            <a:off x="831850" y="4589463"/>
-            <a:ext cx="10515600" cy="1500187"/>
-          </a:xfrm>
-        </p:spPr>
-        <p:txBody>
-          <a:bodyPr/>
+            <a:off x="1024467" y="3641725"/>
+            <a:ext cx="10490200" cy="955675"/>
+          </a:xfrm>
+        </p:spPr>
+        <p:txBody>
+          <a:bodyPr>
+            <a:normAutofit/>
+          </a:bodyPr>
           <a:lstStyle>
-            <a:lvl1pPr marL="0" indent="0">
-              <a:buNone/>
-              <a:defRPr sz="2400">
+            <a:lvl1pPr marL="0" indent="0" algn="r">
+              <a:buNone/>
+              <a:defRPr sz="2200">
                 <a:solidFill>
                   <a:schemeClr val="tx1">
                     <a:tint val="75000"/>
@@ -1112,13 +3738,7 @@
       </p:sp>
       <p:sp>
         <p:nvSpPr>
-          <p:cNvPr id="4" name="Marcador de fecha 3">
-            <a:extLst>
-              <a:ext uri="{FF2B5EF4-FFF2-40B4-BE49-F238E27FC236}">
-                <a16:creationId xmlns:a16="http://schemas.microsoft.com/office/drawing/2014/main" id="{F2D85D12-6F38-8C5F-50F8-DBED3E8093FF}"/>
-              </a:ext>
-            </a:extLst>
-          </p:cNvPr>
+          <p:cNvPr id="4" name="Date Placeholder 3"/>
           <p:cNvSpPr>
             <a:spLocks noGrp="1"/>
           </p:cNvSpPr>
@@ -1126,10 +3746,19 @@
             <p:ph type="dt" sz="half" idx="10"/>
           </p:nvPr>
         </p:nvSpPr>
-        <p:spPr/>
+        <p:spPr>
+          <a:xfrm>
+            <a:off x="7814452" y="381000"/>
+            <a:ext cx="2910840" cy="365125"/>
+          </a:xfrm>
+        </p:spPr>
         <p:txBody>
           <a:bodyPr/>
-          <a:lstStyle/>
+          <a:lstStyle>
+            <a:lvl1pPr algn="r">
+              <a:defRPr/>
+            </a:lvl1pPr>
+          </a:lstStyle>
           <a:p>
             <a:fld id="{BA2DA283-DF95-4E2D-8B66-528F829F7A2B}" type="datetimeFigureOut">
               <a:rPr lang="es-ES" smtClean="0"/>
@@ -1141,13 +3770,7 @@
       </p:sp>
       <p:sp>
         <p:nvSpPr>
-          <p:cNvPr id="5" name="Marcador de pie de página 4">
-            <a:extLst>
-              <a:ext uri="{FF2B5EF4-FFF2-40B4-BE49-F238E27FC236}">
-                <a16:creationId xmlns:a16="http://schemas.microsoft.com/office/drawing/2014/main" id="{9AE4E6E6-E7B9-3F60-9A45-76D326D446B4}"/>
-              </a:ext>
-            </a:extLst>
-          </p:cNvPr>
+          <p:cNvPr id="5" name="Footer Placeholder 4"/>
           <p:cNvSpPr>
             <a:spLocks noGrp="1"/>
           </p:cNvSpPr>
@@ -1155,7 +3778,12 @@
             <p:ph type="ftr" sz="quarter" idx="11"/>
           </p:nvPr>
         </p:nvSpPr>
-        <p:spPr/>
+        <p:spPr>
+          <a:xfrm>
+            <a:off x="685800" y="381001"/>
+            <a:ext cx="6991492" cy="364065"/>
+          </a:xfrm>
+        </p:spPr>
         <p:txBody>
           <a:bodyPr/>
           <a:lstStyle/>
@@ -1166,13 +3794,7 @@
       </p:sp>
       <p:sp>
         <p:nvSpPr>
-          <p:cNvPr id="6" name="Marcador de número de diapositiva 5">
-            <a:extLst>
-              <a:ext uri="{FF2B5EF4-FFF2-40B4-BE49-F238E27FC236}">
-                <a16:creationId xmlns:a16="http://schemas.microsoft.com/office/drawing/2014/main" id="{A2C95EA3-604C-73C8-85DD-6C8B95813172}"/>
-              </a:ext>
-            </a:extLst>
-          </p:cNvPr>
+          <p:cNvPr id="6" name="Slide Number Placeholder 5"/>
           <p:cNvSpPr>
             <a:spLocks noGrp="1"/>
           </p:cNvSpPr>
@@ -1180,7 +3802,12 @@
             <p:ph type="sldNum" sz="quarter" idx="12"/>
           </p:nvPr>
         </p:nvSpPr>
-        <p:spPr/>
+        <p:spPr>
+          <a:xfrm>
+            <a:off x="10862452" y="381000"/>
+            <a:ext cx="643748" cy="365125"/>
+          </a:xfrm>
+        </p:spPr>
         <p:txBody>
           <a:bodyPr/>
           <a:lstStyle/>
@@ -1196,7 +3823,7 @@
     </p:spTree>
     <p:extLst>
       <p:ext uri="{BB962C8B-B14F-4D97-AF65-F5344CB8AC3E}">
-        <p14:creationId xmlns:p14="http://schemas.microsoft.com/office/powerpoint/2010/main" val="2821668762"/>
+        <p14:creationId xmlns:p14="http://schemas.microsoft.com/office/powerpoint/2010/main" val="2647097534"/>
       </p:ext>
     </p:extLst>
   </p:cSld>
@@ -1225,13 +3852,7 @@
       </p:grpSpPr>
       <p:sp>
         <p:nvSpPr>
-          <p:cNvPr id="2" name="Título 1">
-            <a:extLst>
-              <a:ext uri="{FF2B5EF4-FFF2-40B4-BE49-F238E27FC236}">
-                <a16:creationId xmlns:a16="http://schemas.microsoft.com/office/drawing/2014/main" id="{69971537-7ADF-9EF9-FDB0-4F91CD0541DB}"/>
-              </a:ext>
-            </a:extLst>
-          </p:cNvPr>
+          <p:cNvPr id="2" name="Title 1"/>
           <p:cNvSpPr>
             <a:spLocks noGrp="1"/>
           </p:cNvSpPr>
@@ -1248,18 +3869,13 @@
               <a:rPr lang="es-ES"/>
               <a:t>Haga clic para modificar el estilo de título del patrón</a:t>
             </a:r>
-          </a:p>
-        </p:txBody>
-      </p:sp>
-      <p:sp>
-        <p:nvSpPr>
-          <p:cNvPr id="3" name="Marcador de contenido 2">
-            <a:extLst>
-              <a:ext uri="{FF2B5EF4-FFF2-40B4-BE49-F238E27FC236}">
-                <a16:creationId xmlns:a16="http://schemas.microsoft.com/office/drawing/2014/main" id="{D05D41DE-ABAB-0029-10E2-849619FCD03B}"/>
-              </a:ext>
-            </a:extLst>
-          </p:cNvPr>
+            <a:endParaRPr lang="en-US" dirty="0"/>
+          </a:p>
+        </p:txBody>
+      </p:sp>
+      <p:sp>
+        <p:nvSpPr>
+          <p:cNvPr id="3" name="Content Placeholder 2"/>
           <p:cNvSpPr>
             <a:spLocks noGrp="1"/>
           </p:cNvSpPr>
@@ -1269,8 +3885,8 @@
         </p:nvSpPr>
         <p:spPr>
           <a:xfrm>
-            <a:off x="838200" y="1825625"/>
-            <a:ext cx="5181600" cy="4351338"/>
+            <a:off x="685800" y="2194559"/>
+            <a:ext cx="5334000" cy="4024125"/>
           </a:xfrm>
         </p:spPr>
         <p:txBody>
@@ -1310,18 +3926,13 @@
               <a:rPr lang="es-ES"/>
               <a:t>Quinto nivel</a:t>
             </a:r>
-          </a:p>
-        </p:txBody>
-      </p:sp>
-      <p:sp>
-        <p:nvSpPr>
-          <p:cNvPr id="4" name="Marcador de contenido 3">
-            <a:extLst>
-              <a:ext uri="{FF2B5EF4-FFF2-40B4-BE49-F238E27FC236}">
-                <a16:creationId xmlns:a16="http://schemas.microsoft.com/office/drawing/2014/main" id="{468ED4C0-DE97-0FC5-3F15-44B2522BCD47}"/>
-              </a:ext>
-            </a:extLst>
-          </p:cNvPr>
+            <a:endParaRPr lang="en-US" dirty="0"/>
+          </a:p>
+        </p:txBody>
+      </p:sp>
+      <p:sp>
+        <p:nvSpPr>
+          <p:cNvPr id="4" name="Content Placeholder 3"/>
           <p:cNvSpPr>
             <a:spLocks noGrp="1"/>
           </p:cNvSpPr>
@@ -1331,8 +3942,8 @@
         </p:nvSpPr>
         <p:spPr>
           <a:xfrm>
-            <a:off x="6172200" y="1825625"/>
-            <a:ext cx="5181600" cy="4351338"/>
+            <a:off x="6172200" y="2194559"/>
+            <a:ext cx="5334000" cy="4024125"/>
           </a:xfrm>
         </p:spPr>
         <p:txBody>
@@ -1372,18 +3983,13 @@
               <a:rPr lang="es-ES"/>
               <a:t>Quinto nivel</a:t>
             </a:r>
-          </a:p>
-        </p:txBody>
-      </p:sp>
-      <p:sp>
-        <p:nvSpPr>
-          <p:cNvPr id="5" name="Marcador de fecha 4">
-            <a:extLst>
-              <a:ext uri="{FF2B5EF4-FFF2-40B4-BE49-F238E27FC236}">
-                <a16:creationId xmlns:a16="http://schemas.microsoft.com/office/drawing/2014/main" id="{1C2BA879-FBE5-94F0-C58C-10F0016A44D7}"/>
-              </a:ext>
-            </a:extLst>
-          </p:cNvPr>
+            <a:endParaRPr lang="en-US" dirty="0"/>
+          </a:p>
+        </p:txBody>
+      </p:sp>
+      <p:sp>
+        <p:nvSpPr>
+          <p:cNvPr id="5" name="Date Placeholder 4"/>
           <p:cNvSpPr>
             <a:spLocks noGrp="1"/>
           </p:cNvSpPr>
@@ -1406,13 +4012,7 @@
       </p:sp>
       <p:sp>
         <p:nvSpPr>
-          <p:cNvPr id="6" name="Marcador de pie de página 5">
-            <a:extLst>
-              <a:ext uri="{FF2B5EF4-FFF2-40B4-BE49-F238E27FC236}">
-                <a16:creationId xmlns:a16="http://schemas.microsoft.com/office/drawing/2014/main" id="{40392FB2-F45D-33C6-FC92-B8DAD354AF8F}"/>
-              </a:ext>
-            </a:extLst>
-          </p:cNvPr>
+          <p:cNvPr id="6" name="Footer Placeholder 5"/>
           <p:cNvSpPr>
             <a:spLocks noGrp="1"/>
           </p:cNvSpPr>
@@ -1431,13 +4031,7 @@
       </p:sp>
       <p:sp>
         <p:nvSpPr>
-          <p:cNvPr id="7" name="Marcador de número de diapositiva 6">
-            <a:extLst>
-              <a:ext uri="{FF2B5EF4-FFF2-40B4-BE49-F238E27FC236}">
-                <a16:creationId xmlns:a16="http://schemas.microsoft.com/office/drawing/2014/main" id="{020C5245-22D1-33D1-3DA7-0BA103D12CF9}"/>
-              </a:ext>
-            </a:extLst>
-          </p:cNvPr>
+          <p:cNvPr id="7" name="Slide Number Placeholder 6"/>
           <p:cNvSpPr>
             <a:spLocks noGrp="1"/>
           </p:cNvSpPr>
@@ -1461,7 +4055,7 @@
     </p:spTree>
     <p:extLst>
       <p:ext uri="{BB962C8B-B14F-4D97-AF65-F5344CB8AC3E}">
-        <p14:creationId xmlns:p14="http://schemas.microsoft.com/office/powerpoint/2010/main" val="3529844070"/>
+        <p14:creationId xmlns:p14="http://schemas.microsoft.com/office/powerpoint/2010/main" val="1108805749"/>
       </p:ext>
     </p:extLst>
   </p:cSld>
@@ -1490,13 +4084,7 @@
       </p:grpSpPr>
       <p:sp>
         <p:nvSpPr>
-          <p:cNvPr id="2" name="Título 1">
-            <a:extLst>
-              <a:ext uri="{FF2B5EF4-FFF2-40B4-BE49-F238E27FC236}">
-                <a16:creationId xmlns:a16="http://schemas.microsoft.com/office/drawing/2014/main" id="{5D0E9214-4F05-2008-4E25-B94357994861}"/>
-              </a:ext>
-            </a:extLst>
-          </p:cNvPr>
+          <p:cNvPr id="2" name="Title 1"/>
           <p:cNvSpPr>
             <a:spLocks noGrp="1"/>
           </p:cNvSpPr>
@@ -1506,8 +4094,8 @@
         </p:nvSpPr>
         <p:spPr>
           <a:xfrm>
-            <a:off x="839788" y="365125"/>
-            <a:ext cx="10515600" cy="1325563"/>
+            <a:off x="2895600" y="762000"/>
+            <a:ext cx="8610600" cy="1295400"/>
           </a:xfrm>
         </p:spPr>
         <p:txBody>
@@ -1518,18 +4106,13 @@
               <a:rPr lang="es-ES"/>
               <a:t>Haga clic para modificar el estilo de título del patrón</a:t>
             </a:r>
-          </a:p>
-        </p:txBody>
-      </p:sp>
-      <p:sp>
-        <p:nvSpPr>
-          <p:cNvPr id="3" name="Marcador de texto 2">
-            <a:extLst>
-              <a:ext uri="{FF2B5EF4-FFF2-40B4-BE49-F238E27FC236}">
-                <a16:creationId xmlns:a16="http://schemas.microsoft.com/office/drawing/2014/main" id="{1C6D179B-68DF-7451-B4CE-E3F58C700CBC}"/>
-              </a:ext>
-            </a:extLst>
-          </p:cNvPr>
+            <a:endParaRPr lang="en-US" dirty="0"/>
+          </a:p>
+        </p:txBody>
+      </p:sp>
+      <p:sp>
+        <p:nvSpPr>
+          <p:cNvPr id="3" name="Text Placeholder 2"/>
           <p:cNvSpPr>
             <a:spLocks noGrp="1"/>
           </p:cNvSpPr>
@@ -1539,16 +4122,22 @@
         </p:nvSpPr>
         <p:spPr>
           <a:xfrm>
-            <a:off x="839788" y="1681163"/>
-            <a:ext cx="5157787" cy="823912"/>
-          </a:xfrm>
-        </p:spPr>
-        <p:txBody>
-          <a:bodyPr anchor="b"/>
+            <a:off x="914409" y="2183802"/>
+            <a:ext cx="5079991" cy="823912"/>
+          </a:xfrm>
+        </p:spPr>
+        <p:txBody>
+          <a:bodyPr anchor="b">
+            <a:normAutofit/>
+          </a:bodyPr>
           <a:lstStyle>
             <a:lvl1pPr marL="0" indent="0">
               <a:buNone/>
-              <a:defRPr sz="2400" b="1"/>
+              <a:defRPr sz="2800" b="0">
+                <a:solidFill>
+                  <a:schemeClr val="tx1"/>
+                </a:solidFill>
+              </a:defRPr>
             </a:lvl1pPr>
             <a:lvl2pPr marL="457200" indent="0">
               <a:buNone/>
@@ -1594,13 +4183,7 @@
       </p:sp>
       <p:sp>
         <p:nvSpPr>
-          <p:cNvPr id="4" name="Marcador de contenido 3">
-            <a:extLst>
-              <a:ext uri="{FF2B5EF4-FFF2-40B4-BE49-F238E27FC236}">
-                <a16:creationId xmlns:a16="http://schemas.microsoft.com/office/drawing/2014/main" id="{5C1C7474-36B4-E27B-99CD-3AE581A0D02F}"/>
-              </a:ext>
-            </a:extLst>
-          </p:cNvPr>
+          <p:cNvPr id="4" name="Content Placeholder 3"/>
           <p:cNvSpPr>
             <a:spLocks noGrp="1"/>
           </p:cNvSpPr>
@@ -1610,8 +4193,8 @@
         </p:nvSpPr>
         <p:spPr>
           <a:xfrm>
-            <a:off x="839788" y="2505075"/>
-            <a:ext cx="5157787" cy="3684588"/>
+            <a:off x="685800" y="3132666"/>
+            <a:ext cx="5311775" cy="3086019"/>
           </a:xfrm>
         </p:spPr>
         <p:txBody>
@@ -1651,18 +4234,13 @@
               <a:rPr lang="es-ES"/>
               <a:t>Quinto nivel</a:t>
             </a:r>
-          </a:p>
-        </p:txBody>
-      </p:sp>
-      <p:sp>
-        <p:nvSpPr>
-          <p:cNvPr id="5" name="Marcador de texto 4">
-            <a:extLst>
-              <a:ext uri="{FF2B5EF4-FFF2-40B4-BE49-F238E27FC236}">
-                <a16:creationId xmlns:a16="http://schemas.microsoft.com/office/drawing/2014/main" id="{2209743C-7831-FDD8-CFAB-6F6D6634D758}"/>
-              </a:ext>
-            </a:extLst>
-          </p:cNvPr>
+            <a:endParaRPr lang="en-US" dirty="0"/>
+          </a:p>
+        </p:txBody>
+      </p:sp>
+      <p:sp>
+        <p:nvSpPr>
+          <p:cNvPr id="5" name="Text Placeholder 4"/>
           <p:cNvSpPr>
             <a:spLocks noGrp="1"/>
           </p:cNvSpPr>
@@ -1672,16 +4250,22 @@
         </p:nvSpPr>
         <p:spPr>
           <a:xfrm>
-            <a:off x="6172200" y="1681163"/>
-            <a:ext cx="5183188" cy="823912"/>
-          </a:xfrm>
-        </p:spPr>
-        <p:txBody>
-          <a:bodyPr anchor="b"/>
+            <a:off x="6400800" y="2183802"/>
+            <a:ext cx="5105400" cy="823912"/>
+          </a:xfrm>
+        </p:spPr>
+        <p:txBody>
+          <a:bodyPr anchor="b">
+            <a:normAutofit/>
+          </a:bodyPr>
           <a:lstStyle>
             <a:lvl1pPr marL="0" indent="0">
               <a:buNone/>
-              <a:defRPr sz="2400" b="1"/>
+              <a:defRPr sz="2800" b="0">
+                <a:solidFill>
+                  <a:schemeClr val="tx1"/>
+                </a:solidFill>
+              </a:defRPr>
             </a:lvl1pPr>
             <a:lvl2pPr marL="457200" indent="0">
               <a:buNone/>
@@ -1727,13 +4311,7 @@
       </p:sp>
       <p:sp>
         <p:nvSpPr>
-          <p:cNvPr id="6" name="Marcador de contenido 5">
-            <a:extLst>
-              <a:ext uri="{FF2B5EF4-FFF2-40B4-BE49-F238E27FC236}">
-                <a16:creationId xmlns:a16="http://schemas.microsoft.com/office/drawing/2014/main" id="{7AC6107B-BCBF-C3EF-31EB-FC02BD0CA6C9}"/>
-              </a:ext>
-            </a:extLst>
-          </p:cNvPr>
+          <p:cNvPr id="6" name="Content Placeholder 5"/>
           <p:cNvSpPr>
             <a:spLocks noGrp="1"/>
           </p:cNvSpPr>
@@ -1743,8 +4321,8 @@
         </p:nvSpPr>
         <p:spPr>
           <a:xfrm>
-            <a:off x="6172200" y="2505075"/>
-            <a:ext cx="5183188" cy="3684588"/>
+            <a:off x="6172200" y="3132666"/>
+            <a:ext cx="5334000" cy="3086019"/>
           </a:xfrm>
         </p:spPr>
         <p:txBody>
@@ -1784,18 +4362,13 @@
               <a:rPr lang="es-ES"/>
               <a:t>Quinto nivel</a:t>
             </a:r>
-          </a:p>
-        </p:txBody>
-      </p:sp>
-      <p:sp>
-        <p:nvSpPr>
-          <p:cNvPr id="7" name="Marcador de fecha 6">
-            <a:extLst>
-              <a:ext uri="{FF2B5EF4-FFF2-40B4-BE49-F238E27FC236}">
-                <a16:creationId xmlns:a16="http://schemas.microsoft.com/office/drawing/2014/main" id="{F5EDBBEA-6550-6F19-9988-9DB2640DF1D9}"/>
-              </a:ext>
-            </a:extLst>
-          </p:cNvPr>
+            <a:endParaRPr lang="en-US" dirty="0"/>
+          </a:p>
+        </p:txBody>
+      </p:sp>
+      <p:sp>
+        <p:nvSpPr>
+          <p:cNvPr id="7" name="Date Placeholder 6"/>
           <p:cNvSpPr>
             <a:spLocks noGrp="1"/>
           </p:cNvSpPr>
@@ -1818,13 +4391,7 @@
       </p:sp>
       <p:sp>
         <p:nvSpPr>
-          <p:cNvPr id="8" name="Marcador de pie de página 7">
-            <a:extLst>
-              <a:ext uri="{FF2B5EF4-FFF2-40B4-BE49-F238E27FC236}">
-                <a16:creationId xmlns:a16="http://schemas.microsoft.com/office/drawing/2014/main" id="{2195E6F5-AEA8-2723-6989-6D4270F44ACC}"/>
-              </a:ext>
-            </a:extLst>
-          </p:cNvPr>
+          <p:cNvPr id="8" name="Footer Placeholder 7"/>
           <p:cNvSpPr>
             <a:spLocks noGrp="1"/>
           </p:cNvSpPr>
@@ -1843,13 +4410,7 @@
       </p:sp>
       <p:sp>
         <p:nvSpPr>
-          <p:cNvPr id="9" name="Marcador de número de diapositiva 8">
-            <a:extLst>
-              <a:ext uri="{FF2B5EF4-FFF2-40B4-BE49-F238E27FC236}">
-                <a16:creationId xmlns:a16="http://schemas.microsoft.com/office/drawing/2014/main" id="{09E8DB4F-04CA-579B-9D0C-72FC96627806}"/>
-              </a:ext>
-            </a:extLst>
-          </p:cNvPr>
+          <p:cNvPr id="9" name="Slide Number Placeholder 8"/>
           <p:cNvSpPr>
             <a:spLocks noGrp="1"/>
           </p:cNvSpPr>
@@ -1873,7 +4434,7 @@
     </p:spTree>
     <p:extLst>
       <p:ext uri="{BB962C8B-B14F-4D97-AF65-F5344CB8AC3E}">
-        <p14:creationId xmlns:p14="http://schemas.microsoft.com/office/powerpoint/2010/main" val="3556043884"/>
+        <p14:creationId xmlns:p14="http://schemas.microsoft.com/office/powerpoint/2010/main" val="2957201009"/>
       </p:ext>
     </p:extLst>
   </p:cSld>
@@ -1902,13 +4463,7 @@
       </p:grpSpPr>
       <p:sp>
         <p:nvSpPr>
-          <p:cNvPr id="2" name="Título 1">
-            <a:extLst>
-              <a:ext uri="{FF2B5EF4-FFF2-40B4-BE49-F238E27FC236}">
-                <a16:creationId xmlns:a16="http://schemas.microsoft.com/office/drawing/2014/main" id="{09D4CD97-4917-84F6-8EF1-C3183974036A}"/>
-              </a:ext>
-            </a:extLst>
-          </p:cNvPr>
+          <p:cNvPr id="2" name="Title 1"/>
           <p:cNvSpPr>
             <a:spLocks noGrp="1"/>
           </p:cNvSpPr>
@@ -1925,18 +4480,13 @@
               <a:rPr lang="es-ES"/>
               <a:t>Haga clic para modificar el estilo de título del patrón</a:t>
             </a:r>
-          </a:p>
-        </p:txBody>
-      </p:sp>
-      <p:sp>
-        <p:nvSpPr>
-          <p:cNvPr id="3" name="Marcador de fecha 2">
-            <a:extLst>
-              <a:ext uri="{FF2B5EF4-FFF2-40B4-BE49-F238E27FC236}">
-                <a16:creationId xmlns:a16="http://schemas.microsoft.com/office/drawing/2014/main" id="{45B4624D-3A21-CE7F-1304-898404B8E9C3}"/>
-              </a:ext>
-            </a:extLst>
-          </p:cNvPr>
+            <a:endParaRPr lang="en-US" dirty="0"/>
+          </a:p>
+        </p:txBody>
+      </p:sp>
+      <p:sp>
+        <p:nvSpPr>
+          <p:cNvPr id="3" name="Date Placeholder 2"/>
           <p:cNvSpPr>
             <a:spLocks noGrp="1"/>
           </p:cNvSpPr>
@@ -1959,13 +4509,7 @@
       </p:sp>
       <p:sp>
         <p:nvSpPr>
-          <p:cNvPr id="4" name="Marcador de pie de página 3">
-            <a:extLst>
-              <a:ext uri="{FF2B5EF4-FFF2-40B4-BE49-F238E27FC236}">
-                <a16:creationId xmlns:a16="http://schemas.microsoft.com/office/drawing/2014/main" id="{9096BC29-00EA-52B5-EB2C-0C633814A896}"/>
-              </a:ext>
-            </a:extLst>
-          </p:cNvPr>
+          <p:cNvPr id="4" name="Footer Placeholder 3"/>
           <p:cNvSpPr>
             <a:spLocks noGrp="1"/>
           </p:cNvSpPr>
@@ -1984,13 +4528,7 @@
       </p:sp>
       <p:sp>
         <p:nvSpPr>
-          <p:cNvPr id="5" name="Marcador de número de diapositiva 4">
-            <a:extLst>
-              <a:ext uri="{FF2B5EF4-FFF2-40B4-BE49-F238E27FC236}">
-                <a16:creationId xmlns:a16="http://schemas.microsoft.com/office/drawing/2014/main" id="{4F1FD52F-7950-C267-222C-F7ED19197AB1}"/>
-              </a:ext>
-            </a:extLst>
-          </p:cNvPr>
+          <p:cNvPr id="5" name="Slide Number Placeholder 4"/>
           <p:cNvSpPr>
             <a:spLocks noGrp="1"/>
           </p:cNvSpPr>
@@ -2014,7 +4552,7 @@
     </p:spTree>
     <p:extLst>
       <p:ext uri="{BB962C8B-B14F-4D97-AF65-F5344CB8AC3E}">
-        <p14:creationId xmlns:p14="http://schemas.microsoft.com/office/powerpoint/2010/main" val="2914456842"/>
+        <p14:creationId xmlns:p14="http://schemas.microsoft.com/office/powerpoint/2010/main" val="823276921"/>
       </p:ext>
     </p:extLst>
   </p:cSld>
@@ -2043,13 +4581,7 @@
       </p:grpSpPr>
       <p:sp>
         <p:nvSpPr>
-          <p:cNvPr id="2" name="Marcador de fecha 1">
-            <a:extLst>
-              <a:ext uri="{FF2B5EF4-FFF2-40B4-BE49-F238E27FC236}">
-                <a16:creationId xmlns:a16="http://schemas.microsoft.com/office/drawing/2014/main" id="{9FC8A17D-EB21-C57C-369F-AA145741E17F}"/>
-              </a:ext>
-            </a:extLst>
-          </p:cNvPr>
+          <p:cNvPr id="2" name="Date Placeholder 1"/>
           <p:cNvSpPr>
             <a:spLocks noGrp="1"/>
           </p:cNvSpPr>
@@ -2072,13 +4604,7 @@
       </p:sp>
       <p:sp>
         <p:nvSpPr>
-          <p:cNvPr id="3" name="Marcador de pie de página 2">
-            <a:extLst>
-              <a:ext uri="{FF2B5EF4-FFF2-40B4-BE49-F238E27FC236}">
-                <a16:creationId xmlns:a16="http://schemas.microsoft.com/office/drawing/2014/main" id="{0E0D1F87-10CB-45E1-79F5-0B9E7D83248F}"/>
-              </a:ext>
-            </a:extLst>
-          </p:cNvPr>
+          <p:cNvPr id="3" name="Footer Placeholder 2"/>
           <p:cNvSpPr>
             <a:spLocks noGrp="1"/>
           </p:cNvSpPr>
@@ -2097,13 +4623,7 @@
       </p:sp>
       <p:sp>
         <p:nvSpPr>
-          <p:cNvPr id="4" name="Marcador de número de diapositiva 3">
-            <a:extLst>
-              <a:ext uri="{FF2B5EF4-FFF2-40B4-BE49-F238E27FC236}">
-                <a16:creationId xmlns:a16="http://schemas.microsoft.com/office/drawing/2014/main" id="{8799951D-8572-3A3F-1E05-5151349CE25F}"/>
-              </a:ext>
-            </a:extLst>
-          </p:cNvPr>
+          <p:cNvPr id="4" name="Slide Number Placeholder 3"/>
           <p:cNvSpPr>
             <a:spLocks noGrp="1"/>
           </p:cNvSpPr>
@@ -2127,7 +4647,7 @@
     </p:spTree>
     <p:extLst>
       <p:ext uri="{BB962C8B-B14F-4D97-AF65-F5344CB8AC3E}">
-        <p14:creationId xmlns:p14="http://schemas.microsoft.com/office/powerpoint/2010/main" val="2917875683"/>
+        <p14:creationId xmlns:p14="http://schemas.microsoft.com/office/powerpoint/2010/main" val="1637379219"/>
       </p:ext>
     </p:extLst>
   </p:cSld>
@@ -2156,13 +4676,7 @@
       </p:grpSpPr>
       <p:sp>
         <p:nvSpPr>
-          <p:cNvPr id="2" name="Título 1">
-            <a:extLst>
-              <a:ext uri="{FF2B5EF4-FFF2-40B4-BE49-F238E27FC236}">
-                <a16:creationId xmlns:a16="http://schemas.microsoft.com/office/drawing/2014/main" id="{0803E509-6931-CE86-B756-8520FC90C58D}"/>
-              </a:ext>
-            </a:extLst>
-          </p:cNvPr>
+          <p:cNvPr id="2" name="Title 1"/>
           <p:cNvSpPr>
             <a:spLocks noGrp="1"/>
           </p:cNvSpPr>
@@ -2172,14 +4686,14 @@
         </p:nvSpPr>
         <p:spPr>
           <a:xfrm>
-            <a:off x="839788" y="457200"/>
-            <a:ext cx="3932237" cy="1600200"/>
+            <a:off x="685800" y="1524000"/>
+            <a:ext cx="4114800" cy="1600200"/>
           </a:xfrm>
         </p:spPr>
         <p:txBody>
           <a:bodyPr anchor="b"/>
           <a:lstStyle>
-            <a:lvl1pPr>
+            <a:lvl1pPr algn="l">
               <a:defRPr sz="3200"/>
             </a:lvl1pPr>
           </a:lstStyle>
@@ -2188,18 +4702,13 @@
               <a:rPr lang="es-ES"/>
               <a:t>Haga clic para modificar el estilo de título del patrón</a:t>
             </a:r>
-          </a:p>
-        </p:txBody>
-      </p:sp>
-      <p:sp>
-        <p:nvSpPr>
-          <p:cNvPr id="3" name="Marcador de contenido 2">
-            <a:extLst>
-              <a:ext uri="{FF2B5EF4-FFF2-40B4-BE49-F238E27FC236}">
-                <a16:creationId xmlns:a16="http://schemas.microsoft.com/office/drawing/2014/main" id="{60D7644F-2247-DEFF-E14E-AAE17D032ABC}"/>
-              </a:ext>
-            </a:extLst>
-          </p:cNvPr>
+            <a:endParaRPr lang="en-US" dirty="0"/>
+          </a:p>
+        </p:txBody>
+      </p:sp>
+      <p:sp>
+        <p:nvSpPr>
+          <p:cNvPr id="3" name="Content Placeholder 2"/>
           <p:cNvSpPr>
             <a:spLocks noGrp="1"/>
           </p:cNvSpPr>
@@ -2209,41 +4718,13 @@
         </p:nvSpPr>
         <p:spPr>
           <a:xfrm>
-            <a:off x="5183188" y="987425"/>
-            <a:ext cx="6172200" cy="4873625"/>
-          </a:xfrm>
-        </p:spPr>
-        <p:txBody>
-          <a:bodyPr/>
-          <a:lstStyle>
-            <a:lvl1pPr>
-              <a:defRPr sz="3200"/>
-            </a:lvl1pPr>
-            <a:lvl2pPr>
-              <a:defRPr sz="2800"/>
-            </a:lvl2pPr>
-            <a:lvl3pPr>
-              <a:defRPr sz="2400"/>
-            </a:lvl3pPr>
-            <a:lvl4pPr>
-              <a:defRPr sz="2000"/>
-            </a:lvl4pPr>
-            <a:lvl5pPr>
-              <a:defRPr sz="2000"/>
-            </a:lvl5pPr>
-            <a:lvl6pPr>
-              <a:defRPr sz="2000"/>
-            </a:lvl6pPr>
-            <a:lvl7pPr>
-              <a:defRPr sz="2000"/>
-            </a:lvl7pPr>
-            <a:lvl8pPr>
-              <a:defRPr sz="2000"/>
-            </a:lvl8pPr>
-            <a:lvl9pPr>
-              <a:defRPr sz="2000"/>
-            </a:lvl9pPr>
-          </a:lstStyle>
+            <a:off x="4995582" y="746759"/>
+            <a:ext cx="6510618" cy="5471925"/>
+          </a:xfrm>
+        </p:spPr>
+        <p:txBody>
+          <a:bodyPr anchor="ctr"/>
+          <a:lstStyle/>
           <a:p>
             <a:pPr lvl="0"/>
             <a:r>
@@ -2278,18 +4759,13 @@
               <a:rPr lang="es-ES"/>
               <a:t>Quinto nivel</a:t>
             </a:r>
-          </a:p>
-        </p:txBody>
-      </p:sp>
-      <p:sp>
-        <p:nvSpPr>
-          <p:cNvPr id="4" name="Marcador de texto 3">
-            <a:extLst>
-              <a:ext uri="{FF2B5EF4-FFF2-40B4-BE49-F238E27FC236}">
-                <a16:creationId xmlns:a16="http://schemas.microsoft.com/office/drawing/2014/main" id="{E2703C48-1AC9-B9EE-0C5D-A84A980D1BE7}"/>
-              </a:ext>
-            </a:extLst>
-          </p:cNvPr>
+            <a:endParaRPr lang="en-US" dirty="0"/>
+          </a:p>
+        </p:txBody>
+      </p:sp>
+      <p:sp>
+        <p:nvSpPr>
+          <p:cNvPr id="4" name="Text Placeholder 3"/>
           <p:cNvSpPr>
             <a:spLocks noGrp="1"/>
           </p:cNvSpPr>
@@ -2299,8 +4775,8 @@
         </p:nvSpPr>
         <p:spPr>
           <a:xfrm>
-            <a:off x="839788" y="2057400"/>
-            <a:ext cx="3932237" cy="3811588"/>
+            <a:off x="685800" y="3124199"/>
+            <a:ext cx="4114800" cy="3094485"/>
           </a:xfrm>
         </p:spPr>
         <p:txBody>
@@ -2354,13 +4830,7 @@
       </p:sp>
       <p:sp>
         <p:nvSpPr>
-          <p:cNvPr id="5" name="Marcador de fecha 4">
-            <a:extLst>
-              <a:ext uri="{FF2B5EF4-FFF2-40B4-BE49-F238E27FC236}">
-                <a16:creationId xmlns:a16="http://schemas.microsoft.com/office/drawing/2014/main" id="{05D6FA99-E5FE-3755-00FD-311B09121CB6}"/>
-              </a:ext>
-            </a:extLst>
-          </p:cNvPr>
+          <p:cNvPr id="5" name="Date Placeholder 4"/>
           <p:cNvSpPr>
             <a:spLocks noGrp="1"/>
           </p:cNvSpPr>
@@ -2383,13 +4853,7 @@
       </p:sp>
       <p:sp>
         <p:nvSpPr>
-          <p:cNvPr id="6" name="Marcador de pie de página 5">
-            <a:extLst>
-              <a:ext uri="{FF2B5EF4-FFF2-40B4-BE49-F238E27FC236}">
-                <a16:creationId xmlns:a16="http://schemas.microsoft.com/office/drawing/2014/main" id="{624F2687-1EDD-D7CE-AEE4-49932EDC5A0C}"/>
-              </a:ext>
-            </a:extLst>
-          </p:cNvPr>
+          <p:cNvPr id="6" name="Footer Placeholder 5"/>
           <p:cNvSpPr>
             <a:spLocks noGrp="1"/>
           </p:cNvSpPr>
@@ -2408,13 +4872,7 @@
       </p:sp>
       <p:sp>
         <p:nvSpPr>
-          <p:cNvPr id="7" name="Marcador de número de diapositiva 6">
-            <a:extLst>
-              <a:ext uri="{FF2B5EF4-FFF2-40B4-BE49-F238E27FC236}">
-                <a16:creationId xmlns:a16="http://schemas.microsoft.com/office/drawing/2014/main" id="{34C8BEB1-6F99-90F4-C801-CA1387F3A73E}"/>
-              </a:ext>
-            </a:extLst>
-          </p:cNvPr>
+          <p:cNvPr id="7" name="Slide Number Placeholder 6"/>
           <p:cNvSpPr>
             <a:spLocks noGrp="1"/>
           </p:cNvSpPr>
@@ -2438,7 +4896,7 @@
     </p:spTree>
     <p:extLst>
       <p:ext uri="{BB962C8B-B14F-4D97-AF65-F5344CB8AC3E}">
-        <p14:creationId xmlns:p14="http://schemas.microsoft.com/office/powerpoint/2010/main" val="517260658"/>
+        <p14:creationId xmlns:p14="http://schemas.microsoft.com/office/powerpoint/2010/main" val="4283270197"/>
       </p:ext>
     </p:extLst>
   </p:cSld>
@@ -2467,13 +4925,7 @@
       </p:grpSpPr>
       <p:sp>
         <p:nvSpPr>
-          <p:cNvPr id="2" name="Título 1">
-            <a:extLst>
-              <a:ext uri="{FF2B5EF4-FFF2-40B4-BE49-F238E27FC236}">
-                <a16:creationId xmlns:a16="http://schemas.microsoft.com/office/drawing/2014/main" id="{48BC6333-9BD5-34DA-187F-16B6A37A19A6}"/>
-              </a:ext>
-            </a:extLst>
-          </p:cNvPr>
+          <p:cNvPr id="2" name="Title 1"/>
           <p:cNvSpPr>
             <a:spLocks noGrp="1"/>
           </p:cNvSpPr>
@@ -2483,14 +4935,14 @@
         </p:nvSpPr>
         <p:spPr>
           <a:xfrm>
-            <a:off x="839788" y="457200"/>
-            <a:ext cx="3932237" cy="1600200"/>
+            <a:off x="685800" y="1524000"/>
+            <a:ext cx="6873240" cy="1600200"/>
           </a:xfrm>
         </p:spPr>
         <p:txBody>
           <a:bodyPr anchor="b"/>
           <a:lstStyle>
-            <a:lvl1pPr>
+            <a:lvl1pPr algn="l">
               <a:defRPr sz="3200"/>
             </a:lvl1pPr>
           </a:lstStyle>
@@ -2499,20 +4951,15 @@
               <a:rPr lang="es-ES"/>
               <a:t>Haga clic para modificar el estilo de título del patrón</a:t>
             </a:r>
-          </a:p>
-        </p:txBody>
-      </p:sp>
-      <p:sp>
-        <p:nvSpPr>
-          <p:cNvPr id="3" name="Marcador de posición de imagen 2">
-            <a:extLst>
-              <a:ext uri="{FF2B5EF4-FFF2-40B4-BE49-F238E27FC236}">
-                <a16:creationId xmlns:a16="http://schemas.microsoft.com/office/drawing/2014/main" id="{2B6EFD22-22FF-CC45-E7A7-093D1965353F}"/>
-              </a:ext>
-            </a:extLst>
-          </p:cNvPr>
-          <p:cNvSpPr>
-            <a:spLocks noGrp="1"/>
+            <a:endParaRPr lang="en-US" dirty="0"/>
+          </a:p>
+        </p:txBody>
+      </p:sp>
+      <p:sp>
+        <p:nvSpPr>
+          <p:cNvPr id="3" name="Picture Placeholder 2"/>
+          <p:cNvSpPr>
+            <a:spLocks noGrp="1" noChangeAspect="1"/>
           </p:cNvSpPr>
           <p:nvPr>
             <p:ph type="pic" idx="1"/>
@@ -2520,8 +4967,73 @@
         </p:nvSpPr>
         <p:spPr>
           <a:xfrm>
-            <a:off x="5183188" y="987425"/>
-            <a:ext cx="6172200" cy="4873625"/>
+            <a:off x="7861238" y="751241"/>
+            <a:ext cx="3644962" cy="5467443"/>
+          </a:xfrm>
+        </p:spPr>
+        <p:txBody>
+          <a:bodyPr anchor="t"/>
+          <a:lstStyle>
+            <a:lvl1pPr marL="0" indent="0">
+              <a:buNone/>
+              <a:defRPr sz="3200"/>
+            </a:lvl1pPr>
+            <a:lvl2pPr marL="457200" indent="0">
+              <a:buNone/>
+              <a:defRPr sz="2800"/>
+            </a:lvl2pPr>
+            <a:lvl3pPr marL="914400" indent="0">
+              <a:buNone/>
+              <a:defRPr sz="2400"/>
+            </a:lvl3pPr>
+            <a:lvl4pPr marL="1371600" indent="0">
+              <a:buNone/>
+              <a:defRPr sz="2000"/>
+            </a:lvl4pPr>
+            <a:lvl5pPr marL="1828800" indent="0">
+              <a:buNone/>
+              <a:defRPr sz="2000"/>
+            </a:lvl5pPr>
+            <a:lvl6pPr marL="2286000" indent="0">
+              <a:buNone/>
+              <a:defRPr sz="2000"/>
+            </a:lvl6pPr>
+            <a:lvl7pPr marL="2743200" indent="0">
+              <a:buNone/>
+              <a:defRPr sz="2000"/>
+            </a:lvl7pPr>
+            <a:lvl8pPr marL="3200400" indent="0">
+              <a:buNone/>
+              <a:defRPr sz="2000"/>
+            </a:lvl8pPr>
+            <a:lvl9pPr marL="3657600" indent="0">
+              <a:buNone/>
+              <a:defRPr sz="2000"/>
+            </a:lvl9pPr>
+          </a:lstStyle>
+          <a:p>
+            <a:r>
+              <a:rPr lang="es-ES"/>
+              <a:t>Haga clic en el icono para agregar una imagen</a:t>
+            </a:r>
+            <a:endParaRPr lang="en-US" dirty="0"/>
+          </a:p>
+        </p:txBody>
+      </p:sp>
+      <p:sp>
+        <p:nvSpPr>
+          <p:cNvPr id="4" name="Text Placeholder 3"/>
+          <p:cNvSpPr>
+            <a:spLocks noGrp="1"/>
+          </p:cNvSpPr>
+          <p:nvPr>
+            <p:ph type="body" sz="half" idx="2"/>
+          </p:nvPr>
+        </p:nvSpPr>
+        <p:spPr>
+          <a:xfrm>
+            <a:off x="685800" y="3124199"/>
+            <a:ext cx="6873240" cy="3094485"/>
           </a:xfrm>
         </p:spPr>
         <p:txBody>
@@ -2529,73 +5041,6 @@
           <a:lstStyle>
             <a:lvl1pPr marL="0" indent="0">
               <a:buNone/>
-              <a:defRPr sz="3200"/>
-            </a:lvl1pPr>
-            <a:lvl2pPr marL="457200" indent="0">
-              <a:buNone/>
-              <a:defRPr sz="2800"/>
-            </a:lvl2pPr>
-            <a:lvl3pPr marL="914400" indent="0">
-              <a:buNone/>
-              <a:defRPr sz="2400"/>
-            </a:lvl3pPr>
-            <a:lvl4pPr marL="1371600" indent="0">
-              <a:buNone/>
-              <a:defRPr sz="2000"/>
-            </a:lvl4pPr>
-            <a:lvl5pPr marL="1828800" indent="0">
-              <a:buNone/>
-              <a:defRPr sz="2000"/>
-            </a:lvl5pPr>
-            <a:lvl6pPr marL="2286000" indent="0">
-              <a:buNone/>
-              <a:defRPr sz="2000"/>
-            </a:lvl6pPr>
-            <a:lvl7pPr marL="2743200" indent="0">
-              <a:buNone/>
-              <a:defRPr sz="2000"/>
-            </a:lvl7pPr>
-            <a:lvl8pPr marL="3200400" indent="0">
-              <a:buNone/>
-              <a:defRPr sz="2000"/>
-            </a:lvl8pPr>
-            <a:lvl9pPr marL="3657600" indent="0">
-              <a:buNone/>
-              <a:defRPr sz="2000"/>
-            </a:lvl9pPr>
-          </a:lstStyle>
-          <a:p>
-            <a:endParaRPr lang="es-ES"/>
-          </a:p>
-        </p:txBody>
-      </p:sp>
-      <p:sp>
-        <p:nvSpPr>
-          <p:cNvPr id="4" name="Marcador de texto 3">
-            <a:extLst>
-              <a:ext uri="{FF2B5EF4-FFF2-40B4-BE49-F238E27FC236}">
-                <a16:creationId xmlns:a16="http://schemas.microsoft.com/office/drawing/2014/main" id="{F858A8FD-F823-7643-086C-295E2BB1D7C9}"/>
-              </a:ext>
-            </a:extLst>
-          </p:cNvPr>
-          <p:cNvSpPr>
-            <a:spLocks noGrp="1"/>
-          </p:cNvSpPr>
-          <p:nvPr>
-            <p:ph type="body" sz="half" idx="2"/>
-          </p:nvPr>
-        </p:nvSpPr>
-        <p:spPr>
-          <a:xfrm>
-            <a:off x="839788" y="2057400"/>
-            <a:ext cx="3932237" cy="3811588"/>
-          </a:xfrm>
-        </p:spPr>
-        <p:txBody>
-          <a:bodyPr/>
-          <a:lstStyle>
-            <a:lvl1pPr marL="0" indent="0">
-              <a:buNone/>
               <a:defRPr sz="1600"/>
             </a:lvl1pPr>
             <a:lvl2pPr marL="457200" indent="0">
@@ -2642,13 +5087,7 @@
       </p:sp>
       <p:sp>
         <p:nvSpPr>
-          <p:cNvPr id="5" name="Marcador de fecha 4">
-            <a:extLst>
-              <a:ext uri="{FF2B5EF4-FFF2-40B4-BE49-F238E27FC236}">
-                <a16:creationId xmlns:a16="http://schemas.microsoft.com/office/drawing/2014/main" id="{7755E547-F033-B6E8-70CB-A0CEC7138AB9}"/>
-              </a:ext>
-            </a:extLst>
-          </p:cNvPr>
+          <p:cNvPr id="5" name="Date Placeholder 4"/>
           <p:cNvSpPr>
             <a:spLocks noGrp="1"/>
           </p:cNvSpPr>
@@ -2671,13 +5110,7 @@
       </p:sp>
       <p:sp>
         <p:nvSpPr>
-          <p:cNvPr id="6" name="Marcador de pie de página 5">
-            <a:extLst>
-              <a:ext uri="{FF2B5EF4-FFF2-40B4-BE49-F238E27FC236}">
-                <a16:creationId xmlns:a16="http://schemas.microsoft.com/office/drawing/2014/main" id="{C81C42F7-25D0-5250-927C-AAC4416A9DD9}"/>
-              </a:ext>
-            </a:extLst>
-          </p:cNvPr>
+          <p:cNvPr id="6" name="Footer Placeholder 5"/>
           <p:cNvSpPr>
             <a:spLocks noGrp="1"/>
           </p:cNvSpPr>
@@ -2696,13 +5129,7 @@
       </p:sp>
       <p:sp>
         <p:nvSpPr>
-          <p:cNvPr id="7" name="Marcador de número de diapositiva 6">
-            <a:extLst>
-              <a:ext uri="{FF2B5EF4-FFF2-40B4-BE49-F238E27FC236}">
-                <a16:creationId xmlns:a16="http://schemas.microsoft.com/office/drawing/2014/main" id="{804F7269-C705-72BB-78D3-F70AC06F2F03}"/>
-              </a:ext>
-            </a:extLst>
-          </p:cNvPr>
+          <p:cNvPr id="7" name="Slide Number Placeholder 6"/>
           <p:cNvSpPr>
             <a:spLocks noGrp="1"/>
           </p:cNvSpPr>
@@ -2726,7 +5153,7 @@
     </p:spTree>
     <p:extLst>
       <p:ext uri="{BB962C8B-B14F-4D97-AF65-F5344CB8AC3E}">
-        <p14:creationId xmlns:p14="http://schemas.microsoft.com/office/powerpoint/2010/main" val="394907740"/>
+        <p14:creationId xmlns:p14="http://schemas.microsoft.com/office/powerpoint/2010/main" val="167838308"/>
       </p:ext>
     </p:extLst>
   </p:cSld>
@@ -2758,15 +5185,39 @@
           <a:chExt cx="0" cy="0"/>
         </a:xfrm>
       </p:grpSpPr>
-      <p:sp>
-        <p:nvSpPr>
-          <p:cNvPr id="2" name="Marcador de título 1">
+      <p:pic>
+        <p:nvPicPr>
+          <p:cNvPr id="7" name="Picture 6" descr="C0-HD-TOP.png"/>
+          <p:cNvPicPr>
+            <a:picLocks noChangeAspect="1"/>
+          </p:cNvPicPr>
+          <p:nvPr/>
+        </p:nvPicPr>
+        <p:blipFill>
+          <a:blip r:embed="rId19">
             <a:extLst>
-              <a:ext uri="{FF2B5EF4-FFF2-40B4-BE49-F238E27FC236}">
-                <a16:creationId xmlns:a16="http://schemas.microsoft.com/office/drawing/2014/main" id="{624ECC53-8737-B657-BC87-679F439B2F08}"/>
+              <a:ext uri="{28A0092B-C50C-407E-A947-70E740481C1C}">
+                <a14:useLocalDpi xmlns:a14="http://schemas.microsoft.com/office/drawing/2010/main" val="0"/>
               </a:ext>
             </a:extLst>
-          </p:cNvPr>
+          </a:blip>
+          <a:stretch>
+            <a:fillRect/>
+          </a:stretch>
+        </p:blipFill>
+        <p:spPr>
+          <a:xfrm>
+            <a:off x="0" y="0"/>
+            <a:ext cx="12192000" cy="1441450"/>
+          </a:xfrm>
+          <a:prstGeom prst="rect">
+            <a:avLst/>
+          </a:prstGeom>
+        </p:spPr>
+      </p:pic>
+      <p:sp>
+        <p:nvSpPr>
+          <p:cNvPr id="2" name="Title Placeholder 1"/>
           <p:cNvSpPr>
             <a:spLocks noGrp="1"/>
           </p:cNvSpPr>
@@ -2776,8 +5227,8 @@
         </p:nvSpPr>
         <p:spPr>
           <a:xfrm>
-            <a:off x="838200" y="365125"/>
-            <a:ext cx="10515600" cy="1325563"/>
+            <a:off x="2895600" y="764373"/>
+            <a:ext cx="8610600" cy="1293028"/>
           </a:xfrm>
           <a:prstGeom prst="rect">
             <a:avLst/>
@@ -2793,18 +5244,13 @@
               <a:rPr lang="es-ES"/>
               <a:t>Haga clic para modificar el estilo de título del patrón</a:t>
             </a:r>
-          </a:p>
-        </p:txBody>
-      </p:sp>
-      <p:sp>
-        <p:nvSpPr>
-          <p:cNvPr id="3" name="Marcador de texto 2">
-            <a:extLst>
-              <a:ext uri="{FF2B5EF4-FFF2-40B4-BE49-F238E27FC236}">
-                <a16:creationId xmlns:a16="http://schemas.microsoft.com/office/drawing/2014/main" id="{8FCA4981-4A6A-021A-6712-C12992E05729}"/>
-              </a:ext>
-            </a:extLst>
-          </p:cNvPr>
+            <a:endParaRPr lang="en-US" dirty="0"/>
+          </a:p>
+        </p:txBody>
+      </p:sp>
+      <p:sp>
+        <p:nvSpPr>
+          <p:cNvPr id="3" name="Text Placeholder 2"/>
           <p:cNvSpPr>
             <a:spLocks noGrp="1"/>
           </p:cNvSpPr>
@@ -2814,8 +5260,8 @@
         </p:nvSpPr>
         <p:spPr>
           <a:xfrm>
-            <a:off x="838200" y="1825625"/>
-            <a:ext cx="10515600" cy="4351338"/>
+            <a:off x="685800" y="2194560"/>
+            <a:ext cx="10820400" cy="4024125"/>
           </a:xfrm>
           <a:prstGeom prst="rect">
             <a:avLst/>
@@ -2860,18 +5306,13 @@
               <a:rPr lang="es-ES"/>
               <a:t>Quinto nivel</a:t>
             </a:r>
-          </a:p>
-        </p:txBody>
-      </p:sp>
-      <p:sp>
-        <p:nvSpPr>
-          <p:cNvPr id="4" name="Marcador de fecha 3">
-            <a:extLst>
-              <a:ext uri="{FF2B5EF4-FFF2-40B4-BE49-F238E27FC236}">
-                <a16:creationId xmlns:a16="http://schemas.microsoft.com/office/drawing/2014/main" id="{A09EB48E-7D77-2765-FA99-87C6BD29AF61}"/>
-              </a:ext>
-            </a:extLst>
-          </p:cNvPr>
+            <a:endParaRPr lang="en-US" dirty="0"/>
+          </a:p>
+        </p:txBody>
+      </p:sp>
+      <p:sp>
+        <p:nvSpPr>
+          <p:cNvPr id="4" name="Date Placeholder 3"/>
           <p:cNvSpPr>
             <a:spLocks noGrp="1"/>
           </p:cNvSpPr>
@@ -2881,8 +5322,8 @@
         </p:nvSpPr>
         <p:spPr>
           <a:xfrm>
-            <a:off x="838200" y="6356350"/>
-            <a:ext cx="2743200" cy="365125"/>
+            <a:off x="8595360" y="6356350"/>
+            <a:ext cx="2910840" cy="365125"/>
           </a:xfrm>
           <a:prstGeom prst="rect">
             <a:avLst/>
@@ -2891,8 +5332,8 @@
         <p:txBody>
           <a:bodyPr vert="horz" lIns="91440" tIns="45720" rIns="91440" bIns="45720" rtlCol="0" anchor="ctr"/>
           <a:lstStyle>
-            <a:lvl1pPr algn="l">
-              <a:defRPr sz="1200">
+            <a:lvl1pPr algn="r">
+              <a:defRPr sz="1050">
                 <a:solidFill>
                   <a:schemeClr val="tx1">
                     <a:tint val="75000"/>
@@ -2912,13 +5353,7 @@
       </p:sp>
       <p:sp>
         <p:nvSpPr>
-          <p:cNvPr id="5" name="Marcador de pie de página 4">
-            <a:extLst>
-              <a:ext uri="{FF2B5EF4-FFF2-40B4-BE49-F238E27FC236}">
-                <a16:creationId xmlns:a16="http://schemas.microsoft.com/office/drawing/2014/main" id="{72FD4130-8B2A-2A49-63B7-A45AB5CC52F9}"/>
-              </a:ext>
-            </a:extLst>
-          </p:cNvPr>
+          <p:cNvPr id="5" name="Footer Placeholder 4"/>
           <p:cNvSpPr>
             <a:spLocks noGrp="1"/>
           </p:cNvSpPr>
@@ -2928,8 +5363,8 @@
         </p:nvSpPr>
         <p:spPr>
           <a:xfrm>
-            <a:off x="4038600" y="6356350"/>
-            <a:ext cx="4114800" cy="365125"/>
+            <a:off x="685800" y="6355845"/>
+            <a:ext cx="7772400" cy="365125"/>
           </a:xfrm>
           <a:prstGeom prst="rect">
             <a:avLst/>
@@ -2938,8 +5373,8 @@
         <p:txBody>
           <a:bodyPr vert="horz" lIns="91440" tIns="45720" rIns="91440" bIns="45720" rtlCol="0" anchor="ctr"/>
           <a:lstStyle>
-            <a:lvl1pPr algn="ctr">
-              <a:defRPr sz="1200">
+            <a:lvl1pPr algn="l">
+              <a:defRPr sz="1050">
                 <a:solidFill>
                   <a:schemeClr val="tx1">
                     <a:tint val="75000"/>
@@ -2955,13 +5390,7 @@
       </p:sp>
       <p:sp>
         <p:nvSpPr>
-          <p:cNvPr id="6" name="Marcador de número de diapositiva 5">
-            <a:extLst>
-              <a:ext uri="{FF2B5EF4-FFF2-40B4-BE49-F238E27FC236}">
-                <a16:creationId xmlns:a16="http://schemas.microsoft.com/office/drawing/2014/main" id="{3CB769CC-5E85-AC9B-896C-8FE875269DB5}"/>
-              </a:ext>
-            </a:extLst>
-          </p:cNvPr>
+          <p:cNvPr id="6" name="Slide Number Placeholder 5"/>
           <p:cNvSpPr>
             <a:spLocks noGrp="1"/>
           </p:cNvSpPr>
@@ -2971,7 +5400,7 @@
         </p:nvSpPr>
         <p:spPr>
           <a:xfrm>
-            <a:off x="8610600" y="6356350"/>
+            <a:off x="8763000" y="381000"/>
             <a:ext cx="2743200" cy="365125"/>
           </a:xfrm>
           <a:prstGeom prst="rect">
@@ -2982,7 +5411,7 @@
           <a:bodyPr vert="horz" lIns="91440" tIns="45720" rIns="91440" bIns="45720" rtlCol="0" anchor="ctr"/>
           <a:lstStyle>
             <a:lvl1pPr algn="r">
-              <a:defRPr sz="1200">
+              <a:defRPr sz="1050">
                 <a:solidFill>
                   <a:schemeClr val="tx1">
                     <a:tint val="75000"/>
@@ -3003,27 +5432,33 @@
     </p:spTree>
     <p:extLst>
       <p:ext uri="{BB962C8B-B14F-4D97-AF65-F5344CB8AC3E}">
-        <p14:creationId xmlns:p14="http://schemas.microsoft.com/office/powerpoint/2010/main" val="4209805636"/>
+        <p14:creationId xmlns:p14="http://schemas.microsoft.com/office/powerpoint/2010/main" val="3652437190"/>
       </p:ext>
     </p:extLst>
   </p:cSld>
-  <p:clrMap bg1="lt1" tx1="dk1" bg2="lt2" tx2="dk2" accent1="accent1" accent2="accent2" accent3="accent3" accent4="accent4" accent5="accent5" accent6="accent6" hlink="hlink" folHlink="folHlink"/>
+  <p:clrMap bg1="dk1" tx1="lt1" bg2="dk2" tx2="lt2" accent1="accent1" accent2="accent2" accent3="accent3" accent4="accent4" accent5="accent5" accent6="accent6" hlink="hlink" folHlink="folHlink"/>
   <p:sldLayoutIdLst>
-    <p:sldLayoutId id="2147483649" r:id="rId1"/>
-    <p:sldLayoutId id="2147483650" r:id="rId2"/>
-    <p:sldLayoutId id="2147483651" r:id="rId3"/>
-    <p:sldLayoutId id="2147483652" r:id="rId4"/>
-    <p:sldLayoutId id="2147483653" r:id="rId5"/>
-    <p:sldLayoutId id="2147483654" r:id="rId6"/>
-    <p:sldLayoutId id="2147483655" r:id="rId7"/>
-    <p:sldLayoutId id="2147483656" r:id="rId8"/>
-    <p:sldLayoutId id="2147483657" r:id="rId9"/>
-    <p:sldLayoutId id="2147483658" r:id="rId10"/>
-    <p:sldLayoutId id="2147483659" r:id="rId11"/>
+    <p:sldLayoutId id="2147483661" r:id="rId1"/>
+    <p:sldLayoutId id="2147483662" r:id="rId2"/>
+    <p:sldLayoutId id="2147483663" r:id="rId3"/>
+    <p:sldLayoutId id="2147483664" r:id="rId4"/>
+    <p:sldLayoutId id="2147483665" r:id="rId5"/>
+    <p:sldLayoutId id="2147483666" r:id="rId6"/>
+    <p:sldLayoutId id="2147483667" r:id="rId7"/>
+    <p:sldLayoutId id="2147483668" r:id="rId8"/>
+    <p:sldLayoutId id="2147483669" r:id="rId9"/>
+    <p:sldLayoutId id="2147483670" r:id="rId10"/>
+    <p:sldLayoutId id="2147483671" r:id="rId11"/>
+    <p:sldLayoutId id="2147483672" r:id="rId12"/>
+    <p:sldLayoutId id="2147483673" r:id="rId13"/>
+    <p:sldLayoutId id="2147483674" r:id="rId14"/>
+    <p:sldLayoutId id="2147483675" r:id="rId15"/>
+    <p:sldLayoutId id="2147483676" r:id="rId16"/>
+    <p:sldLayoutId id="2147483677" r:id="rId17"/>
   </p:sldLayoutIdLst>
   <p:txStyles>
     <p:titleStyle>
-      <a:lvl1pPr algn="l" defTabSz="914400" rtl="0" eaLnBrk="1" latinLnBrk="0" hangingPunct="1">
+      <a:lvl1pPr algn="r" defTabSz="914400" rtl="0" eaLnBrk="1" latinLnBrk="0" hangingPunct="1">
         <a:lnSpc>
           <a:spcPct val="90000"/>
         </a:lnSpc>
@@ -3031,7 +5466,7 @@
           <a:spcPct val="0"/>
         </a:spcBef>
         <a:buNone/>
-        <a:defRPr sz="4400" kern="1200">
+        <a:defRPr sz="4000" kern="1200" cap="all" baseline="0">
           <a:solidFill>
             <a:schemeClr val="tx1"/>
           </a:solidFill>
@@ -3051,7 +5486,7 @@
         </a:spcBef>
         <a:buFont typeface="Arial" panose="020B0604020202020204" pitchFamily="34" charset="0"/>
         <a:buChar char="•"/>
-        <a:defRPr sz="2800" kern="1200">
+        <a:defRPr sz="2200" kern="1200">
           <a:solidFill>
             <a:schemeClr val="tx1"/>
           </a:solidFill>
@@ -3069,7 +5504,7 @@
         </a:spcBef>
         <a:buFont typeface="Arial" panose="020B0604020202020204" pitchFamily="34" charset="0"/>
         <a:buChar char="•"/>
-        <a:defRPr sz="2400" kern="1200">
+        <a:defRPr sz="2000" kern="1200">
           <a:solidFill>
             <a:schemeClr val="tx1"/>
           </a:solidFill>
@@ -3087,7 +5522,7 @@
         </a:spcBef>
         <a:buFont typeface="Arial" panose="020B0604020202020204" pitchFamily="34" charset="0"/>
         <a:buChar char="•"/>
-        <a:defRPr sz="2000" kern="1200">
+        <a:defRPr sz="1800" kern="1200">
           <a:solidFill>
             <a:schemeClr val="tx1"/>
           </a:solidFill>
@@ -3105,7 +5540,7 @@
         </a:spcBef>
         <a:buFont typeface="Arial" panose="020B0604020202020204" pitchFamily="34" charset="0"/>
         <a:buChar char="•"/>
-        <a:defRPr sz="1800" kern="1200">
+        <a:defRPr sz="1600" kern="1200">
           <a:solidFill>
             <a:schemeClr val="tx1"/>
           </a:solidFill>
@@ -3123,7 +5558,7 @@
         </a:spcBef>
         <a:buFont typeface="Arial" panose="020B0604020202020204" pitchFamily="34" charset="0"/>
         <a:buChar char="•"/>
-        <a:defRPr sz="1800" kern="1200">
+        <a:defRPr sz="1600" kern="1200">
           <a:solidFill>
             <a:schemeClr val="tx1"/>
           </a:solidFill>
@@ -3141,7 +5576,7 @@
         </a:spcBef>
         <a:buFont typeface="Arial" panose="020B0604020202020204" pitchFamily="34" charset="0"/>
         <a:buChar char="•"/>
-        <a:defRPr sz="1800" kern="1200">
+        <a:defRPr sz="1600" kern="1200">
           <a:solidFill>
             <a:schemeClr val="tx1"/>
           </a:solidFill>
@@ -3159,7 +5594,7 @@
         </a:spcBef>
         <a:buFont typeface="Arial" panose="020B0604020202020204" pitchFamily="34" charset="0"/>
         <a:buChar char="•"/>
-        <a:defRPr sz="1800" kern="1200">
+        <a:defRPr sz="1600" kern="1200">
           <a:solidFill>
             <a:schemeClr val="tx1"/>
           </a:solidFill>
@@ -3177,7 +5612,7 @@
         </a:spcBef>
         <a:buFont typeface="Arial" panose="020B0604020202020204" pitchFamily="34" charset="0"/>
         <a:buChar char="•"/>
-        <a:defRPr sz="1800" kern="1200">
+        <a:defRPr sz="1600" kern="1200">
           <a:solidFill>
             <a:schemeClr val="tx1"/>
           </a:solidFill>
@@ -3195,7 +5630,7 @@
         </a:spcBef>
         <a:buFont typeface="Arial" panose="020B0604020202020204" pitchFamily="34" charset="0"/>
         <a:buChar char="•"/>
-        <a:defRPr sz="1800" kern="1200">
+        <a:defRPr sz="1600" kern="1200">
           <a:solidFill>
             <a:schemeClr val="tx1"/>
           </a:solidFill>
@@ -3207,7 +5642,7 @@
     </p:bodyStyle>
     <p:otherStyle>
       <a:defPPr>
-        <a:defRPr lang="es-ES"/>
+        <a:defRPr lang="en-US"/>
       </a:defPPr>
       <a:lvl1pPr marL="0" algn="l" defTabSz="914400" rtl="0" eaLnBrk="1" latinLnBrk="0" hangingPunct="1">
         <a:defRPr sz="1800" kern="1200">
@@ -3323,10 +5758,10 @@
       </p:grpSpPr>
       <p:sp>
         <p:nvSpPr>
-          <p:cNvPr id="2" name="Título 1">
+          <p:cNvPr id="7" name="Título 6">
             <a:extLst>
               <a:ext uri="{FF2B5EF4-FFF2-40B4-BE49-F238E27FC236}">
-                <a16:creationId xmlns:a16="http://schemas.microsoft.com/office/drawing/2014/main" id="{BBB4FDC2-CF75-0896-7657-C972F04F4AFD}"/>
+                <a16:creationId xmlns:a16="http://schemas.microsoft.com/office/drawing/2014/main" id="{0C426345-5CA0-C972-D1F9-92013C9EC47E}"/>
               </a:ext>
             </a:extLst>
           </p:cNvPr>
@@ -3344,11 +5779,19 @@
           <a:p>
             <a:r>
               <a:rPr lang="es-ES" dirty="0"/>
-              <a:t>Hola </a:t>
-            </a:r>
-            <a:r>
-              <a:rPr lang="es-ES"/>
-              <a:t>como estas?</a:t>
+              <a:t>Inicios de </a:t>
+            </a:r>
+            <a:r>
+              <a:rPr lang="es-ES" dirty="0" err="1"/>
+              <a:t>git</a:t>
+            </a:r>
+            <a:r>
+              <a:rPr lang="es-ES" dirty="0"/>
+              <a:t> y </a:t>
+            </a:r>
+            <a:r>
+              <a:rPr lang="es-ES" dirty="0" err="1"/>
+              <a:t>github</a:t>
             </a:r>
             <a:endParaRPr lang="es-ES" dirty="0"/>
           </a:p>
@@ -3367,10 +5810,1026 @@
 </p:sld>
 </file>
 
+<file path=ppt/slides/slide10.xml><?xml version="1.0" encoding="utf-8"?>
+<p:sld xmlns:a="http://schemas.openxmlformats.org/drawingml/2006/main" xmlns:r="http://schemas.openxmlformats.org/officeDocument/2006/relationships" xmlns:p="http://schemas.openxmlformats.org/presentationml/2006/main">
+  <p:cSld>
+    <p:spTree>
+      <p:nvGrpSpPr>
+        <p:cNvPr id="1" name=""/>
+        <p:cNvGrpSpPr/>
+        <p:nvPr/>
+      </p:nvGrpSpPr>
+      <p:grpSpPr>
+        <a:xfrm>
+          <a:off x="0" y="0"/>
+          <a:ext cx="0" cy="0"/>
+          <a:chOff x="0" y="0"/>
+          <a:chExt cx="0" cy="0"/>
+        </a:xfrm>
+      </p:grpSpPr>
+    </p:spTree>
+    <p:extLst>
+      <p:ext uri="{BB962C8B-B14F-4D97-AF65-F5344CB8AC3E}">
+        <p14:creationId xmlns:p14="http://schemas.microsoft.com/office/powerpoint/2010/main" val="2561684013"/>
+      </p:ext>
+    </p:extLst>
+  </p:cSld>
+  <p:clrMapOvr>
+    <a:masterClrMapping/>
+  </p:clrMapOvr>
+</p:sld>
+</file>
+
+<file path=ppt/slides/slide11.xml><?xml version="1.0" encoding="utf-8"?>
+<p:sld xmlns:a="http://schemas.openxmlformats.org/drawingml/2006/main" xmlns:r="http://schemas.openxmlformats.org/officeDocument/2006/relationships" xmlns:p="http://schemas.openxmlformats.org/presentationml/2006/main">
+  <p:cSld>
+    <p:spTree>
+      <p:nvGrpSpPr>
+        <p:cNvPr id="1" name=""/>
+        <p:cNvGrpSpPr/>
+        <p:nvPr/>
+      </p:nvGrpSpPr>
+      <p:grpSpPr>
+        <a:xfrm>
+          <a:off x="0" y="0"/>
+          <a:ext cx="0" cy="0"/>
+          <a:chOff x="0" y="0"/>
+          <a:chExt cx="0" cy="0"/>
+        </a:xfrm>
+      </p:grpSpPr>
+    </p:spTree>
+    <p:extLst>
+      <p:ext uri="{BB962C8B-B14F-4D97-AF65-F5344CB8AC3E}">
+        <p14:creationId xmlns:p14="http://schemas.microsoft.com/office/powerpoint/2010/main" val="720792169"/>
+      </p:ext>
+    </p:extLst>
+  </p:cSld>
+  <p:clrMapOvr>
+    <a:masterClrMapping/>
+  </p:clrMapOvr>
+</p:sld>
+</file>
+
+<file path=ppt/slides/slide12.xml><?xml version="1.0" encoding="utf-8"?>
+<p:sld xmlns:a="http://schemas.openxmlformats.org/drawingml/2006/main" xmlns:r="http://schemas.openxmlformats.org/officeDocument/2006/relationships" xmlns:p="http://schemas.openxmlformats.org/presentationml/2006/main">
+  <p:cSld>
+    <p:spTree>
+      <p:nvGrpSpPr>
+        <p:cNvPr id="1" name=""/>
+        <p:cNvGrpSpPr/>
+        <p:nvPr/>
+      </p:nvGrpSpPr>
+      <p:grpSpPr>
+        <a:xfrm>
+          <a:off x="0" y="0"/>
+          <a:ext cx="0" cy="0"/>
+          <a:chOff x="0" y="0"/>
+          <a:chExt cx="0" cy="0"/>
+        </a:xfrm>
+      </p:grpSpPr>
+    </p:spTree>
+    <p:extLst>
+      <p:ext uri="{BB962C8B-B14F-4D97-AF65-F5344CB8AC3E}">
+        <p14:creationId xmlns:p14="http://schemas.microsoft.com/office/powerpoint/2010/main" val="623981262"/>
+      </p:ext>
+    </p:extLst>
+  </p:cSld>
+  <p:clrMapOvr>
+    <a:masterClrMapping/>
+  </p:clrMapOvr>
+</p:sld>
+</file>
+
+<file path=ppt/slides/slide2.xml><?xml version="1.0" encoding="utf-8"?>
+<p:sld xmlns:a="http://schemas.openxmlformats.org/drawingml/2006/main" xmlns:r="http://schemas.openxmlformats.org/officeDocument/2006/relationships" xmlns:p="http://schemas.openxmlformats.org/presentationml/2006/main">
+  <p:cSld>
+    <p:spTree>
+      <p:nvGrpSpPr>
+        <p:cNvPr id="1" name=""/>
+        <p:cNvGrpSpPr/>
+        <p:nvPr/>
+      </p:nvGrpSpPr>
+      <p:grpSpPr>
+        <a:xfrm>
+          <a:off x="0" y="0"/>
+          <a:ext cx="0" cy="0"/>
+          <a:chOff x="0" y="0"/>
+          <a:chExt cx="0" cy="0"/>
+        </a:xfrm>
+      </p:grpSpPr>
+      <p:sp>
+        <p:nvSpPr>
+          <p:cNvPr id="3" name="CuadroTexto 2">
+            <a:extLst>
+              <a:ext uri="{FF2B5EF4-FFF2-40B4-BE49-F238E27FC236}">
+                <a16:creationId xmlns:a16="http://schemas.microsoft.com/office/drawing/2014/main" id="{AAD2DF93-0516-AD61-2227-DE5C9E023DBD}"/>
+              </a:ext>
+            </a:extLst>
+          </p:cNvPr>
+          <p:cNvSpPr txBox="1"/>
+          <p:nvPr/>
+        </p:nvSpPr>
+        <p:spPr>
+          <a:xfrm>
+            <a:off x="233082" y="905435"/>
+            <a:ext cx="11421035" cy="5632311"/>
+          </a:xfrm>
+          <a:prstGeom prst="rect">
+            <a:avLst/>
+          </a:prstGeom>
+          <a:noFill/>
+        </p:spPr>
+        <p:txBody>
+          <a:bodyPr wrap="square">
+            <a:spAutoFit/>
+          </a:bodyPr>
+          <a:lstStyle/>
+          <a:p>
+            <a:pPr algn="ctr"/>
+            <a:r>
+              <a:rPr lang="es-ES" sz="2400" b="1" dirty="0">
+                <a:solidFill>
+                  <a:srgbClr val="FF0000"/>
+                </a:solidFill>
+              </a:rPr>
+              <a:t>Sistemas de control de versiones </a:t>
+            </a:r>
+          </a:p>
+          <a:p>
+            <a:pPr marL="285750" indent="-285750">
+              <a:buFont typeface="Arial" panose="020B0604020202020204" pitchFamily="34" charset="0"/>
+              <a:buChar char="•"/>
+            </a:pPr>
+            <a:r>
+              <a:rPr lang="es-ES" sz="2400" dirty="0"/>
+              <a:t>Definición, clasificación y funcionamiento </a:t>
+            </a:r>
+          </a:p>
+          <a:p>
+            <a:r>
+              <a:rPr lang="es-ES" sz="2400" dirty="0"/>
+              <a:t>Se llama control de versiones a la gestión de los diversos cambios que se realizan sobre los elementos de algún producto o una configuración del mismo. Una versión, revisión o edición de un producto, es el estado en el que se encuentra dicho producto en un momento dado de su desarrollo o modificación. Aunque un sistema de control de versiones puede realizarse de forma manual, es muy aconsejable disponer de herramientas que faciliten esta gestión dando lugar a los llamados sistemas </a:t>
+            </a:r>
+            <a:r>
+              <a:rPr lang="es-ES" sz="2400" dirty="0" err="1"/>
+              <a:t>decontrol</a:t>
+            </a:r>
+            <a:r>
+              <a:rPr lang="es-ES" sz="2400" dirty="0"/>
+              <a:t> de versiones o SVC (del inglés </a:t>
+            </a:r>
+            <a:r>
+              <a:rPr lang="es-ES" sz="2400" dirty="0" err="1"/>
+              <a:t>System</a:t>
+            </a:r>
+            <a:r>
+              <a:rPr lang="es-ES" sz="2400" dirty="0"/>
+              <a:t> </a:t>
+            </a:r>
+            <a:r>
+              <a:rPr lang="es-ES" sz="2400" dirty="0" err="1"/>
+              <a:t>Version</a:t>
+            </a:r>
+            <a:r>
+              <a:rPr lang="es-ES" sz="2400" dirty="0"/>
+              <a:t> Control). </a:t>
+            </a:r>
+          </a:p>
+          <a:p>
+            <a:r>
+              <a:rPr lang="es-ES" sz="2400" dirty="0"/>
+              <a:t>Estos sistemas facilitan la administración de las distintas versiones de cada producto desarrollado, así como las posibles especializaciones realizadas (por ejemplo, para algún cliente específico). Ejemplos de este tipo de herramientas son entre otros: CVS, </a:t>
+            </a:r>
+            <a:r>
+              <a:rPr lang="es-ES" sz="2400" dirty="0" err="1"/>
+              <a:t>Subversion</a:t>
+            </a:r>
+            <a:r>
+              <a:rPr lang="es-ES" sz="2400" dirty="0"/>
+              <a:t>, SourceSafe, </a:t>
+            </a:r>
+            <a:r>
+              <a:rPr lang="es-ES" sz="2400" dirty="0" err="1"/>
+              <a:t>ClearCase</a:t>
+            </a:r>
+            <a:r>
+              <a:rPr lang="es-ES" sz="2400" dirty="0"/>
+              <a:t>, </a:t>
+            </a:r>
+            <a:r>
+              <a:rPr lang="es-ES" sz="2400" dirty="0" err="1"/>
+              <a:t>Darcs</a:t>
+            </a:r>
+            <a:r>
+              <a:rPr lang="es-ES" sz="2400" dirty="0"/>
+              <a:t>, </a:t>
+            </a:r>
+            <a:r>
+              <a:rPr lang="es-ES" sz="2400" dirty="0" err="1"/>
+              <a:t>Bazaar</a:t>
+            </a:r>
+            <a:r>
+              <a:rPr lang="es-ES" sz="2400" dirty="0"/>
+              <a:t> , </a:t>
+            </a:r>
+            <a:r>
+              <a:rPr lang="es-ES" sz="2400" dirty="0" err="1"/>
+              <a:t>Plastic</a:t>
+            </a:r>
+            <a:r>
+              <a:rPr lang="es-ES" sz="2400" dirty="0"/>
+              <a:t> SCM, Git, Mercurial, </a:t>
+            </a:r>
+            <a:r>
+              <a:rPr lang="es-ES" sz="2400" dirty="0" err="1"/>
+              <a:t>Perforce</a:t>
+            </a:r>
+            <a:r>
+              <a:rPr lang="es-ES" sz="2400" dirty="0"/>
+              <a:t>. </a:t>
+            </a:r>
+          </a:p>
+        </p:txBody>
+      </p:sp>
+    </p:spTree>
+    <p:extLst>
+      <p:ext uri="{BB962C8B-B14F-4D97-AF65-F5344CB8AC3E}">
+        <p14:creationId xmlns:p14="http://schemas.microsoft.com/office/powerpoint/2010/main" val="708232461"/>
+      </p:ext>
+    </p:extLst>
+  </p:cSld>
+  <p:clrMapOvr>
+    <a:masterClrMapping/>
+  </p:clrMapOvr>
+</p:sld>
+</file>
+
+<file path=ppt/slides/slide3.xml><?xml version="1.0" encoding="utf-8"?>
+<p:sld xmlns:a="http://schemas.openxmlformats.org/drawingml/2006/main" xmlns:r="http://schemas.openxmlformats.org/officeDocument/2006/relationships" xmlns:p="http://schemas.openxmlformats.org/presentationml/2006/main">
+  <p:cSld>
+    <p:spTree>
+      <p:nvGrpSpPr>
+        <p:cNvPr id="1" name=""/>
+        <p:cNvGrpSpPr/>
+        <p:nvPr/>
+      </p:nvGrpSpPr>
+      <p:grpSpPr>
+        <a:xfrm>
+          <a:off x="0" y="0"/>
+          <a:ext cx="0" cy="0"/>
+          <a:chOff x="0" y="0"/>
+          <a:chExt cx="0" cy="0"/>
+        </a:xfrm>
+      </p:grpSpPr>
+      <p:sp>
+        <p:nvSpPr>
+          <p:cNvPr id="3" name="CuadroTexto 2">
+            <a:extLst>
+              <a:ext uri="{FF2B5EF4-FFF2-40B4-BE49-F238E27FC236}">
+                <a16:creationId xmlns:a16="http://schemas.microsoft.com/office/drawing/2014/main" id="{E0E35B3C-8B02-A078-1037-517D27C2BF0D}"/>
+              </a:ext>
+            </a:extLst>
+          </p:cNvPr>
+          <p:cNvSpPr txBox="1"/>
+          <p:nvPr/>
+        </p:nvSpPr>
+        <p:spPr>
+          <a:xfrm>
+            <a:off x="484093" y="1150222"/>
+            <a:ext cx="10784542" cy="3416320"/>
+          </a:xfrm>
+          <a:prstGeom prst="rect">
+            <a:avLst/>
+          </a:prstGeom>
+          <a:noFill/>
+        </p:spPr>
+        <p:txBody>
+          <a:bodyPr wrap="square">
+            <a:spAutoFit/>
+          </a:bodyPr>
+          <a:lstStyle/>
+          <a:p>
+            <a:pPr marL="285750" indent="-285750">
+              <a:buFont typeface="Arial" panose="020B0604020202020204" pitchFamily="34" charset="0"/>
+              <a:buChar char="•"/>
+            </a:pPr>
+            <a:r>
+              <a:rPr lang="es-ES" sz="2400" dirty="0">
+                <a:solidFill>
+                  <a:srgbClr val="FF0000"/>
+                </a:solidFill>
+              </a:rPr>
+              <a:t>Terminología</a:t>
+            </a:r>
+            <a:r>
+              <a:rPr lang="es-ES" sz="2400" dirty="0"/>
+              <a:t> </a:t>
+            </a:r>
+          </a:p>
+          <a:p>
+            <a:pPr marL="285750" indent="-285750">
+              <a:buFont typeface="Courier New" panose="02070309020205020404" pitchFamily="49" charset="0"/>
+              <a:buChar char="o"/>
+            </a:pPr>
+            <a:r>
+              <a:rPr lang="es-ES" sz="2400" b="1" dirty="0">
+                <a:solidFill>
+                  <a:srgbClr val="0070C0"/>
+                </a:solidFill>
+              </a:rPr>
+              <a:t>Repositorio ("</a:t>
+            </a:r>
+            <a:r>
+              <a:rPr lang="es-ES" sz="2400" b="1" dirty="0" err="1">
+                <a:solidFill>
+                  <a:srgbClr val="0070C0"/>
+                </a:solidFill>
+              </a:rPr>
+              <a:t>repository</a:t>
+            </a:r>
+            <a:r>
+              <a:rPr lang="es-ES" sz="2400" b="1" dirty="0">
+                <a:solidFill>
+                  <a:srgbClr val="0070C0"/>
+                </a:solidFill>
+              </a:rPr>
+              <a:t>") </a:t>
+            </a:r>
+          </a:p>
+          <a:p>
+            <a:r>
+              <a:rPr lang="es-ES" sz="2400" dirty="0"/>
+              <a:t>El repositorio es el lugar en el que se almacenan los datos actualizados e históricos de cambios. </a:t>
+            </a:r>
+          </a:p>
+          <a:p>
+            <a:r>
+              <a:rPr lang="es-ES" sz="2400" dirty="0"/>
+              <a:t>Revisión ("</a:t>
+            </a:r>
+            <a:r>
+              <a:rPr lang="es-ES" sz="2400" dirty="0" err="1"/>
+              <a:t>revision</a:t>
+            </a:r>
+            <a:r>
+              <a:rPr lang="es-ES" sz="2400" dirty="0"/>
+              <a:t>") </a:t>
+            </a:r>
+          </a:p>
+          <a:p>
+            <a:r>
+              <a:rPr lang="es-ES" sz="2400" dirty="0"/>
+              <a:t>Una revisión es una versión determinada de la información que se gestiona. Hay sistemas que identifican las revisiones con un contador. Hay otros sistemas que identifican las revisiones mediante un código de detección de modificaciones</a:t>
+            </a:r>
+          </a:p>
+        </p:txBody>
+      </p:sp>
+    </p:spTree>
+    <p:extLst>
+      <p:ext uri="{BB962C8B-B14F-4D97-AF65-F5344CB8AC3E}">
+        <p14:creationId xmlns:p14="http://schemas.microsoft.com/office/powerpoint/2010/main" val="429914310"/>
+      </p:ext>
+    </p:extLst>
+  </p:cSld>
+  <p:clrMapOvr>
+    <a:masterClrMapping/>
+  </p:clrMapOvr>
+</p:sld>
+</file>
+
+<file path=ppt/slides/slide4.xml><?xml version="1.0" encoding="utf-8"?>
+<p:sld xmlns:a="http://schemas.openxmlformats.org/drawingml/2006/main" xmlns:r="http://schemas.openxmlformats.org/officeDocument/2006/relationships" xmlns:p="http://schemas.openxmlformats.org/presentationml/2006/main">
+  <p:cSld>
+    <p:spTree>
+      <p:nvGrpSpPr>
+        <p:cNvPr id="1" name=""/>
+        <p:cNvGrpSpPr/>
+        <p:nvPr/>
+      </p:nvGrpSpPr>
+      <p:grpSpPr>
+        <a:xfrm>
+          <a:off x="0" y="0"/>
+          <a:ext cx="0" cy="0"/>
+          <a:chOff x="0" y="0"/>
+          <a:chExt cx="0" cy="0"/>
+        </a:xfrm>
+      </p:grpSpPr>
+      <p:sp>
+        <p:nvSpPr>
+          <p:cNvPr id="3" name="CuadroTexto 2">
+            <a:extLst>
+              <a:ext uri="{FF2B5EF4-FFF2-40B4-BE49-F238E27FC236}">
+                <a16:creationId xmlns:a16="http://schemas.microsoft.com/office/drawing/2014/main" id="{22D27702-8532-34FB-D9C9-D0CCC00A212B}"/>
+              </a:ext>
+            </a:extLst>
+          </p:cNvPr>
+          <p:cNvSpPr txBox="1"/>
+          <p:nvPr/>
+        </p:nvSpPr>
+        <p:spPr>
+          <a:xfrm>
+            <a:off x="215152" y="1161505"/>
+            <a:ext cx="12111318" cy="5262979"/>
+          </a:xfrm>
+          <a:prstGeom prst="rect">
+            <a:avLst/>
+          </a:prstGeom>
+          <a:noFill/>
+        </p:spPr>
+        <p:txBody>
+          <a:bodyPr wrap="square">
+            <a:spAutoFit/>
+          </a:bodyPr>
+          <a:lstStyle/>
+          <a:p>
+            <a:pPr marL="285750" indent="-285750">
+              <a:buFont typeface="Arial" panose="020B0604020202020204" pitchFamily="34" charset="0"/>
+              <a:buChar char="•"/>
+            </a:pPr>
+            <a:r>
+              <a:rPr lang="es-ES" sz="2400" b="1" dirty="0">
+                <a:solidFill>
+                  <a:srgbClr val="0070C0"/>
+                </a:solidFill>
+              </a:rPr>
+              <a:t>Etiqueta ("tag") </a:t>
+            </a:r>
+          </a:p>
+          <a:p>
+            <a:r>
+              <a:rPr lang="es-ES" sz="2400" dirty="0"/>
+              <a:t>Los tags permiten identificar de forma fácil revisiones importantes en el proyecto. Por ejemplo se suelen usar tags para identificar el contenido de las versiones publicadas del proyecto. </a:t>
+            </a:r>
+          </a:p>
+          <a:p>
+            <a:pPr marL="285750" indent="-285750">
+              <a:buFont typeface="Arial" panose="020B0604020202020204" pitchFamily="34" charset="0"/>
+              <a:buChar char="•"/>
+            </a:pPr>
+            <a:r>
+              <a:rPr lang="es-ES" sz="2400" b="1" dirty="0">
+                <a:solidFill>
+                  <a:srgbClr val="0070C0"/>
+                </a:solidFill>
+              </a:rPr>
+              <a:t>Rama ("</a:t>
+            </a:r>
+            <a:r>
+              <a:rPr lang="es-ES" sz="2400" b="1" dirty="0" err="1">
+                <a:solidFill>
+                  <a:srgbClr val="0070C0"/>
+                </a:solidFill>
+              </a:rPr>
+              <a:t>branch</a:t>
+            </a:r>
+            <a:r>
+              <a:rPr lang="es-ES" sz="2400" b="1" dirty="0">
+                <a:solidFill>
+                  <a:srgbClr val="0070C0"/>
+                </a:solidFill>
+              </a:rPr>
+              <a:t>") </a:t>
+            </a:r>
+          </a:p>
+          <a:p>
+            <a:r>
+              <a:rPr lang="es-ES" sz="2400" dirty="0"/>
+              <a:t>Un conjunto de archivos puede ser ramificado o bifurcado en un punto en el tiempo de manera que, a partir de ese momento, dos copias de esos archivos se pueden desarrollar a velocidades diferentes o en formas diferentes de forma independiente el uno del otro. </a:t>
+            </a:r>
+          </a:p>
+          <a:p>
+            <a:pPr marL="285750" indent="-285750">
+              <a:buFont typeface="Arial" panose="020B0604020202020204" pitchFamily="34" charset="0"/>
+              <a:buChar char="•"/>
+            </a:pPr>
+            <a:r>
+              <a:rPr lang="es-ES" sz="2400" b="1" dirty="0">
+                <a:solidFill>
+                  <a:srgbClr val="0070C0"/>
+                </a:solidFill>
+              </a:rPr>
+              <a:t>Cambio ("</a:t>
+            </a:r>
+            <a:r>
+              <a:rPr lang="es-ES" sz="2400" b="1" dirty="0" err="1">
+                <a:solidFill>
+                  <a:srgbClr val="0070C0"/>
+                </a:solidFill>
+              </a:rPr>
+              <a:t>change</a:t>
+            </a:r>
+            <a:r>
+              <a:rPr lang="es-ES" sz="2400" b="1" dirty="0">
+                <a:solidFill>
+                  <a:srgbClr val="0070C0"/>
+                </a:solidFill>
+              </a:rPr>
+              <a:t>") </a:t>
+            </a:r>
+          </a:p>
+          <a:p>
+            <a:r>
+              <a:rPr lang="es-ES" sz="2400" dirty="0"/>
+              <a:t>Un cambio (o </a:t>
+            </a:r>
+            <a:r>
+              <a:rPr lang="es-ES" sz="2400" dirty="0" err="1"/>
+              <a:t>diff</a:t>
+            </a:r>
+            <a:r>
+              <a:rPr lang="es-ES" sz="2400" dirty="0"/>
+              <a:t>, o delta) representa una modificación específica de un documento bajo el control de versiones. La granularidad de la modificación que es considerada como un cambio varía entre los sistemas de control de versiones. </a:t>
+            </a:r>
+          </a:p>
+        </p:txBody>
+      </p:sp>
+    </p:spTree>
+    <p:extLst>
+      <p:ext uri="{BB962C8B-B14F-4D97-AF65-F5344CB8AC3E}">
+        <p14:creationId xmlns:p14="http://schemas.microsoft.com/office/powerpoint/2010/main" val="3574566014"/>
+      </p:ext>
+    </p:extLst>
+  </p:cSld>
+  <p:clrMapOvr>
+    <a:masterClrMapping/>
+  </p:clrMapOvr>
+</p:sld>
+</file>
+
+<file path=ppt/slides/slide5.xml><?xml version="1.0" encoding="utf-8"?>
+<p:sld xmlns:a="http://schemas.openxmlformats.org/drawingml/2006/main" xmlns:r="http://schemas.openxmlformats.org/officeDocument/2006/relationships" xmlns:p="http://schemas.openxmlformats.org/presentationml/2006/main">
+  <p:cSld>
+    <p:spTree>
+      <p:nvGrpSpPr>
+        <p:cNvPr id="1" name=""/>
+        <p:cNvGrpSpPr/>
+        <p:nvPr/>
+      </p:nvGrpSpPr>
+      <p:grpSpPr>
+        <a:xfrm>
+          <a:off x="0" y="0"/>
+          <a:ext cx="0" cy="0"/>
+          <a:chOff x="0" y="0"/>
+          <a:chExt cx="0" cy="0"/>
+        </a:xfrm>
+      </p:grpSpPr>
+      <p:sp>
+        <p:nvSpPr>
+          <p:cNvPr id="3" name="CuadroTexto 2">
+            <a:extLst>
+              <a:ext uri="{FF2B5EF4-FFF2-40B4-BE49-F238E27FC236}">
+                <a16:creationId xmlns:a16="http://schemas.microsoft.com/office/drawing/2014/main" id="{3AD9CB57-E429-6004-C6AA-8E8A0141A338}"/>
+              </a:ext>
+            </a:extLst>
+          </p:cNvPr>
+          <p:cNvSpPr txBox="1"/>
+          <p:nvPr/>
+        </p:nvSpPr>
+        <p:spPr>
+          <a:xfrm>
+            <a:off x="197222" y="1059666"/>
+            <a:ext cx="11205884" cy="5632311"/>
+          </a:xfrm>
+          <a:prstGeom prst="rect">
+            <a:avLst/>
+          </a:prstGeom>
+          <a:noFill/>
+        </p:spPr>
+        <p:txBody>
+          <a:bodyPr wrap="square">
+            <a:spAutoFit/>
+          </a:bodyPr>
+          <a:lstStyle/>
+          <a:p>
+            <a:pPr marL="285750" indent="-285750">
+              <a:buFont typeface="Arial" panose="020B0604020202020204" pitchFamily="34" charset="0"/>
+              <a:buChar char="•"/>
+            </a:pPr>
+            <a:r>
+              <a:rPr lang="es-ES" sz="2400" b="1" dirty="0">
+                <a:solidFill>
+                  <a:srgbClr val="0070C0"/>
+                </a:solidFill>
+              </a:rPr>
+              <a:t>Desplegar ("</a:t>
+            </a:r>
+            <a:r>
+              <a:rPr lang="es-ES" sz="2400" b="1" dirty="0" err="1">
+                <a:solidFill>
+                  <a:srgbClr val="0070C0"/>
+                </a:solidFill>
+              </a:rPr>
+              <a:t>checkout</a:t>
+            </a:r>
+            <a:r>
+              <a:rPr lang="es-ES" sz="2400" b="1" dirty="0">
+                <a:solidFill>
+                  <a:srgbClr val="0070C0"/>
+                </a:solidFill>
+              </a:rPr>
+              <a:t>") </a:t>
+            </a:r>
+          </a:p>
+          <a:p>
+            <a:r>
+              <a:rPr lang="es-ES" sz="2400" dirty="0"/>
+              <a:t>Es crear una copia de trabajo local desde el repositorio. Un usuario puede especificar una revisión en concreto u obtener la última. El término '</a:t>
+            </a:r>
+            <a:r>
+              <a:rPr lang="es-ES" sz="2400" dirty="0" err="1"/>
+              <a:t>checkout</a:t>
+            </a:r>
+            <a:r>
+              <a:rPr lang="es-ES" sz="2400" dirty="0"/>
+              <a:t>' también se puede utilizar como un sustantivo para describir la copia de trabajo.</a:t>
+            </a:r>
+          </a:p>
+          <a:p>
+            <a:pPr marL="285750" indent="-285750">
+              <a:buFont typeface="Arial" panose="020B0604020202020204" pitchFamily="34" charset="0"/>
+              <a:buChar char="•"/>
+            </a:pPr>
+            <a:r>
+              <a:rPr lang="es-ES" sz="2400" b="1" dirty="0">
+                <a:solidFill>
+                  <a:srgbClr val="0070C0"/>
+                </a:solidFill>
+              </a:rPr>
+              <a:t>Confirmar ("</a:t>
+            </a:r>
+            <a:r>
+              <a:rPr lang="es-ES" sz="2400" b="1" dirty="0" err="1">
+                <a:solidFill>
+                  <a:srgbClr val="0070C0"/>
+                </a:solidFill>
+              </a:rPr>
+              <a:t>commit</a:t>
+            </a:r>
+            <a:r>
+              <a:rPr lang="es-ES" sz="2400" b="1" dirty="0">
+                <a:solidFill>
+                  <a:srgbClr val="0070C0"/>
+                </a:solidFill>
+              </a:rPr>
+              <a:t>") </a:t>
+            </a:r>
+          </a:p>
+          <a:p>
+            <a:r>
+              <a:rPr lang="es-ES" sz="2400" dirty="0"/>
+              <a:t>Confirmar es escribir o mezclar los cambios realizados en la copia de trabajo del repositorio. Los términos '</a:t>
+            </a:r>
+            <a:r>
+              <a:rPr lang="es-ES" sz="2400" dirty="0" err="1"/>
+              <a:t>commit</a:t>
+            </a:r>
+            <a:r>
+              <a:rPr lang="es-ES" sz="2400" dirty="0"/>
+              <a:t>' y '</a:t>
+            </a:r>
+            <a:r>
+              <a:rPr lang="es-ES" sz="2400" dirty="0" err="1"/>
+              <a:t>checkin</a:t>
+            </a:r>
+            <a:r>
+              <a:rPr lang="es-ES" sz="2400" dirty="0"/>
+              <a:t>' también se pueden utilizar como sustantivos para describir la nueva revisión que se crea como resultado de confirmar. </a:t>
+            </a:r>
+          </a:p>
+          <a:p>
+            <a:pPr marL="285750" indent="-285750">
+              <a:buFont typeface="Arial" panose="020B0604020202020204" pitchFamily="34" charset="0"/>
+              <a:buChar char="•"/>
+            </a:pPr>
+            <a:r>
+              <a:rPr lang="es-ES" sz="2400" b="1" dirty="0">
+                <a:solidFill>
+                  <a:srgbClr val="0070C0"/>
+                </a:solidFill>
+              </a:rPr>
+              <a:t>Conflicto ("</a:t>
+            </a:r>
+            <a:r>
+              <a:rPr lang="es-ES" sz="2400" b="1" dirty="0" err="1">
+                <a:solidFill>
+                  <a:srgbClr val="0070C0"/>
+                </a:solidFill>
+              </a:rPr>
+              <a:t>conflict</a:t>
+            </a:r>
+            <a:r>
+              <a:rPr lang="es-ES" sz="2400" b="1" dirty="0">
+                <a:solidFill>
+                  <a:srgbClr val="0070C0"/>
+                </a:solidFill>
+              </a:rPr>
+              <a:t>") </a:t>
+            </a:r>
+          </a:p>
+          <a:p>
+            <a:r>
+              <a:rPr lang="es-ES" sz="2400" dirty="0"/>
+              <a:t>Un conflicto se produce cuando diferentes partes realizan cambios en el mismo documento, y el sistema es incapaz de conciliar los cambios. Un usuario debe resolver el conflicto mediante la integración de los cambios, o mediante la selección de un cambio en favor del otro. </a:t>
+            </a:r>
+          </a:p>
+        </p:txBody>
+      </p:sp>
+    </p:spTree>
+    <p:extLst>
+      <p:ext uri="{BB962C8B-B14F-4D97-AF65-F5344CB8AC3E}">
+        <p14:creationId xmlns:p14="http://schemas.microsoft.com/office/powerpoint/2010/main" val="3280075495"/>
+      </p:ext>
+    </p:extLst>
+  </p:cSld>
+  <p:clrMapOvr>
+    <a:masterClrMapping/>
+  </p:clrMapOvr>
+</p:sld>
+</file>
+
+<file path=ppt/slides/slide6.xml><?xml version="1.0" encoding="utf-8"?>
+<p:sld xmlns:a="http://schemas.openxmlformats.org/drawingml/2006/main" xmlns:r="http://schemas.openxmlformats.org/officeDocument/2006/relationships" xmlns:p="http://schemas.openxmlformats.org/presentationml/2006/main">
+  <p:cSld>
+    <p:spTree>
+      <p:nvGrpSpPr>
+        <p:cNvPr id="1" name=""/>
+        <p:cNvGrpSpPr/>
+        <p:nvPr/>
+      </p:nvGrpSpPr>
+      <p:grpSpPr>
+        <a:xfrm>
+          <a:off x="0" y="0"/>
+          <a:ext cx="0" cy="0"/>
+          <a:chOff x="0" y="0"/>
+          <a:chExt cx="0" cy="0"/>
+        </a:xfrm>
+      </p:grpSpPr>
+      <p:sp>
+        <p:nvSpPr>
+          <p:cNvPr id="3" name="CuadroTexto 2">
+            <a:extLst>
+              <a:ext uri="{FF2B5EF4-FFF2-40B4-BE49-F238E27FC236}">
+                <a16:creationId xmlns:a16="http://schemas.microsoft.com/office/drawing/2014/main" id="{F27D22CC-F32F-5840-769E-85715D808E90}"/>
+              </a:ext>
+            </a:extLst>
+          </p:cNvPr>
+          <p:cNvSpPr txBox="1"/>
+          <p:nvPr/>
+        </p:nvSpPr>
+        <p:spPr>
+          <a:xfrm>
+            <a:off x="448234" y="455001"/>
+            <a:ext cx="11394142" cy="5632311"/>
+          </a:xfrm>
+          <a:prstGeom prst="rect">
+            <a:avLst/>
+          </a:prstGeom>
+          <a:noFill/>
+        </p:spPr>
+        <p:txBody>
+          <a:bodyPr wrap="square">
+            <a:spAutoFit/>
+          </a:bodyPr>
+          <a:lstStyle/>
+          <a:p>
+            <a:pPr marL="285750" indent="-285750">
+              <a:buFont typeface="Arial" panose="020B0604020202020204" pitchFamily="34" charset="0"/>
+              <a:buChar char="•"/>
+            </a:pPr>
+            <a:r>
+              <a:rPr lang="es-ES" sz="2400" b="1" dirty="0">
+                <a:solidFill>
+                  <a:srgbClr val="0070C0"/>
+                </a:solidFill>
+              </a:rPr>
+              <a:t>Cabeza ("head") </a:t>
+            </a:r>
+          </a:p>
+          <a:p>
+            <a:r>
+              <a:rPr lang="es-ES" sz="2400" dirty="0"/>
+              <a:t>También a veces se llama </a:t>
+            </a:r>
+            <a:r>
+              <a:rPr lang="es-ES" sz="2400" dirty="0" err="1"/>
+              <a:t>tip</a:t>
+            </a:r>
+            <a:r>
+              <a:rPr lang="es-ES" sz="2400" dirty="0"/>
+              <a:t> (punta) y se refiere a la última confirmación, ya sea en el tronco ('</a:t>
+            </a:r>
+            <a:r>
+              <a:rPr lang="es-ES" sz="2400" dirty="0" err="1"/>
+              <a:t>trunk</a:t>
+            </a:r>
+            <a:r>
+              <a:rPr lang="es-ES" sz="2400" dirty="0"/>
+              <a:t>') o en una rama ('</a:t>
+            </a:r>
+            <a:r>
+              <a:rPr lang="es-ES" sz="2400" dirty="0" err="1"/>
+              <a:t>branch</a:t>
+            </a:r>
+            <a:r>
+              <a:rPr lang="es-ES" sz="2400" dirty="0"/>
+              <a:t>'). El tronco y cada rama tienen su propia cabeza, aunque HEAD se utiliza a veces libremente para referirse al tronco. </a:t>
+            </a:r>
+          </a:p>
+          <a:p>
+            <a:pPr marL="285750" indent="-285750">
+              <a:buFont typeface="Arial" panose="020B0604020202020204" pitchFamily="34" charset="0"/>
+              <a:buChar char="•"/>
+            </a:pPr>
+            <a:r>
+              <a:rPr lang="es-ES" sz="2400" b="1" dirty="0">
+                <a:solidFill>
+                  <a:srgbClr val="0070C0"/>
+                </a:solidFill>
+              </a:rPr>
+              <a:t>Tronco ("</a:t>
+            </a:r>
+            <a:r>
+              <a:rPr lang="es-ES" sz="2400" b="1" dirty="0" err="1">
+                <a:solidFill>
+                  <a:srgbClr val="0070C0"/>
+                </a:solidFill>
+              </a:rPr>
+              <a:t>trunk</a:t>
+            </a:r>
+            <a:r>
+              <a:rPr lang="es-ES" sz="2400" b="1" dirty="0">
+                <a:solidFill>
+                  <a:srgbClr val="0070C0"/>
+                </a:solidFill>
+              </a:rPr>
+              <a:t>") </a:t>
+            </a:r>
+          </a:p>
+          <a:p>
+            <a:r>
+              <a:rPr lang="es-ES" sz="2400" dirty="0"/>
+              <a:t>La única línea de desarrollo que no es una rama (a veces también llamada línea base, línea principal o máster)</a:t>
+            </a:r>
+          </a:p>
+          <a:p>
+            <a:pPr marL="285750" indent="-285750">
+              <a:buFont typeface="Arial" panose="020B0604020202020204" pitchFamily="34" charset="0"/>
+              <a:buChar char="•"/>
+            </a:pPr>
+            <a:r>
+              <a:rPr lang="es-ES" sz="2400" b="1" dirty="0">
+                <a:solidFill>
+                  <a:srgbClr val="0070C0"/>
+                </a:solidFill>
+              </a:rPr>
+              <a:t>Fusionar, integrar, mezclar ("</a:t>
+            </a:r>
+            <a:r>
+              <a:rPr lang="es-ES" sz="2400" b="1" dirty="0" err="1">
+                <a:solidFill>
+                  <a:srgbClr val="0070C0"/>
+                </a:solidFill>
+              </a:rPr>
+              <a:t>merge</a:t>
+            </a:r>
+            <a:r>
+              <a:rPr lang="es-ES" sz="2400" b="1" dirty="0">
+                <a:solidFill>
+                  <a:srgbClr val="0070C0"/>
+                </a:solidFill>
+              </a:rPr>
+              <a:t>")</a:t>
+            </a:r>
+          </a:p>
+          <a:p>
+            <a:r>
+              <a:rPr lang="es-ES" sz="2400" dirty="0"/>
+              <a:t> Una fusión o integración es una operación en la </a:t>
+            </a:r>
+            <a:r>
+              <a:rPr lang="es-ES" sz="2400" dirty="0" err="1"/>
+              <a:t>quese</a:t>
+            </a:r>
+            <a:r>
+              <a:rPr lang="es-ES" sz="2400" dirty="0"/>
+              <a:t> aplican dos tipos de cambios en un archivo o conjunto de archivos. Algunos escenarios de ejemplo son los siguientes: </a:t>
+            </a:r>
+          </a:p>
+          <a:p>
+            <a:r>
+              <a:rPr lang="es-ES" sz="2400" dirty="0"/>
+              <a:t>• Un usuario, trabajando en un conjunto de archivos, actualiza o sincroniza su copia de trabajo con los cambios realizados y confirmados, por otros usuarios, en el repositorio. </a:t>
+            </a:r>
+          </a:p>
+        </p:txBody>
+      </p:sp>
+    </p:spTree>
+    <p:extLst>
+      <p:ext uri="{BB962C8B-B14F-4D97-AF65-F5344CB8AC3E}">
+        <p14:creationId xmlns:p14="http://schemas.microsoft.com/office/powerpoint/2010/main" val="3946621827"/>
+      </p:ext>
+    </p:extLst>
+  </p:cSld>
+  <p:clrMapOvr>
+    <a:masterClrMapping/>
+  </p:clrMapOvr>
+</p:sld>
+</file>
+
+<file path=ppt/slides/slide7.xml><?xml version="1.0" encoding="utf-8"?>
+<p:sld xmlns:a="http://schemas.openxmlformats.org/drawingml/2006/main" xmlns:r="http://schemas.openxmlformats.org/officeDocument/2006/relationships" xmlns:p="http://schemas.openxmlformats.org/presentationml/2006/main">
+  <p:cSld>
+    <p:spTree>
+      <p:nvGrpSpPr>
+        <p:cNvPr id="1" name=""/>
+        <p:cNvGrpSpPr/>
+        <p:nvPr/>
+      </p:nvGrpSpPr>
+      <p:grpSpPr>
+        <a:xfrm>
+          <a:off x="0" y="0"/>
+          <a:ext cx="0" cy="0"/>
+          <a:chOff x="0" y="0"/>
+          <a:chExt cx="0" cy="0"/>
+        </a:xfrm>
+      </p:grpSpPr>
+    </p:spTree>
+    <p:extLst>
+      <p:ext uri="{BB962C8B-B14F-4D97-AF65-F5344CB8AC3E}">
+        <p14:creationId xmlns:p14="http://schemas.microsoft.com/office/powerpoint/2010/main" val="2867000930"/>
+      </p:ext>
+    </p:extLst>
+  </p:cSld>
+  <p:clrMapOvr>
+    <a:masterClrMapping/>
+  </p:clrMapOvr>
+</p:sld>
+</file>
+
+<file path=ppt/slides/slide8.xml><?xml version="1.0" encoding="utf-8"?>
+<p:sld xmlns:a="http://schemas.openxmlformats.org/drawingml/2006/main" xmlns:r="http://schemas.openxmlformats.org/officeDocument/2006/relationships" xmlns:p="http://schemas.openxmlformats.org/presentationml/2006/main">
+  <p:cSld>
+    <p:spTree>
+      <p:nvGrpSpPr>
+        <p:cNvPr id="1" name=""/>
+        <p:cNvGrpSpPr/>
+        <p:nvPr/>
+      </p:nvGrpSpPr>
+      <p:grpSpPr>
+        <a:xfrm>
+          <a:off x="0" y="0"/>
+          <a:ext cx="0" cy="0"/>
+          <a:chOff x="0" y="0"/>
+          <a:chExt cx="0" cy="0"/>
+        </a:xfrm>
+      </p:grpSpPr>
+    </p:spTree>
+    <p:extLst>
+      <p:ext uri="{BB962C8B-B14F-4D97-AF65-F5344CB8AC3E}">
+        <p14:creationId xmlns:p14="http://schemas.microsoft.com/office/powerpoint/2010/main" val="2258219267"/>
+      </p:ext>
+    </p:extLst>
+  </p:cSld>
+  <p:clrMapOvr>
+    <a:masterClrMapping/>
+  </p:clrMapOvr>
+</p:sld>
+</file>
+
+<file path=ppt/slides/slide9.xml><?xml version="1.0" encoding="utf-8"?>
+<p:sld xmlns:a="http://schemas.openxmlformats.org/drawingml/2006/main" xmlns:r="http://schemas.openxmlformats.org/officeDocument/2006/relationships" xmlns:p="http://schemas.openxmlformats.org/presentationml/2006/main">
+  <p:cSld>
+    <p:spTree>
+      <p:nvGrpSpPr>
+        <p:cNvPr id="1" name=""/>
+        <p:cNvGrpSpPr/>
+        <p:nvPr/>
+      </p:nvGrpSpPr>
+      <p:grpSpPr>
+        <a:xfrm>
+          <a:off x="0" y="0"/>
+          <a:ext cx="0" cy="0"/>
+          <a:chOff x="0" y="0"/>
+          <a:chExt cx="0" cy="0"/>
+        </a:xfrm>
+      </p:grpSpPr>
+    </p:spTree>
+    <p:extLst>
+      <p:ext uri="{BB962C8B-B14F-4D97-AF65-F5344CB8AC3E}">
+        <p14:creationId xmlns:p14="http://schemas.microsoft.com/office/powerpoint/2010/main" val="982028851"/>
+      </p:ext>
+    </p:extLst>
+  </p:cSld>
+  <p:clrMapOvr>
+    <a:masterClrMapping/>
+  </p:clrMapOvr>
+</p:sld>
+</file>
+
 <file path=ppt/theme/theme1.xml><?xml version="1.0" encoding="utf-8"?>
-<a:theme xmlns:a="http://schemas.openxmlformats.org/drawingml/2006/main" name="Tema de Office">
+<a:theme xmlns:a="http://schemas.openxmlformats.org/drawingml/2006/main" name="Estela de condensación">
   <a:themeElements>
-    <a:clrScheme name="Office">
+    <a:clrScheme name="Estela de condensación">
       <a:dk1>
         <a:sysClr val="windowText" lastClr="000000"/>
       </a:dk1>
@@ -3378,44 +6837,44 @@
         <a:sysClr val="window" lastClr="FFFFFF"/>
       </a:lt1>
       <a:dk2>
-        <a:srgbClr val="44546A"/>
+        <a:srgbClr val="454545"/>
       </a:dk2>
       <a:lt2>
-        <a:srgbClr val="E7E6E6"/>
+        <a:srgbClr val="DADADA"/>
       </a:lt2>
       <a:accent1>
-        <a:srgbClr val="4472C4"/>
+        <a:srgbClr val="DF2E28"/>
       </a:accent1>
       <a:accent2>
-        <a:srgbClr val="ED7D31"/>
+        <a:srgbClr val="FE801A"/>
       </a:accent2>
       <a:accent3>
-        <a:srgbClr val="A5A5A5"/>
+        <a:srgbClr val="E9BF35"/>
       </a:accent3>
       <a:accent4>
-        <a:srgbClr val="FFC000"/>
+        <a:srgbClr val="81BB42"/>
       </a:accent4>
       <a:accent5>
-        <a:srgbClr val="5B9BD5"/>
+        <a:srgbClr val="32C7A9"/>
       </a:accent5>
       <a:accent6>
-        <a:srgbClr val="70AD47"/>
+        <a:srgbClr val="4A9BDC"/>
       </a:accent6>
       <a:hlink>
-        <a:srgbClr val="0563C1"/>
+        <a:srgbClr val="F0532B"/>
       </a:hlink>
       <a:folHlink>
-        <a:srgbClr val="954F72"/>
+        <a:srgbClr val="F38B53"/>
       </a:folHlink>
     </a:clrScheme>
-    <a:fontScheme name="Office">
+    <a:fontScheme name="Estela de condensación">
       <a:majorFont>
-        <a:latin typeface="Calibri Light" panose="020F0302020204030204"/>
+        <a:latin typeface="Century Gothic" panose="020B0502020202020204"/>
         <a:ea typeface=""/>
         <a:cs typeface=""/>
-        <a:font script="Jpan" typeface="游ゴシック Light"/>
+        <a:font script="Jpan" typeface="ＭＳ Ｐゴシック"/>
         <a:font script="Hang" typeface="맑은 고딕"/>
-        <a:font script="Hans" typeface="等线 Light"/>
+        <a:font script="Hans" typeface="宋体"/>
         <a:font script="Hant" typeface="新細明體"/>
         <a:font script="Arab" typeface="Times New Roman"/>
         <a:font script="Hebr" typeface="Times New Roman"/>
@@ -3443,31 +6902,14 @@
         <a:font script="Viet" typeface="Times New Roman"/>
         <a:font script="Uigh" typeface="Microsoft Uighur"/>
         <a:font script="Geor" typeface="Sylfaen"/>
-        <a:font script="Armn" typeface="Arial"/>
-        <a:font script="Bugi" typeface="Leelawadee UI"/>
-        <a:font script="Bopo" typeface="Microsoft JhengHei"/>
-        <a:font script="Java" typeface="Javanese Text"/>
-        <a:font script="Lisu" typeface="Segoe UI"/>
-        <a:font script="Mymr" typeface="Myanmar Text"/>
-        <a:font script="Nkoo" typeface="Ebrima"/>
-        <a:font script="Olck" typeface="Nirmala UI"/>
-        <a:font script="Osma" typeface="Ebrima"/>
-        <a:font script="Phag" typeface="Phagspa"/>
-        <a:font script="Syrn" typeface="Estrangelo Edessa"/>
-        <a:font script="Syrj" typeface="Estrangelo Edessa"/>
-        <a:font script="Syre" typeface="Estrangelo Edessa"/>
-        <a:font script="Sora" typeface="Nirmala UI"/>
-        <a:font script="Tale" typeface="Microsoft Tai Le"/>
-        <a:font script="Talu" typeface="Microsoft New Tai Lue"/>
-        <a:font script="Tfng" typeface="Ebrima"/>
       </a:majorFont>
       <a:minorFont>
-        <a:latin typeface="Calibri" panose="020F0502020204030204"/>
+        <a:latin typeface="Century Gothic" panose="020B0502020202020204"/>
         <a:ea typeface=""/>
         <a:cs typeface=""/>
-        <a:font script="Jpan" typeface="游ゴシック"/>
+        <a:font script="Jpan" typeface="ＭＳ Ｐゴシック"/>
         <a:font script="Hang" typeface="맑은 고딕"/>
-        <a:font script="Hans" typeface="等线"/>
+        <a:font script="Hans" typeface="宋体"/>
         <a:font script="Hant" typeface="新細明體"/>
         <a:font script="Arab" typeface="Arial"/>
         <a:font script="Hebr" typeface="Arial"/>
@@ -3495,26 +6937,9 @@
         <a:font script="Viet" typeface="Arial"/>
         <a:font script="Uigh" typeface="Microsoft Uighur"/>
         <a:font script="Geor" typeface="Sylfaen"/>
-        <a:font script="Armn" typeface="Arial"/>
-        <a:font script="Bugi" typeface="Leelawadee UI"/>
-        <a:font script="Bopo" typeface="Microsoft JhengHei"/>
-        <a:font script="Java" typeface="Javanese Text"/>
-        <a:font script="Lisu" typeface="Segoe UI"/>
-        <a:font script="Mymr" typeface="Myanmar Text"/>
-        <a:font script="Nkoo" typeface="Ebrima"/>
-        <a:font script="Olck" typeface="Nirmala UI"/>
-        <a:font script="Osma" typeface="Ebrima"/>
-        <a:font script="Phag" typeface="Phagspa"/>
-        <a:font script="Syrn" typeface="Estrangelo Edessa"/>
-        <a:font script="Syrj" typeface="Estrangelo Edessa"/>
-        <a:font script="Syre" typeface="Estrangelo Edessa"/>
-        <a:font script="Sora" typeface="Nirmala UI"/>
-        <a:font script="Tale" typeface="Microsoft Tai Le"/>
-        <a:font script="Talu" typeface="Microsoft New Tai Lue"/>
-        <a:font script="Tfng" typeface="Ebrima"/>
       </a:minorFont>
     </a:fontScheme>
-    <a:fmtScheme name="Office">
+    <a:fmtScheme name="Estela de condensación">
       <a:fillStyleLst>
         <a:solidFill>
           <a:schemeClr val="phClr"/>
@@ -3523,23 +6948,24 @@
           <a:gsLst>
             <a:gs pos="0">
               <a:schemeClr val="phClr">
+                <a:tint val="69000"/>
+                <a:alpha val="100000"/>
+                <a:satMod val="109000"/>
                 <a:lumMod val="110000"/>
-                <a:satMod val="105000"/>
-                <a:tint val="67000"/>
               </a:schemeClr>
             </a:gs>
-            <a:gs pos="50000">
+            <a:gs pos="52000">
               <a:schemeClr val="phClr">
-                <a:lumMod val="105000"/>
-                <a:satMod val="103000"/>
-                <a:tint val="73000"/>
+                <a:tint val="74000"/>
+                <a:satMod val="100000"/>
+                <a:lumMod val="104000"/>
               </a:schemeClr>
             </a:gs>
             <a:gs pos="100000">
               <a:schemeClr val="phClr">
-                <a:lumMod val="105000"/>
-                <a:satMod val="109000"/>
-                <a:tint val="81000"/>
+                <a:tint val="78000"/>
+                <a:satMod val="100000"/>
+                <a:lumMod val="100000"/>
               </a:schemeClr>
             </a:gs>
           </a:gsLst>
@@ -3549,23 +6975,16 @@
           <a:gsLst>
             <a:gs pos="0">
               <a:schemeClr val="phClr">
-                <a:satMod val="103000"/>
-                <a:lumMod val="102000"/>
-                <a:tint val="94000"/>
+                <a:tint val="96000"/>
+                <a:satMod val="100000"/>
+                <a:lumMod val="104000"/>
               </a:schemeClr>
             </a:gs>
-            <a:gs pos="50000">
+            <a:gs pos="78000">
               <a:schemeClr val="phClr">
+                <a:shade val="100000"/>
                 <a:satMod val="110000"/>
                 <a:lumMod val="100000"/>
-                <a:shade val="100000"/>
-              </a:schemeClr>
-            </a:gs>
-            <a:gs pos="100000">
-              <a:schemeClr val="phClr">
-                <a:lumMod val="99000"/>
-                <a:satMod val="120000"/>
-                <a:shade val="78000"/>
               </a:schemeClr>
             </a:gs>
           </a:gsLst>
@@ -3573,26 +6992,23 @@
         </a:gradFill>
       </a:fillStyleLst>
       <a:lnStyleLst>
-        <a:ln w="6350" cap="flat" cmpd="sng" algn="ctr">
+        <a:ln w="9525" cap="flat" cmpd="sng" algn="ctr">
           <a:solidFill>
             <a:schemeClr val="phClr"/>
           </a:solidFill>
           <a:prstDash val="solid"/>
-          <a:miter lim="800000"/>
         </a:ln>
         <a:ln w="12700" cap="flat" cmpd="sng" algn="ctr">
           <a:solidFill>
             <a:schemeClr val="phClr"/>
           </a:solidFill>
           <a:prstDash val="solid"/>
-          <a:miter lim="800000"/>
         </a:ln>
         <a:ln w="19050" cap="flat" cmpd="sng" algn="ctr">
           <a:solidFill>
             <a:schemeClr val="phClr"/>
           </a:solidFill>
           <a:prstDash val="solid"/>
-          <a:miter lim="800000"/>
         </a:ln>
       </a:lnStyleLst>
       <a:effectStyleLst>
@@ -3601,15 +7017,33 @@
         </a:effectStyle>
         <a:effectStyle>
           <a:effectLst/>
+          <a:scene3d>
+            <a:camera prst="orthographicFront">
+              <a:rot lat="0" lon="0" rev="0"/>
+            </a:camera>
+            <a:lightRig rig="threePt" dir="t"/>
+          </a:scene3d>
+          <a:sp3d>
+            <a:bevelT w="25400" h="12700"/>
+          </a:sp3d>
         </a:effectStyle>
         <a:effectStyle>
           <a:effectLst>
             <a:outerShdw blurRad="57150" dist="19050" dir="5400000" algn="ctr" rotWithShape="0">
               <a:srgbClr val="000000">
-                <a:alpha val="63000"/>
+                <a:alpha val="48000"/>
               </a:srgbClr>
             </a:outerShdw>
           </a:effectLst>
+          <a:scene3d>
+            <a:camera prst="orthographicFront">
+              <a:rot lat="0" lon="0" rev="0"/>
+            </a:camera>
+            <a:lightRig rig="threePt" dir="t"/>
+          </a:scene3d>
+          <a:sp3d>
+            <a:bevelT w="50800" h="25400"/>
+          </a:sp3d>
         </a:effectStyle>
       </a:effectStyleLst>
       <a:bgFillStyleLst>
@@ -3627,16 +7061,16 @@
             <a:gs pos="0">
               <a:schemeClr val="phClr">
                 <a:tint val="93000"/>
+                <a:shade val="98000"/>
                 <a:satMod val="150000"/>
-                <a:shade val="98000"/>
                 <a:lumMod val="102000"/>
               </a:schemeClr>
             </a:gs>
             <a:gs pos="50000">
               <a:schemeClr val="phClr">
                 <a:tint val="98000"/>
+                <a:shade val="90000"/>
                 <a:satMod val="130000"/>
-                <a:shade val="90000"/>
                 <a:lumMod val="103000"/>
               </a:schemeClr>
             </a:gs>
@@ -3656,7 +7090,7 @@
   <a:extraClrSchemeLst/>
   <a:extLst>
     <a:ext uri="{05A4C25C-085E-4340-85A3-A5531E510DB2}">
-      <thm15:themeFamily xmlns:thm15="http://schemas.microsoft.com/office/thememl/2012/main" name="Office Theme" id="{62F939B6-93AF-4DB8-9C6B-D6C7DFDC589F}" vid="{4A3C46E8-61CC-4603-A589-7422A47A8E4A}"/>
+      <thm15:themeFamily xmlns:thm15="http://schemas.microsoft.com/office/thememl/2012/main" name="Vapor Trail" id="{4FDF2955-7D9C-493C-B9F9-C205151B46CD}" vid="{8F31A783-2159-4870-BC29-2BA7D038EA44}"/>
     </a:ext>
   </a:extLst>
 </a:theme>

--- a/Pasos.pptx
+++ b/Pasos.pptx
@@ -14,9 +14,9 @@
     <p:sldId id="262" r:id="rId8"/>
     <p:sldId id="263" r:id="rId9"/>
     <p:sldId id="264" r:id="rId10"/>
-    <p:sldId id="265" r:id="rId11"/>
-    <p:sldId id="266" r:id="rId12"/>
-    <p:sldId id="267" r:id="rId13"/>
+    <p:sldId id="267" r:id="rId11"/>
+    <p:sldId id="265" r:id="rId12"/>
+    <p:sldId id="266" r:id="rId13"/>
   </p:sldIdLst>
   <p:sldSz cx="12192000" cy="6858000"/>
   <p:notesSz cx="6858000" cy="9144000"/>
@@ -5827,10 +5827,109 @@
           <a:chExt cx="0" cy="0"/>
         </a:xfrm>
       </p:grpSpPr>
+      <p:sp>
+        <p:nvSpPr>
+          <p:cNvPr id="3" name="CuadroTexto 2">
+            <a:extLst>
+              <a:ext uri="{FF2B5EF4-FFF2-40B4-BE49-F238E27FC236}">
+                <a16:creationId xmlns:a16="http://schemas.microsoft.com/office/drawing/2014/main" id="{4EDFD21B-EE81-35EF-ED54-368DCD05A812}"/>
+              </a:ext>
+            </a:extLst>
+          </p:cNvPr>
+          <p:cNvSpPr txBox="1"/>
+          <p:nvPr/>
+        </p:nvSpPr>
+        <p:spPr>
+          <a:xfrm>
+            <a:off x="3505200" y="1379675"/>
+            <a:ext cx="6096000" cy="523220"/>
+          </a:xfrm>
+          <a:prstGeom prst="rect">
+            <a:avLst/>
+          </a:prstGeom>
+          <a:noFill/>
+        </p:spPr>
+        <p:txBody>
+          <a:bodyPr wrap="square">
+            <a:spAutoFit/>
+          </a:bodyPr>
+          <a:lstStyle/>
+          <a:p>
+            <a:r>
+              <a:rPr lang="es-ES" sz="2800" b="1" dirty="0">
+                <a:solidFill>
+                  <a:schemeClr val="accent1"/>
+                </a:solidFill>
+              </a:rPr>
+              <a:t>Eliminando ramas </a:t>
+            </a:r>
+          </a:p>
+        </p:txBody>
+      </p:sp>
+      <p:pic>
+        <p:nvPicPr>
+          <p:cNvPr id="5" name="Imagen 4">
+            <a:extLst>
+              <a:ext uri="{FF2B5EF4-FFF2-40B4-BE49-F238E27FC236}">
+                <a16:creationId xmlns:a16="http://schemas.microsoft.com/office/drawing/2014/main" id="{293C76B4-AC08-5641-7384-FCA1D3242E2C}"/>
+              </a:ext>
+            </a:extLst>
+          </p:cNvPr>
+          <p:cNvPicPr>
+            <a:picLocks noChangeAspect="1"/>
+          </p:cNvPicPr>
+          <p:nvPr/>
+        </p:nvPicPr>
+        <p:blipFill>
+          <a:blip r:embed="rId2"/>
+          <a:stretch>
+            <a:fillRect/>
+          </a:stretch>
+        </p:blipFill>
+        <p:spPr>
+          <a:xfrm>
+            <a:off x="97540" y="3343263"/>
+            <a:ext cx="4677428" cy="885949"/>
+          </a:xfrm>
+          <a:prstGeom prst="rect">
+            <a:avLst/>
+          </a:prstGeom>
+        </p:spPr>
+      </p:pic>
+      <p:pic>
+        <p:nvPicPr>
+          <p:cNvPr id="7" name="Imagen 6">
+            <a:extLst>
+              <a:ext uri="{FF2B5EF4-FFF2-40B4-BE49-F238E27FC236}">
+                <a16:creationId xmlns:a16="http://schemas.microsoft.com/office/drawing/2014/main" id="{3DF1E3CE-5B2F-6FBF-F201-224EBAB0D7B9}"/>
+              </a:ext>
+            </a:extLst>
+          </p:cNvPr>
+          <p:cNvPicPr>
+            <a:picLocks noChangeAspect="1"/>
+          </p:cNvPicPr>
+          <p:nvPr/>
+        </p:nvPicPr>
+        <p:blipFill>
+          <a:blip r:embed="rId3"/>
+          <a:stretch>
+            <a:fillRect/>
+          </a:stretch>
+        </p:blipFill>
+        <p:spPr>
+          <a:xfrm>
+            <a:off x="97540" y="2543051"/>
+            <a:ext cx="7335274" cy="800212"/>
+          </a:xfrm>
+          <a:prstGeom prst="rect">
+            <a:avLst/>
+          </a:prstGeom>
+        </p:spPr>
+      </p:pic>
     </p:spTree>
     <p:extLst>
       <p:ext uri="{BB962C8B-B14F-4D97-AF65-F5344CB8AC3E}">
-        <p14:creationId xmlns:p14="http://schemas.microsoft.com/office/powerpoint/2010/main" val="2561684013"/>
+        <p14:creationId xmlns:p14="http://schemas.microsoft.com/office/powerpoint/2010/main" val="623981262"/>
       </p:ext>
     </p:extLst>
   </p:cSld>
@@ -5857,10 +5956,50 @@
           <a:chExt cx="0" cy="0"/>
         </a:xfrm>
       </p:grpSpPr>
+      <p:sp>
+        <p:nvSpPr>
+          <p:cNvPr id="3" name="CuadroTexto 2">
+            <a:extLst>
+              <a:ext uri="{FF2B5EF4-FFF2-40B4-BE49-F238E27FC236}">
+                <a16:creationId xmlns:a16="http://schemas.microsoft.com/office/drawing/2014/main" id="{B3A91270-504B-E15D-96DB-F07C72EE33E9}"/>
+              </a:ext>
+            </a:extLst>
+          </p:cNvPr>
+          <p:cNvSpPr txBox="1"/>
+          <p:nvPr/>
+        </p:nvSpPr>
+        <p:spPr>
+          <a:xfrm>
+            <a:off x="2931459" y="1173487"/>
+            <a:ext cx="5961530" cy="523220"/>
+          </a:xfrm>
+          <a:prstGeom prst="rect">
+            <a:avLst/>
+          </a:prstGeom>
+          <a:noFill/>
+        </p:spPr>
+        <p:txBody>
+          <a:bodyPr wrap="square">
+            <a:spAutoFit/>
+          </a:bodyPr>
+          <a:lstStyle/>
+          <a:p>
+            <a:pPr algn="ctr"/>
+            <a:r>
+              <a:rPr lang="es-ES" sz="2800" b="1" dirty="0">
+                <a:solidFill>
+                  <a:schemeClr val="accent1"/>
+                </a:solidFill>
+              </a:rPr>
+              <a:t>¿Git y GitHub son lo mismo?</a:t>
+            </a:r>
+          </a:p>
+        </p:txBody>
+      </p:sp>
     </p:spTree>
     <p:extLst>
       <p:ext uri="{BB962C8B-B14F-4D97-AF65-F5344CB8AC3E}">
-        <p14:creationId xmlns:p14="http://schemas.microsoft.com/office/powerpoint/2010/main" val="720792169"/>
+        <p14:creationId xmlns:p14="http://schemas.microsoft.com/office/powerpoint/2010/main" val="2561684013"/>
       </p:ext>
     </p:extLst>
   </p:cSld>
@@ -5890,7 +6029,7 @@
     </p:spTree>
     <p:extLst>
       <p:ext uri="{BB962C8B-B14F-4D97-AF65-F5344CB8AC3E}">
-        <p14:creationId xmlns:p14="http://schemas.microsoft.com/office/powerpoint/2010/main" val="623981262"/>
+        <p14:creationId xmlns:p14="http://schemas.microsoft.com/office/powerpoint/2010/main" val="720792169"/>
       </p:ext>
     </p:extLst>
   </p:cSld>
@@ -6753,6 +6892,118 @@
           <a:chExt cx="0" cy="0"/>
         </a:xfrm>
       </p:grpSpPr>
+      <p:sp>
+        <p:nvSpPr>
+          <p:cNvPr id="3" name="CuadroTexto 2">
+            <a:extLst>
+              <a:ext uri="{FF2B5EF4-FFF2-40B4-BE49-F238E27FC236}">
+                <a16:creationId xmlns:a16="http://schemas.microsoft.com/office/drawing/2014/main" id="{FC0CE978-6A2E-F30E-9494-EE6FAEFC2BF7}"/>
+              </a:ext>
+            </a:extLst>
+          </p:cNvPr>
+          <p:cNvSpPr txBox="1"/>
+          <p:nvPr/>
+        </p:nvSpPr>
+        <p:spPr>
+          <a:xfrm>
+            <a:off x="3048000" y="850758"/>
+            <a:ext cx="6096000" cy="461665"/>
+          </a:xfrm>
+          <a:prstGeom prst="rect">
+            <a:avLst/>
+          </a:prstGeom>
+          <a:noFill/>
+        </p:spPr>
+        <p:txBody>
+          <a:bodyPr wrap="square">
+            <a:spAutoFit/>
+          </a:bodyPr>
+          <a:lstStyle/>
+          <a:p>
+            <a:r>
+              <a:rPr lang="es-ES" sz="2400" b="1" dirty="0">
+                <a:solidFill>
+                  <a:schemeClr val="accent1"/>
+                </a:solidFill>
+              </a:rPr>
+              <a:t>¿Qué es una rama y para qué sirve?</a:t>
+            </a:r>
+          </a:p>
+        </p:txBody>
+      </p:sp>
+      <p:sp>
+        <p:nvSpPr>
+          <p:cNvPr id="5" name="CuadroTexto 4">
+            <a:extLst>
+              <a:ext uri="{FF2B5EF4-FFF2-40B4-BE49-F238E27FC236}">
+                <a16:creationId xmlns:a16="http://schemas.microsoft.com/office/drawing/2014/main" id="{31278B58-0DF7-EC97-AA29-53BDA62E5216}"/>
+              </a:ext>
+            </a:extLst>
+          </p:cNvPr>
+          <p:cNvSpPr txBox="1"/>
+          <p:nvPr/>
+        </p:nvSpPr>
+        <p:spPr>
+          <a:xfrm>
+            <a:off x="286870" y="1977189"/>
+            <a:ext cx="6096000" cy="2308324"/>
+          </a:xfrm>
+          <a:prstGeom prst="rect">
+            <a:avLst/>
+          </a:prstGeom>
+          <a:noFill/>
+        </p:spPr>
+        <p:txBody>
+          <a:bodyPr wrap="square">
+            <a:spAutoFit/>
+          </a:bodyPr>
+          <a:lstStyle/>
+          <a:p>
+            <a:r>
+              <a:rPr lang="es-ES" sz="2400" dirty="0"/>
+              <a:t>Una rama es simplemente una versión de la colección de directorios y archivos del repositorio. Cada vez que se crea una nueva rama, se crea una copia de la </a:t>
+            </a:r>
+            <a:r>
+              <a:rPr lang="es-ES" sz="2400" dirty="0" err="1"/>
+              <a:t>colecciónde</a:t>
+            </a:r>
+            <a:r>
+              <a:rPr lang="es-ES" sz="2400" dirty="0"/>
+              <a:t> archivos actual. </a:t>
+            </a:r>
+          </a:p>
+        </p:txBody>
+      </p:sp>
+      <p:pic>
+        <p:nvPicPr>
+          <p:cNvPr id="7" name="Imagen 6">
+            <a:extLst>
+              <a:ext uri="{FF2B5EF4-FFF2-40B4-BE49-F238E27FC236}">
+                <a16:creationId xmlns:a16="http://schemas.microsoft.com/office/drawing/2014/main" id="{2A473DB8-B118-5385-2368-EAA9652AED4E}"/>
+              </a:ext>
+            </a:extLst>
+          </p:cNvPr>
+          <p:cNvPicPr>
+            <a:picLocks noChangeAspect="1"/>
+          </p:cNvPicPr>
+          <p:nvPr/>
+        </p:nvPicPr>
+        <p:blipFill>
+          <a:blip r:embed="rId2"/>
+          <a:stretch>
+            <a:fillRect/>
+          </a:stretch>
+        </p:blipFill>
+        <p:spPr>
+          <a:xfrm>
+            <a:off x="6471570" y="2098858"/>
+            <a:ext cx="5546388" cy="2092125"/>
+          </a:xfrm>
+          <a:prstGeom prst="rect">
+            <a:avLst/>
+          </a:prstGeom>
+        </p:spPr>
+      </p:pic>
     </p:spTree>
     <p:extLst>
       <p:ext uri="{BB962C8B-B14F-4D97-AF65-F5344CB8AC3E}">
@@ -6783,6 +7034,102 @@
           <a:chExt cx="0" cy="0"/>
         </a:xfrm>
       </p:grpSpPr>
+      <p:pic>
+        <p:nvPicPr>
+          <p:cNvPr id="3" name="Imagen 2">
+            <a:extLst>
+              <a:ext uri="{FF2B5EF4-FFF2-40B4-BE49-F238E27FC236}">
+                <a16:creationId xmlns:a16="http://schemas.microsoft.com/office/drawing/2014/main" id="{9770F815-62E2-BD17-A336-2AD548ECA986}"/>
+              </a:ext>
+            </a:extLst>
+          </p:cNvPr>
+          <p:cNvPicPr>
+            <a:picLocks noChangeAspect="1"/>
+          </p:cNvPicPr>
+          <p:nvPr/>
+        </p:nvPicPr>
+        <p:blipFill>
+          <a:blip r:embed="rId2"/>
+          <a:stretch>
+            <a:fillRect/>
+          </a:stretch>
+        </p:blipFill>
+        <p:spPr>
+          <a:xfrm>
+            <a:off x="495669" y="1857156"/>
+            <a:ext cx="3743847" cy="1571844"/>
+          </a:xfrm>
+          <a:prstGeom prst="rect">
+            <a:avLst/>
+          </a:prstGeom>
+        </p:spPr>
+      </p:pic>
+      <p:pic>
+        <p:nvPicPr>
+          <p:cNvPr id="5" name="Imagen 4">
+            <a:extLst>
+              <a:ext uri="{FF2B5EF4-FFF2-40B4-BE49-F238E27FC236}">
+                <a16:creationId xmlns:a16="http://schemas.microsoft.com/office/drawing/2014/main" id="{708064B0-C7F0-B0A5-4D78-59DA3F935B30}"/>
+              </a:ext>
+            </a:extLst>
+          </p:cNvPr>
+          <p:cNvPicPr>
+            <a:picLocks noChangeAspect="1"/>
+          </p:cNvPicPr>
+          <p:nvPr/>
+        </p:nvPicPr>
+        <p:blipFill>
+          <a:blip r:embed="rId3"/>
+          <a:stretch>
+            <a:fillRect/>
+          </a:stretch>
+        </p:blipFill>
+        <p:spPr>
+          <a:xfrm>
+            <a:off x="495669" y="3429000"/>
+            <a:ext cx="5249008" cy="1581371"/>
+          </a:xfrm>
+          <a:prstGeom prst="rect">
+            <a:avLst/>
+          </a:prstGeom>
+        </p:spPr>
+      </p:pic>
+      <p:sp>
+        <p:nvSpPr>
+          <p:cNvPr id="7" name="CuadroTexto 6">
+            <a:extLst>
+              <a:ext uri="{FF2B5EF4-FFF2-40B4-BE49-F238E27FC236}">
+                <a16:creationId xmlns:a16="http://schemas.microsoft.com/office/drawing/2014/main" id="{234706B1-31C8-3366-5918-17CC026657C5}"/>
+              </a:ext>
+            </a:extLst>
+          </p:cNvPr>
+          <p:cNvSpPr txBox="1"/>
+          <p:nvPr/>
+        </p:nvSpPr>
+        <p:spPr>
+          <a:xfrm>
+            <a:off x="5915007" y="3429000"/>
+            <a:ext cx="6096000" cy="369332"/>
+          </a:xfrm>
+          <a:prstGeom prst="rect">
+            <a:avLst/>
+          </a:prstGeom>
+          <a:noFill/>
+        </p:spPr>
+        <p:txBody>
+          <a:bodyPr wrap="square">
+            <a:spAutoFit/>
+          </a:bodyPr>
+          <a:lstStyle/>
+          <a:p>
+            <a:r>
+              <a:rPr lang="es-ES" sz="1800" dirty="0"/>
+              <a:t>Crea e ingresa a esa rama</a:t>
+            </a:r>
+            <a:endParaRPr lang="es-ES" dirty="0"/>
+          </a:p>
+        </p:txBody>
+      </p:sp>
     </p:spTree>
     <p:extLst>
       <p:ext uri="{BB962C8B-B14F-4D97-AF65-F5344CB8AC3E}">
@@ -6813,6 +7160,256 @@
           <a:chExt cx="0" cy="0"/>
         </a:xfrm>
       </p:grpSpPr>
+      <p:sp>
+        <p:nvSpPr>
+          <p:cNvPr id="3" name="CuadroTexto 2">
+            <a:extLst>
+              <a:ext uri="{FF2B5EF4-FFF2-40B4-BE49-F238E27FC236}">
+                <a16:creationId xmlns:a16="http://schemas.microsoft.com/office/drawing/2014/main" id="{A51FDD23-31DA-A2D1-D5BD-D6AE92BA6C12}"/>
+              </a:ext>
+            </a:extLst>
+          </p:cNvPr>
+          <p:cNvSpPr txBox="1"/>
+          <p:nvPr/>
+        </p:nvSpPr>
+        <p:spPr>
+          <a:xfrm>
+            <a:off x="3245224" y="1245205"/>
+            <a:ext cx="6096000" cy="646331"/>
+          </a:xfrm>
+          <a:prstGeom prst="rect">
+            <a:avLst/>
+          </a:prstGeom>
+          <a:noFill/>
+        </p:spPr>
+        <p:txBody>
+          <a:bodyPr wrap="square">
+            <a:spAutoFit/>
+          </a:bodyPr>
+          <a:lstStyle/>
+          <a:p>
+            <a:r>
+              <a:rPr lang="es-ES" sz="3600" b="1" dirty="0">
+                <a:solidFill>
+                  <a:schemeClr val="accent1"/>
+                </a:solidFill>
+              </a:rPr>
+              <a:t>Fusionar ramas</a:t>
+            </a:r>
+          </a:p>
+        </p:txBody>
+      </p:sp>
+      <p:sp>
+        <p:nvSpPr>
+          <p:cNvPr id="5" name="CuadroTexto 4">
+            <a:extLst>
+              <a:ext uri="{FF2B5EF4-FFF2-40B4-BE49-F238E27FC236}">
+                <a16:creationId xmlns:a16="http://schemas.microsoft.com/office/drawing/2014/main" id="{38B354D9-5DE1-E305-2A2C-0AADB75D083C}"/>
+              </a:ext>
+            </a:extLst>
+          </p:cNvPr>
+          <p:cNvSpPr txBox="1"/>
+          <p:nvPr/>
+        </p:nvSpPr>
+        <p:spPr>
+          <a:xfrm>
+            <a:off x="322730" y="2484148"/>
+            <a:ext cx="6096000" cy="1477328"/>
+          </a:xfrm>
+          <a:prstGeom prst="rect">
+            <a:avLst/>
+          </a:prstGeom>
+          <a:noFill/>
+        </p:spPr>
+        <p:txBody>
+          <a:bodyPr wrap="square">
+            <a:spAutoFit/>
+          </a:bodyPr>
+          <a:lstStyle/>
+          <a:p>
+            <a:r>
+              <a:rPr lang="es-ES" dirty="0"/>
+              <a:t>Cuando hablamos de fusión nos referimos a que los cambios que hemos realizado en la rama se integran en otra rama, de forma que el código que habíamos generado en la nueva rama se asimila en otra.</a:t>
+            </a:r>
+          </a:p>
+        </p:txBody>
+      </p:sp>
+      <p:sp>
+        <p:nvSpPr>
+          <p:cNvPr id="7" name="CuadroTexto 6">
+            <a:extLst>
+              <a:ext uri="{FF2B5EF4-FFF2-40B4-BE49-F238E27FC236}">
+                <a16:creationId xmlns:a16="http://schemas.microsoft.com/office/drawing/2014/main" id="{74E11313-30A1-234F-7973-CF0B206E52D0}"/>
+              </a:ext>
+            </a:extLst>
+          </p:cNvPr>
+          <p:cNvSpPr txBox="1"/>
+          <p:nvPr/>
+        </p:nvSpPr>
+        <p:spPr>
+          <a:xfrm>
+            <a:off x="403411" y="4140241"/>
+            <a:ext cx="6096000" cy="2585323"/>
+          </a:xfrm>
+          <a:prstGeom prst="rect">
+            <a:avLst/>
+          </a:prstGeom>
+          <a:noFill/>
+        </p:spPr>
+        <p:txBody>
+          <a:bodyPr wrap="square">
+            <a:spAutoFit/>
+          </a:bodyPr>
+          <a:lstStyle/>
+          <a:p>
+            <a:r>
+              <a:rPr lang="es-ES" dirty="0"/>
+              <a:t>Comando </a:t>
+            </a:r>
+            <a:r>
+              <a:rPr lang="es-ES" dirty="0" err="1"/>
+              <a:t>git</a:t>
+            </a:r>
+            <a:r>
+              <a:rPr lang="es-ES" dirty="0"/>
+              <a:t> </a:t>
+            </a:r>
+            <a:r>
+              <a:rPr lang="es-ES" dirty="0" err="1"/>
+              <a:t>merge</a:t>
+            </a:r>
+            <a:r>
+              <a:rPr lang="es-ES" dirty="0"/>
+              <a:t> </a:t>
+            </a:r>
+          </a:p>
+          <a:p>
+            <a:r>
+              <a:rPr lang="es-ES" dirty="0"/>
+              <a:t>Empleamos el comando </a:t>
+            </a:r>
+            <a:r>
+              <a:rPr lang="es-ES" dirty="0" err="1"/>
+              <a:t>git</a:t>
+            </a:r>
+            <a:r>
+              <a:rPr lang="es-ES" dirty="0"/>
+              <a:t> </a:t>
+            </a:r>
+            <a:r>
+              <a:rPr lang="es-ES" dirty="0" err="1"/>
+              <a:t>merge</a:t>
+            </a:r>
+            <a:r>
+              <a:rPr lang="es-ES" dirty="0"/>
+              <a:t> para incorporar los cambios de una rama a la rama en la que nos encontramos en ese momento. Por ejemplo, si estamos actualmente en la rama </a:t>
+            </a:r>
+            <a:r>
+              <a:rPr lang="es-ES" dirty="0" err="1"/>
+              <a:t>main</a:t>
+            </a:r>
+            <a:r>
+              <a:rPr lang="es-ES" dirty="0"/>
+              <a:t> y hacemos un </a:t>
+            </a:r>
+          </a:p>
+          <a:p>
+            <a:r>
+              <a:rPr lang="es-ES" dirty="0" err="1"/>
+              <a:t>git</a:t>
+            </a:r>
+            <a:r>
+              <a:rPr lang="es-ES" dirty="0"/>
+              <a:t> </a:t>
+            </a:r>
+            <a:r>
+              <a:rPr lang="es-ES" dirty="0" err="1"/>
+              <a:t>merge</a:t>
+            </a:r>
+            <a:r>
+              <a:rPr lang="es-ES" dirty="0"/>
+              <a:t> </a:t>
+            </a:r>
+            <a:r>
+              <a:rPr lang="es-ES" dirty="0" err="1"/>
+              <a:t>my-branch</a:t>
+            </a:r>
+            <a:r>
+              <a:rPr lang="es-ES" dirty="0"/>
+              <a:t> </a:t>
+            </a:r>
+          </a:p>
+          <a:p>
+            <a:r>
+              <a:rPr lang="es-ES" dirty="0"/>
+              <a:t>haremos que la rama </a:t>
+            </a:r>
+            <a:r>
+              <a:rPr lang="es-ES" dirty="0" err="1"/>
+              <a:t>main</a:t>
+            </a:r>
+            <a:r>
+              <a:rPr lang="es-ES" dirty="0"/>
+              <a:t> incorporé y fusione los cambios que había en la rama </a:t>
+            </a:r>
+            <a:r>
+              <a:rPr lang="es-ES" dirty="0" err="1"/>
+              <a:t>my-branch</a:t>
+            </a:r>
+            <a:r>
+              <a:rPr lang="es-ES" dirty="0"/>
+              <a:t>.</a:t>
+            </a:r>
+          </a:p>
+        </p:txBody>
+      </p:sp>
+      <p:pic>
+        <p:nvPicPr>
+          <p:cNvPr id="1026" name="Picture 2" descr="Diferencias entre tipos de fusión">
+            <a:extLst>
+              <a:ext uri="{FF2B5EF4-FFF2-40B4-BE49-F238E27FC236}">
+                <a16:creationId xmlns:a16="http://schemas.microsoft.com/office/drawing/2014/main" id="{4B5D0E9A-7110-A651-5E79-AB2460CBFB27}"/>
+              </a:ext>
+            </a:extLst>
+          </p:cNvPr>
+          <p:cNvPicPr>
+            <a:picLocks noChangeAspect="1" noChangeArrowheads="1"/>
+          </p:cNvPicPr>
+          <p:nvPr/>
+        </p:nvPicPr>
+        <p:blipFill>
+          <a:blip r:embed="rId2">
+            <a:extLst>
+              <a:ext uri="{28A0092B-C50C-407E-A947-70E740481C1C}">
+                <a14:useLocalDpi xmlns:a14="http://schemas.microsoft.com/office/drawing/2010/main" val="0"/>
+              </a:ext>
+            </a:extLst>
+          </a:blip>
+          <a:srcRect/>
+          <a:stretch>
+            <a:fillRect/>
+          </a:stretch>
+        </p:blipFill>
+        <p:spPr bwMode="auto">
+          <a:xfrm>
+            <a:off x="7136187" y="2484148"/>
+            <a:ext cx="4410075" cy="3943350"/>
+          </a:xfrm>
+          <a:prstGeom prst="rect">
+            <a:avLst/>
+          </a:prstGeom>
+          <a:noFill/>
+          <a:extLst>
+            <a:ext uri="{909E8E84-426E-40DD-AFC4-6F175D3DCCD1}">
+              <a14:hiddenFill xmlns:a14="http://schemas.microsoft.com/office/drawing/2010/main">
+                <a:solidFill>
+                  <a:srgbClr val="FFFFFF"/>
+                </a:solidFill>
+              </a14:hiddenFill>
+            </a:ext>
+          </a:extLst>
+        </p:spPr>
+      </p:pic>
     </p:spTree>
     <p:extLst>
       <p:ext uri="{BB962C8B-B14F-4D97-AF65-F5344CB8AC3E}">

--- a/Pasos.pptx
+++ b/Pasos.pptx
@@ -17,6 +17,11 @@
     <p:sldId id="267" r:id="rId11"/>
     <p:sldId id="265" r:id="rId12"/>
     <p:sldId id="266" r:id="rId13"/>
+    <p:sldId id="268" r:id="rId14"/>
+    <p:sldId id="269" r:id="rId15"/>
+    <p:sldId id="270" r:id="rId16"/>
+    <p:sldId id="271" r:id="rId17"/>
+    <p:sldId id="272" r:id="rId18"/>
   </p:sldIdLst>
   <p:sldSz cx="12192000" cy="6858000"/>
   <p:notesSz cx="6858000" cy="9144000"/>
@@ -5970,7 +5975,7 @@
         </p:nvSpPr>
         <p:spPr>
           <a:xfrm>
-            <a:off x="2931459" y="1173487"/>
+            <a:off x="2707341" y="662499"/>
             <a:ext cx="5961530" cy="523220"/>
           </a:xfrm>
           <a:prstGeom prst="rect">
@@ -5996,6 +6001,177 @@
           </a:p>
         </p:txBody>
       </p:sp>
+      <p:sp>
+        <p:nvSpPr>
+          <p:cNvPr id="4" name="CuadroTexto 3">
+            <a:extLst>
+              <a:ext uri="{FF2B5EF4-FFF2-40B4-BE49-F238E27FC236}">
+                <a16:creationId xmlns:a16="http://schemas.microsoft.com/office/drawing/2014/main" id="{041EEC2F-B1E9-F965-08A3-247527C379DC}"/>
+              </a:ext>
+            </a:extLst>
+          </p:cNvPr>
+          <p:cNvSpPr txBox="1"/>
+          <p:nvPr/>
+        </p:nvSpPr>
+        <p:spPr>
+          <a:xfrm>
+            <a:off x="322730" y="1506070"/>
+            <a:ext cx="8794376" cy="4801314"/>
+          </a:xfrm>
+          <a:prstGeom prst="rect">
+            <a:avLst/>
+          </a:prstGeom>
+          <a:noFill/>
+        </p:spPr>
+        <p:txBody>
+          <a:bodyPr wrap="square">
+            <a:spAutoFit/>
+          </a:bodyPr>
+          <a:lstStyle/>
+          <a:p>
+            <a:r>
+              <a:rPr lang="es-ES" dirty="0"/>
+              <a:t>Git:</a:t>
+            </a:r>
+          </a:p>
+          <a:p>
+            <a:pPr marL="285750" indent="-285750">
+              <a:buFont typeface="Arial" panose="020B0604020202020204" pitchFamily="34" charset="0"/>
+              <a:buChar char="•"/>
+            </a:pPr>
+            <a:r>
+              <a:rPr lang="es-ES" dirty="0"/>
+              <a:t>Git es un sistema de control de versiones distribuido (DVCS, por sus siglas en inglés).</a:t>
+            </a:r>
+          </a:p>
+          <a:p>
+            <a:pPr marL="285750" indent="-285750">
+              <a:buFont typeface="Arial" panose="020B0604020202020204" pitchFamily="34" charset="0"/>
+              <a:buChar char="•"/>
+            </a:pPr>
+            <a:r>
+              <a:rPr lang="es-ES" dirty="0"/>
+              <a:t>Permite a los desarrolladores rastrear los cambios en el código fuente de un proyecto a lo largo del tiempo.</a:t>
+            </a:r>
+          </a:p>
+          <a:p>
+            <a:pPr marL="285750" indent="-285750">
+              <a:buFont typeface="Arial" panose="020B0604020202020204" pitchFamily="34" charset="0"/>
+              <a:buChar char="•"/>
+            </a:pPr>
+            <a:r>
+              <a:rPr lang="es-ES" dirty="0"/>
+              <a:t>Funciona localmente en la máquina del desarrollador y no requiere conexión a Internet para realizar la mayoría de las operaciones.</a:t>
+            </a:r>
+          </a:p>
+          <a:p>
+            <a:pPr marL="285750" indent="-285750">
+              <a:buFont typeface="Arial" panose="020B0604020202020204" pitchFamily="34" charset="0"/>
+              <a:buChar char="•"/>
+            </a:pPr>
+            <a:r>
+              <a:rPr lang="es-ES" dirty="0"/>
+              <a:t>Permite realizar operaciones como la creación de ramas, fusiones, confirmaciones y revertir cambios, todo a nivel local.</a:t>
+            </a:r>
+          </a:p>
+          <a:p>
+            <a:r>
+              <a:rPr lang="es-ES" dirty="0"/>
+              <a:t>GitHub:</a:t>
+            </a:r>
+          </a:p>
+          <a:p>
+            <a:pPr marL="285750" indent="-285750">
+              <a:buFont typeface="Arial" panose="020B0604020202020204" pitchFamily="34" charset="0"/>
+              <a:buChar char="•"/>
+            </a:pPr>
+            <a:r>
+              <a:rPr lang="es-ES" dirty="0"/>
+              <a:t>GitHub es una plataforma en línea basada en la nube que se utiliza para alojar proyectos de software que utilizan Git para control de versiones.</a:t>
+            </a:r>
+          </a:p>
+          <a:p>
+            <a:pPr marL="285750" indent="-285750">
+              <a:buFont typeface="Arial" panose="020B0604020202020204" pitchFamily="34" charset="0"/>
+              <a:buChar char="•"/>
+            </a:pPr>
+            <a:r>
+              <a:rPr lang="es-ES" dirty="0"/>
+              <a:t>Proporciona características adicionales y funcionalidades que van más allá de las capacidades básicas de Git, como la gestión de problemas (</a:t>
+            </a:r>
+            <a:r>
+              <a:rPr lang="es-ES" dirty="0" err="1"/>
+              <a:t>issue</a:t>
+            </a:r>
+            <a:r>
+              <a:rPr lang="es-ES" dirty="0"/>
+              <a:t> tracking), la colaboración en proyectos mediante solicitudes de extracción (</a:t>
+            </a:r>
+            <a:r>
+              <a:rPr lang="es-ES" dirty="0" err="1"/>
+              <a:t>pull</a:t>
+            </a:r>
+            <a:r>
+              <a:rPr lang="es-ES" dirty="0"/>
+              <a:t> </a:t>
+            </a:r>
+            <a:r>
+              <a:rPr lang="es-ES" dirty="0" err="1"/>
+              <a:t>requests</a:t>
+            </a:r>
+            <a:r>
+              <a:rPr lang="es-ES" dirty="0"/>
+              <a:t>), la gestión de tareas (</a:t>
+            </a:r>
+            <a:r>
+              <a:rPr lang="es-ES" dirty="0" err="1"/>
+              <a:t>project</a:t>
+            </a:r>
+            <a:r>
+              <a:rPr lang="es-ES" dirty="0"/>
+              <a:t> </a:t>
+            </a:r>
+            <a:r>
+              <a:rPr lang="es-ES" dirty="0" err="1"/>
+              <a:t>management</a:t>
+            </a:r>
+            <a:r>
+              <a:rPr lang="es-ES" dirty="0"/>
+              <a:t>), y más.</a:t>
+            </a:r>
+          </a:p>
+        </p:txBody>
+      </p:sp>
+      <p:pic>
+        <p:nvPicPr>
+          <p:cNvPr id="6" name="Imagen 5">
+            <a:extLst>
+              <a:ext uri="{FF2B5EF4-FFF2-40B4-BE49-F238E27FC236}">
+                <a16:creationId xmlns:a16="http://schemas.microsoft.com/office/drawing/2014/main" id="{556B5F51-CCEF-FABD-DCAB-2A8B2576A46C}"/>
+              </a:ext>
+            </a:extLst>
+          </p:cNvPr>
+          <p:cNvPicPr>
+            <a:picLocks noChangeAspect="1"/>
+          </p:cNvPicPr>
+          <p:nvPr/>
+        </p:nvPicPr>
+        <p:blipFill>
+          <a:blip r:embed="rId2"/>
+          <a:stretch>
+            <a:fillRect/>
+          </a:stretch>
+        </p:blipFill>
+        <p:spPr>
+          <a:xfrm>
+            <a:off x="9117106" y="3004825"/>
+            <a:ext cx="2863970" cy="1289407"/>
+          </a:xfrm>
+          <a:prstGeom prst="rect">
+            <a:avLst/>
+          </a:prstGeom>
+        </p:spPr>
+      </p:pic>
     </p:spTree>
     <p:extLst>
       <p:ext uri="{BB962C8B-B14F-4D97-AF65-F5344CB8AC3E}">
@@ -6026,10 +6202,690 @@
           <a:chExt cx="0" cy="0"/>
         </a:xfrm>
       </p:grpSpPr>
+      <p:sp>
+        <p:nvSpPr>
+          <p:cNvPr id="3" name="CuadroTexto 2">
+            <a:extLst>
+              <a:ext uri="{FF2B5EF4-FFF2-40B4-BE49-F238E27FC236}">
+                <a16:creationId xmlns:a16="http://schemas.microsoft.com/office/drawing/2014/main" id="{275052E8-DFAD-7161-3141-A3E9CDAB152A}"/>
+              </a:ext>
+            </a:extLst>
+          </p:cNvPr>
+          <p:cNvSpPr txBox="1"/>
+          <p:nvPr/>
+        </p:nvSpPr>
+        <p:spPr>
+          <a:xfrm>
+            <a:off x="125505" y="1286906"/>
+            <a:ext cx="6096000" cy="1938992"/>
+          </a:xfrm>
+          <a:prstGeom prst="rect">
+            <a:avLst/>
+          </a:prstGeom>
+          <a:noFill/>
+        </p:spPr>
+        <p:txBody>
+          <a:bodyPr wrap="square">
+            <a:spAutoFit/>
+          </a:bodyPr>
+          <a:lstStyle/>
+          <a:p>
+            <a:r>
+              <a:rPr lang="es-ES" sz="2400" b="1" dirty="0">
+                <a:solidFill>
+                  <a:srgbClr val="FF0000"/>
+                </a:solidFill>
+              </a:rPr>
+              <a:t>¿Qué son los repositorios remotos?</a:t>
+            </a:r>
+          </a:p>
+          <a:p>
+            <a:r>
+              <a:rPr lang="es-ES" sz="2400" i="1" dirty="0"/>
+              <a:t> Los repositorios remotos son repositorios que están hospedados en un servidor y que servirá de punto de sincronización entre diferentes repositorios locales. </a:t>
+            </a:r>
+          </a:p>
+        </p:txBody>
+      </p:sp>
+      <p:sp>
+        <p:nvSpPr>
+          <p:cNvPr id="5" name="CuadroTexto 4">
+            <a:extLst>
+              <a:ext uri="{FF2B5EF4-FFF2-40B4-BE49-F238E27FC236}">
+                <a16:creationId xmlns:a16="http://schemas.microsoft.com/office/drawing/2014/main" id="{BF597D10-B643-1046-11D4-AE461D9A750B}"/>
+              </a:ext>
+            </a:extLst>
+          </p:cNvPr>
+          <p:cNvSpPr txBox="1"/>
+          <p:nvPr/>
+        </p:nvSpPr>
+        <p:spPr>
+          <a:xfrm>
+            <a:off x="125505" y="3338917"/>
+            <a:ext cx="7270377" cy="830997"/>
+          </a:xfrm>
+          <a:prstGeom prst="rect">
+            <a:avLst/>
+          </a:prstGeom>
+          <a:noFill/>
+        </p:spPr>
+        <p:txBody>
+          <a:bodyPr wrap="square">
+            <a:spAutoFit/>
+          </a:bodyPr>
+          <a:lstStyle/>
+          <a:p>
+            <a:r>
+              <a:rPr lang="es-ES" sz="2400" b="1" dirty="0">
+                <a:solidFill>
+                  <a:srgbClr val="FF0000"/>
+                </a:solidFill>
+              </a:rPr>
+              <a:t>Clonando un repositorio remoto creado previamente</a:t>
+            </a:r>
+          </a:p>
+        </p:txBody>
+      </p:sp>
+      <p:sp>
+        <p:nvSpPr>
+          <p:cNvPr id="7" name="CuadroTexto 6">
+            <a:extLst>
+              <a:ext uri="{FF2B5EF4-FFF2-40B4-BE49-F238E27FC236}">
+                <a16:creationId xmlns:a16="http://schemas.microsoft.com/office/drawing/2014/main" id="{199125A8-304C-D0EA-5EC1-A6546F19A36E}"/>
+              </a:ext>
+            </a:extLst>
+          </p:cNvPr>
+          <p:cNvSpPr txBox="1"/>
+          <p:nvPr/>
+        </p:nvSpPr>
+        <p:spPr>
+          <a:xfrm>
+            <a:off x="242046" y="4169914"/>
+            <a:ext cx="6418729" cy="646331"/>
+          </a:xfrm>
+          <a:prstGeom prst="rect">
+            <a:avLst/>
+          </a:prstGeom>
+          <a:noFill/>
+        </p:spPr>
+        <p:txBody>
+          <a:bodyPr wrap="square">
+            <a:spAutoFit/>
+          </a:bodyPr>
+          <a:lstStyle/>
+          <a:p>
+            <a:r>
+              <a:rPr lang="es-ES" i="1" dirty="0"/>
+              <a:t>Para clonar un repositorio necesitamos saber su </a:t>
+            </a:r>
+            <a:r>
+              <a:rPr lang="es-ES" i="1" dirty="0" err="1"/>
+              <a:t>dirreccion</a:t>
+            </a:r>
+            <a:endParaRPr lang="es-ES" dirty="0"/>
+          </a:p>
+        </p:txBody>
+      </p:sp>
+      <p:pic>
+        <p:nvPicPr>
+          <p:cNvPr id="9" name="Imagen 8">
+            <a:extLst>
+              <a:ext uri="{FF2B5EF4-FFF2-40B4-BE49-F238E27FC236}">
+                <a16:creationId xmlns:a16="http://schemas.microsoft.com/office/drawing/2014/main" id="{14AF5A3A-1DDE-D5A5-A67A-D5C7E721F87C}"/>
+              </a:ext>
+            </a:extLst>
+          </p:cNvPr>
+          <p:cNvPicPr>
+            <a:picLocks noChangeAspect="1"/>
+          </p:cNvPicPr>
+          <p:nvPr/>
+        </p:nvPicPr>
+        <p:blipFill>
+          <a:blip r:embed="rId2"/>
+          <a:stretch>
+            <a:fillRect/>
+          </a:stretch>
+        </p:blipFill>
+        <p:spPr>
+          <a:xfrm>
+            <a:off x="6221505" y="3225898"/>
+            <a:ext cx="5926718" cy="3417816"/>
+          </a:xfrm>
+          <a:prstGeom prst="rect">
+            <a:avLst/>
+          </a:prstGeom>
+        </p:spPr>
+      </p:pic>
     </p:spTree>
     <p:extLst>
       <p:ext uri="{BB962C8B-B14F-4D97-AF65-F5344CB8AC3E}">
         <p14:creationId xmlns:p14="http://schemas.microsoft.com/office/powerpoint/2010/main" val="720792169"/>
+      </p:ext>
+    </p:extLst>
+  </p:cSld>
+  <p:clrMapOvr>
+    <a:masterClrMapping/>
+  </p:clrMapOvr>
+</p:sld>
+</file>
+
+<file path=ppt/slides/slide13.xml><?xml version="1.0" encoding="utf-8"?>
+<p:sld xmlns:a="http://schemas.openxmlformats.org/drawingml/2006/main" xmlns:r="http://schemas.openxmlformats.org/officeDocument/2006/relationships" xmlns:p="http://schemas.openxmlformats.org/presentationml/2006/main">
+  <p:cSld>
+    <p:spTree>
+      <p:nvGrpSpPr>
+        <p:cNvPr id="1" name=""/>
+        <p:cNvGrpSpPr/>
+        <p:nvPr/>
+      </p:nvGrpSpPr>
+      <p:grpSpPr>
+        <a:xfrm>
+          <a:off x="0" y="0"/>
+          <a:ext cx="0" cy="0"/>
+          <a:chOff x="0" y="0"/>
+          <a:chExt cx="0" cy="0"/>
+        </a:xfrm>
+      </p:grpSpPr>
+      <p:sp>
+        <p:nvSpPr>
+          <p:cNvPr id="3" name="CuadroTexto 2">
+            <a:extLst>
+              <a:ext uri="{FF2B5EF4-FFF2-40B4-BE49-F238E27FC236}">
+                <a16:creationId xmlns:a16="http://schemas.microsoft.com/office/drawing/2014/main" id="{9B19F50A-E330-57AB-35F7-04E4E90A8CEE}"/>
+              </a:ext>
+            </a:extLst>
+          </p:cNvPr>
+          <p:cNvSpPr txBox="1"/>
+          <p:nvPr/>
+        </p:nvSpPr>
+        <p:spPr>
+          <a:xfrm>
+            <a:off x="197223" y="1289591"/>
+            <a:ext cx="10228730" cy="461665"/>
+          </a:xfrm>
+          <a:prstGeom prst="rect">
+            <a:avLst/>
+          </a:prstGeom>
+          <a:noFill/>
+        </p:spPr>
+        <p:txBody>
+          <a:bodyPr wrap="square">
+            <a:spAutoFit/>
+          </a:bodyPr>
+          <a:lstStyle/>
+          <a:p>
+            <a:r>
+              <a:rPr lang="es-ES" sz="2400" b="1" dirty="0">
+                <a:solidFill>
+                  <a:srgbClr val="FF0000"/>
+                </a:solidFill>
+              </a:rPr>
+              <a:t>¿Cómo enlazar un repositorio local con un repositorio remoto?</a:t>
+            </a:r>
+          </a:p>
+        </p:txBody>
+      </p:sp>
+      <p:pic>
+        <p:nvPicPr>
+          <p:cNvPr id="5" name="Imagen 4">
+            <a:extLst>
+              <a:ext uri="{FF2B5EF4-FFF2-40B4-BE49-F238E27FC236}">
+                <a16:creationId xmlns:a16="http://schemas.microsoft.com/office/drawing/2014/main" id="{1B7FB7D7-5E8A-5047-C4D5-8D92AA10F672}"/>
+              </a:ext>
+            </a:extLst>
+          </p:cNvPr>
+          <p:cNvPicPr>
+            <a:picLocks noChangeAspect="1"/>
+          </p:cNvPicPr>
+          <p:nvPr/>
+        </p:nvPicPr>
+        <p:blipFill>
+          <a:blip r:embed="rId2"/>
+          <a:stretch>
+            <a:fillRect/>
+          </a:stretch>
+        </p:blipFill>
+        <p:spPr>
+          <a:xfrm>
+            <a:off x="286871" y="4405065"/>
+            <a:ext cx="6906589" cy="647790"/>
+          </a:xfrm>
+          <a:prstGeom prst="rect">
+            <a:avLst/>
+          </a:prstGeom>
+        </p:spPr>
+      </p:pic>
+      <p:sp>
+        <p:nvSpPr>
+          <p:cNvPr id="7" name="CuadroTexto 6">
+            <a:extLst>
+              <a:ext uri="{FF2B5EF4-FFF2-40B4-BE49-F238E27FC236}">
+                <a16:creationId xmlns:a16="http://schemas.microsoft.com/office/drawing/2014/main" id="{87A8E361-6C50-4435-9A94-AB34AC7FD4A0}"/>
+              </a:ext>
+            </a:extLst>
+          </p:cNvPr>
+          <p:cNvSpPr txBox="1"/>
+          <p:nvPr/>
+        </p:nvSpPr>
+        <p:spPr>
+          <a:xfrm>
+            <a:off x="197223" y="1967772"/>
+            <a:ext cx="11638072" cy="2308324"/>
+          </a:xfrm>
+          <a:prstGeom prst="rect">
+            <a:avLst/>
+          </a:prstGeom>
+          <a:noFill/>
+        </p:spPr>
+        <p:txBody>
+          <a:bodyPr wrap="square">
+            <a:spAutoFit/>
+          </a:bodyPr>
+          <a:lstStyle/>
+          <a:p>
+            <a:r>
+              <a:rPr lang="es-ES" sz="2400" dirty="0"/>
+              <a:t>Para conectar nuestro repositorio local con el repositorio remoto debemos usar el</a:t>
+            </a:r>
+          </a:p>
+          <a:p>
+            <a:r>
+              <a:rPr lang="es-ES" sz="2400" dirty="0"/>
+              <a:t>comando </a:t>
+            </a:r>
+            <a:r>
+              <a:rPr lang="es-ES" sz="2400" dirty="0" err="1"/>
+              <a:t>git</a:t>
+            </a:r>
+            <a:r>
+              <a:rPr lang="es-ES" sz="2400" dirty="0"/>
+              <a:t> remote </a:t>
+            </a:r>
+            <a:r>
+              <a:rPr lang="es-ES" sz="2400" dirty="0" err="1"/>
+              <a:t>add</a:t>
+            </a:r>
+            <a:r>
+              <a:rPr lang="es-ES" sz="2400" dirty="0"/>
+              <a:t> y le pasaríamos dos parámetros. El primero sería el alias</a:t>
+            </a:r>
+          </a:p>
+          <a:p>
+            <a:r>
+              <a:rPr lang="es-ES" sz="2400" dirty="0"/>
+              <a:t>del repositorio remoto y el segundo sería la dirección del mismo repositorio</a:t>
+            </a:r>
+          </a:p>
+          <a:p>
+            <a:r>
+              <a:rPr lang="es-ES" sz="2400" dirty="0"/>
+              <a:t>remoto.</a:t>
+            </a:r>
+          </a:p>
+        </p:txBody>
+      </p:sp>
+    </p:spTree>
+    <p:extLst>
+      <p:ext uri="{BB962C8B-B14F-4D97-AF65-F5344CB8AC3E}">
+        <p14:creationId xmlns:p14="http://schemas.microsoft.com/office/powerpoint/2010/main" val="2540269637"/>
+      </p:ext>
+    </p:extLst>
+  </p:cSld>
+  <p:clrMapOvr>
+    <a:masterClrMapping/>
+  </p:clrMapOvr>
+</p:sld>
+</file>
+
+<file path=ppt/slides/slide14.xml><?xml version="1.0" encoding="utf-8"?>
+<p:sld xmlns:a="http://schemas.openxmlformats.org/drawingml/2006/main" xmlns:r="http://schemas.openxmlformats.org/officeDocument/2006/relationships" xmlns:p="http://schemas.openxmlformats.org/presentationml/2006/main">
+  <p:cSld>
+    <p:spTree>
+      <p:nvGrpSpPr>
+        <p:cNvPr id="1" name=""/>
+        <p:cNvGrpSpPr/>
+        <p:nvPr/>
+      </p:nvGrpSpPr>
+      <p:grpSpPr>
+        <a:xfrm>
+          <a:off x="0" y="0"/>
+          <a:ext cx="0" cy="0"/>
+          <a:chOff x="0" y="0"/>
+          <a:chExt cx="0" cy="0"/>
+        </a:xfrm>
+      </p:grpSpPr>
+      <p:sp>
+        <p:nvSpPr>
+          <p:cNvPr id="3" name="CuadroTexto 2">
+            <a:extLst>
+              <a:ext uri="{FF2B5EF4-FFF2-40B4-BE49-F238E27FC236}">
+                <a16:creationId xmlns:a16="http://schemas.microsoft.com/office/drawing/2014/main" id="{C2504BAD-AF43-74B9-2F5A-81F4230F2FAE}"/>
+              </a:ext>
+            </a:extLst>
+          </p:cNvPr>
+          <p:cNvSpPr txBox="1"/>
+          <p:nvPr/>
+        </p:nvSpPr>
+        <p:spPr>
+          <a:xfrm>
+            <a:off x="528918" y="2165040"/>
+            <a:ext cx="10676964" cy="1938992"/>
+          </a:xfrm>
+          <a:prstGeom prst="rect">
+            <a:avLst/>
+          </a:prstGeom>
+          <a:noFill/>
+        </p:spPr>
+        <p:txBody>
+          <a:bodyPr wrap="square">
+            <a:spAutoFit/>
+          </a:bodyPr>
+          <a:lstStyle/>
+          <a:p>
+            <a:r>
+              <a:rPr lang="es-ES" sz="2400" dirty="0" err="1"/>
+              <a:t>git</a:t>
+            </a:r>
+            <a:r>
+              <a:rPr lang="es-ES" sz="2400" dirty="0"/>
+              <a:t> </a:t>
+            </a:r>
+            <a:r>
+              <a:rPr lang="es-ES" sz="2400" dirty="0" err="1"/>
+              <a:t>push</a:t>
+            </a:r>
+            <a:r>
+              <a:rPr lang="es-ES" sz="2400" dirty="0"/>
+              <a:t> es un comando que permite enviar los cambios de un repositorio local a</a:t>
+            </a:r>
+          </a:p>
+          <a:p>
+            <a:r>
+              <a:rPr lang="es-ES" sz="2400" dirty="0"/>
+              <a:t>un repositorio remoto. Para ello, tenemos que ejecutar el comando</a:t>
+            </a:r>
+          </a:p>
+          <a:p>
+            <a:r>
+              <a:rPr lang="es-ES" sz="2400" dirty="0" err="1"/>
+              <a:t>git</a:t>
+            </a:r>
+            <a:r>
+              <a:rPr lang="es-ES" sz="2400" dirty="0"/>
+              <a:t> </a:t>
+            </a:r>
+            <a:r>
+              <a:rPr lang="es-ES" sz="2400" dirty="0" err="1"/>
+              <a:t>push</a:t>
+            </a:r>
+            <a:r>
+              <a:rPr lang="es-ES" sz="2400" dirty="0"/>
+              <a:t> y le</a:t>
+            </a:r>
+          </a:p>
+          <a:p>
+            <a:r>
+              <a:rPr lang="es-ES" sz="2400" dirty="0"/>
+              <a:t>pasaríamos dos parámetros:</a:t>
+            </a:r>
+          </a:p>
+        </p:txBody>
+      </p:sp>
+      <p:sp>
+        <p:nvSpPr>
+          <p:cNvPr id="5" name="CuadroTexto 4">
+            <a:extLst>
+              <a:ext uri="{FF2B5EF4-FFF2-40B4-BE49-F238E27FC236}">
+                <a16:creationId xmlns:a16="http://schemas.microsoft.com/office/drawing/2014/main" id="{28AE9816-1F8F-CE74-7EE3-9A9BDC84DCE4}"/>
+              </a:ext>
+            </a:extLst>
+          </p:cNvPr>
+          <p:cNvSpPr txBox="1"/>
+          <p:nvPr/>
+        </p:nvSpPr>
+        <p:spPr>
+          <a:xfrm>
+            <a:off x="2716305" y="1112774"/>
+            <a:ext cx="6096000" cy="523220"/>
+          </a:xfrm>
+          <a:prstGeom prst="rect">
+            <a:avLst/>
+          </a:prstGeom>
+          <a:noFill/>
+        </p:spPr>
+        <p:txBody>
+          <a:bodyPr wrap="square">
+            <a:spAutoFit/>
+          </a:bodyPr>
+          <a:lstStyle/>
+          <a:p>
+            <a:r>
+              <a:rPr lang="es-ES" sz="2800" b="1" dirty="0">
+                <a:solidFill>
+                  <a:srgbClr val="FF0000"/>
+                </a:solidFill>
+              </a:rPr>
+              <a:t>Repositorio remoto</a:t>
+            </a:r>
+          </a:p>
+        </p:txBody>
+      </p:sp>
+      <p:pic>
+        <p:nvPicPr>
+          <p:cNvPr id="7" name="Imagen 6">
+            <a:extLst>
+              <a:ext uri="{FF2B5EF4-FFF2-40B4-BE49-F238E27FC236}">
+                <a16:creationId xmlns:a16="http://schemas.microsoft.com/office/drawing/2014/main" id="{DFB95CFF-02A2-5D09-A95D-D72737C459C6}"/>
+              </a:ext>
+            </a:extLst>
+          </p:cNvPr>
+          <p:cNvPicPr>
+            <a:picLocks noChangeAspect="1"/>
+          </p:cNvPicPr>
+          <p:nvPr/>
+        </p:nvPicPr>
+        <p:blipFill>
+          <a:blip r:embed="rId2"/>
+          <a:stretch>
+            <a:fillRect/>
+          </a:stretch>
+        </p:blipFill>
+        <p:spPr>
+          <a:xfrm>
+            <a:off x="738029" y="4307478"/>
+            <a:ext cx="6287377" cy="914528"/>
+          </a:xfrm>
+          <a:prstGeom prst="rect">
+            <a:avLst/>
+          </a:prstGeom>
+        </p:spPr>
+      </p:pic>
+    </p:spTree>
+    <p:extLst>
+      <p:ext uri="{BB962C8B-B14F-4D97-AF65-F5344CB8AC3E}">
+        <p14:creationId xmlns:p14="http://schemas.microsoft.com/office/powerpoint/2010/main" val="471663285"/>
+      </p:ext>
+    </p:extLst>
+  </p:cSld>
+  <p:clrMapOvr>
+    <a:masterClrMapping/>
+  </p:clrMapOvr>
+</p:sld>
+</file>
+
+<file path=ppt/slides/slide15.xml><?xml version="1.0" encoding="utf-8"?>
+<p:sld xmlns:a="http://schemas.openxmlformats.org/drawingml/2006/main" xmlns:r="http://schemas.openxmlformats.org/officeDocument/2006/relationships" xmlns:p="http://schemas.openxmlformats.org/presentationml/2006/main">
+  <p:cSld>
+    <p:spTree>
+      <p:nvGrpSpPr>
+        <p:cNvPr id="1" name=""/>
+        <p:cNvGrpSpPr/>
+        <p:nvPr/>
+      </p:nvGrpSpPr>
+      <p:grpSpPr>
+        <a:xfrm>
+          <a:off x="0" y="0"/>
+          <a:ext cx="0" cy="0"/>
+          <a:chOff x="0" y="0"/>
+          <a:chExt cx="0" cy="0"/>
+        </a:xfrm>
+      </p:grpSpPr>
+      <p:sp>
+        <p:nvSpPr>
+          <p:cNvPr id="3" name="CuadroTexto 2">
+            <a:extLst>
+              <a:ext uri="{FF2B5EF4-FFF2-40B4-BE49-F238E27FC236}">
+                <a16:creationId xmlns:a16="http://schemas.microsoft.com/office/drawing/2014/main" id="{8FDE3242-34F8-1546-E960-A7F7E973BE99}"/>
+              </a:ext>
+            </a:extLst>
+          </p:cNvPr>
+          <p:cNvSpPr txBox="1"/>
+          <p:nvPr/>
+        </p:nvSpPr>
+        <p:spPr>
+          <a:xfrm>
+            <a:off x="215153" y="831521"/>
+            <a:ext cx="11205883" cy="2677656"/>
+          </a:xfrm>
+          <a:prstGeom prst="rect">
+            <a:avLst/>
+          </a:prstGeom>
+          <a:noFill/>
+        </p:spPr>
+        <p:txBody>
+          <a:bodyPr wrap="square">
+            <a:spAutoFit/>
+          </a:bodyPr>
+          <a:lstStyle/>
+          <a:p>
+            <a:pPr algn="ctr"/>
+            <a:r>
+              <a:rPr lang="es-ES" sz="2400" b="1" dirty="0">
+                <a:solidFill>
+                  <a:srgbClr val="FF0000"/>
+                </a:solidFill>
+              </a:rPr>
+              <a:t>GitHub Flow </a:t>
+            </a:r>
+          </a:p>
+          <a:p>
+            <a:r>
+              <a:rPr lang="es-ES" sz="2400" dirty="0"/>
+              <a:t>GitHub Flow es una estrategia creada por la propia GitHub y pensada especialmente para equipos y proyectos que hacen despliegues de forma regular. Se basa en la creación de </a:t>
+            </a:r>
+            <a:r>
+              <a:rPr lang="es-ES" sz="2400" dirty="0" err="1"/>
+              <a:t>Pull</a:t>
+            </a:r>
+            <a:r>
+              <a:rPr lang="es-ES" sz="2400" dirty="0"/>
+              <a:t> </a:t>
+            </a:r>
+            <a:r>
+              <a:rPr lang="es-ES" sz="2400" dirty="0" err="1"/>
+              <a:t>Requests</a:t>
+            </a:r>
+            <a:r>
+              <a:rPr lang="es-ES" sz="2400" dirty="0"/>
+              <a:t> que serán discutidas para que se integren en la rama principal que siempre está actualizada con los cambios más recientes y preparada para ser desplegada</a:t>
+            </a:r>
+          </a:p>
+        </p:txBody>
+      </p:sp>
+      <p:pic>
+        <p:nvPicPr>
+          <p:cNvPr id="5" name="Imagen 4">
+            <a:extLst>
+              <a:ext uri="{FF2B5EF4-FFF2-40B4-BE49-F238E27FC236}">
+                <a16:creationId xmlns:a16="http://schemas.microsoft.com/office/drawing/2014/main" id="{386E4E3E-3AFC-6B5D-3242-78995FC12B3C}"/>
+              </a:ext>
+            </a:extLst>
+          </p:cNvPr>
+          <p:cNvPicPr>
+            <a:picLocks noChangeAspect="1"/>
+          </p:cNvPicPr>
+          <p:nvPr/>
+        </p:nvPicPr>
+        <p:blipFill>
+          <a:blip r:embed="rId2"/>
+          <a:stretch>
+            <a:fillRect/>
+          </a:stretch>
+        </p:blipFill>
+        <p:spPr>
+          <a:xfrm>
+            <a:off x="2549460" y="3609787"/>
+            <a:ext cx="6268325" cy="2686425"/>
+          </a:xfrm>
+          <a:prstGeom prst="rect">
+            <a:avLst/>
+          </a:prstGeom>
+        </p:spPr>
+      </p:pic>
+    </p:spTree>
+    <p:extLst>
+      <p:ext uri="{BB962C8B-B14F-4D97-AF65-F5344CB8AC3E}">
+        <p14:creationId xmlns:p14="http://schemas.microsoft.com/office/powerpoint/2010/main" val="115272155"/>
+      </p:ext>
+    </p:extLst>
+  </p:cSld>
+  <p:clrMapOvr>
+    <a:masterClrMapping/>
+  </p:clrMapOvr>
+</p:sld>
+</file>
+
+<file path=ppt/slides/slide16.xml><?xml version="1.0" encoding="utf-8"?>
+<p:sld xmlns:a="http://schemas.openxmlformats.org/drawingml/2006/main" xmlns:r="http://schemas.openxmlformats.org/officeDocument/2006/relationships" xmlns:p="http://schemas.openxmlformats.org/presentationml/2006/main">
+  <p:cSld>
+    <p:spTree>
+      <p:nvGrpSpPr>
+        <p:cNvPr id="1" name=""/>
+        <p:cNvGrpSpPr/>
+        <p:nvPr/>
+      </p:nvGrpSpPr>
+      <p:grpSpPr>
+        <a:xfrm>
+          <a:off x="0" y="0"/>
+          <a:ext cx="0" cy="0"/>
+          <a:chOff x="0" y="0"/>
+          <a:chExt cx="0" cy="0"/>
+        </a:xfrm>
+      </p:grpSpPr>
+    </p:spTree>
+    <p:extLst>
+      <p:ext uri="{BB962C8B-B14F-4D97-AF65-F5344CB8AC3E}">
+        <p14:creationId xmlns:p14="http://schemas.microsoft.com/office/powerpoint/2010/main" val="3309743255"/>
+      </p:ext>
+    </p:extLst>
+  </p:cSld>
+  <p:clrMapOvr>
+    <a:masterClrMapping/>
+  </p:clrMapOvr>
+</p:sld>
+</file>
+
+<file path=ppt/slides/slide17.xml><?xml version="1.0" encoding="utf-8"?>
+<p:sld xmlns:a="http://schemas.openxmlformats.org/drawingml/2006/main" xmlns:r="http://schemas.openxmlformats.org/officeDocument/2006/relationships" xmlns:p="http://schemas.openxmlformats.org/presentationml/2006/main">
+  <p:cSld>
+    <p:spTree>
+      <p:nvGrpSpPr>
+        <p:cNvPr id="1" name=""/>
+        <p:cNvGrpSpPr/>
+        <p:nvPr/>
+      </p:nvGrpSpPr>
+      <p:grpSpPr>
+        <a:xfrm>
+          <a:off x="0" y="0"/>
+          <a:ext cx="0" cy="0"/>
+          <a:chOff x="0" y="0"/>
+          <a:chExt cx="0" cy="0"/>
+        </a:xfrm>
+      </p:grpSpPr>
+    </p:spTree>
+    <p:extLst>
+      <p:ext uri="{BB962C8B-B14F-4D97-AF65-F5344CB8AC3E}">
+        <p14:creationId xmlns:p14="http://schemas.microsoft.com/office/powerpoint/2010/main" val="3600534002"/>
       </p:ext>
     </p:extLst>
   </p:cSld>

--- a/Pasos.pptx
+++ b/Pasos.pptx
@@ -21,7 +21,6 @@
     <p:sldId id="269" r:id="rId15"/>
     <p:sldId id="270" r:id="rId16"/>
     <p:sldId id="271" r:id="rId17"/>
-    <p:sldId id="272" r:id="rId18"/>
   </p:sldIdLst>
   <p:sldSz cx="12192000" cy="6858000"/>
   <p:notesSz cx="6858000" cy="9144000"/>
@@ -6852,40 +6851,136 @@
           <a:chExt cx="0" cy="0"/>
         </a:xfrm>
       </p:grpSpPr>
+      <p:sp>
+        <p:nvSpPr>
+          <p:cNvPr id="3" name="CuadroTexto 2">
+            <a:extLst>
+              <a:ext uri="{FF2B5EF4-FFF2-40B4-BE49-F238E27FC236}">
+                <a16:creationId xmlns:a16="http://schemas.microsoft.com/office/drawing/2014/main" id="{EF007036-8256-1893-0CAF-009DCE249067}"/>
+              </a:ext>
+            </a:extLst>
+          </p:cNvPr>
+          <p:cNvSpPr txBox="1"/>
+          <p:nvPr/>
+        </p:nvSpPr>
+        <p:spPr>
+          <a:xfrm>
+            <a:off x="439270" y="1714999"/>
+            <a:ext cx="11546541" cy="3046988"/>
+          </a:xfrm>
+          <a:prstGeom prst="rect">
+            <a:avLst/>
+          </a:prstGeom>
+          <a:noFill/>
+        </p:spPr>
+        <p:txBody>
+          <a:bodyPr wrap="square">
+            <a:spAutoFit/>
+          </a:bodyPr>
+          <a:lstStyle/>
+          <a:p>
+            <a:pPr algn="ctr"/>
+            <a:r>
+              <a:rPr lang="es-ES" sz="2400" b="1" dirty="0">
+                <a:solidFill>
+                  <a:srgbClr val="FF0000"/>
+                </a:solidFill>
+              </a:rPr>
+              <a:t>¿Quién ha tocado este fichero? </a:t>
+            </a:r>
+          </a:p>
+          <a:p>
+            <a:r>
+              <a:rPr lang="es-ES" sz="2400" dirty="0">
+                <a:solidFill>
+                  <a:srgbClr val="7030A0"/>
+                </a:solidFill>
+              </a:rPr>
+              <a:t>¿Quién ha hecho cambios? </a:t>
+            </a:r>
+          </a:p>
+          <a:p>
+            <a:r>
+              <a:rPr lang="es-ES" sz="2400" dirty="0"/>
+              <a:t>Con </a:t>
+            </a:r>
+            <a:r>
+              <a:rPr lang="es-ES" sz="2400" dirty="0" err="1"/>
+              <a:t>git</a:t>
+            </a:r>
+            <a:r>
+              <a:rPr lang="es-ES" sz="2400" dirty="0"/>
+              <a:t> log somos capaces de ver el historial de cambios en general pero a veces queremos saber qué cambios han habido en un fichero en específico. Para ello tenemos que usar el comando </a:t>
+            </a:r>
+            <a:r>
+              <a:rPr lang="es-ES" sz="2400" dirty="0" err="1"/>
+              <a:t>git</a:t>
+            </a:r>
+            <a:r>
+              <a:rPr lang="es-ES" sz="2400" dirty="0"/>
+              <a:t> </a:t>
+            </a:r>
+            <a:r>
+              <a:rPr lang="es-ES" sz="2400" dirty="0" err="1"/>
+              <a:t>blame</a:t>
+            </a:r>
+            <a:r>
+              <a:rPr lang="es-ES" sz="2400" dirty="0"/>
+              <a:t>. </a:t>
+            </a:r>
+            <a:r>
+              <a:rPr lang="es-ES" sz="2400" dirty="0" err="1"/>
+              <a:t>git</a:t>
+            </a:r>
+            <a:r>
+              <a:rPr lang="es-ES" sz="2400" dirty="0"/>
+              <a:t> </a:t>
+            </a:r>
+            <a:r>
+              <a:rPr lang="es-ES" sz="2400" dirty="0" err="1"/>
+              <a:t>blame</a:t>
+            </a:r>
+            <a:r>
+              <a:rPr lang="es-ES" sz="2400" dirty="0"/>
+              <a:t> necesita como parámetro el fichero que queremos inspeccionar para conocer el historial de cambios que ha recibido y la autoría de estas alteraciones.</a:t>
+            </a:r>
+          </a:p>
+        </p:txBody>
+      </p:sp>
+      <p:pic>
+        <p:nvPicPr>
+          <p:cNvPr id="5" name="Imagen 4">
+            <a:extLst>
+              <a:ext uri="{FF2B5EF4-FFF2-40B4-BE49-F238E27FC236}">
+                <a16:creationId xmlns:a16="http://schemas.microsoft.com/office/drawing/2014/main" id="{C5BFF933-2B30-ECB5-9774-517D829F3379}"/>
+              </a:ext>
+            </a:extLst>
+          </p:cNvPr>
+          <p:cNvPicPr>
+            <a:picLocks noChangeAspect="1"/>
+          </p:cNvPicPr>
+          <p:nvPr/>
+        </p:nvPicPr>
+        <p:blipFill>
+          <a:blip r:embed="rId2"/>
+          <a:stretch>
+            <a:fillRect/>
+          </a:stretch>
+        </p:blipFill>
+        <p:spPr>
+          <a:xfrm>
+            <a:off x="2997404" y="4483877"/>
+            <a:ext cx="6430272" cy="2229161"/>
+          </a:xfrm>
+          <a:prstGeom prst="rect">
+            <a:avLst/>
+          </a:prstGeom>
+        </p:spPr>
+      </p:pic>
     </p:spTree>
     <p:extLst>
       <p:ext uri="{BB962C8B-B14F-4D97-AF65-F5344CB8AC3E}">
         <p14:creationId xmlns:p14="http://schemas.microsoft.com/office/powerpoint/2010/main" val="3309743255"/>
-      </p:ext>
-    </p:extLst>
-  </p:cSld>
-  <p:clrMapOvr>
-    <a:masterClrMapping/>
-  </p:clrMapOvr>
-</p:sld>
-</file>
-
-<file path=ppt/slides/slide17.xml><?xml version="1.0" encoding="utf-8"?>
-<p:sld xmlns:a="http://schemas.openxmlformats.org/drawingml/2006/main" xmlns:r="http://schemas.openxmlformats.org/officeDocument/2006/relationships" xmlns:p="http://schemas.openxmlformats.org/presentationml/2006/main">
-  <p:cSld>
-    <p:spTree>
-      <p:nvGrpSpPr>
-        <p:cNvPr id="1" name=""/>
-        <p:cNvGrpSpPr/>
-        <p:nvPr/>
-      </p:nvGrpSpPr>
-      <p:grpSpPr>
-        <a:xfrm>
-          <a:off x="0" y="0"/>
-          <a:ext cx="0" cy="0"/>
-          <a:chOff x="0" y="0"/>
-          <a:chExt cx="0" cy="0"/>
-        </a:xfrm>
-      </p:grpSpPr>
-    </p:spTree>
-    <p:extLst>
-      <p:ext uri="{BB962C8B-B14F-4D97-AF65-F5344CB8AC3E}">
-        <p14:creationId xmlns:p14="http://schemas.microsoft.com/office/powerpoint/2010/main" val="3600534002"/>
       </p:ext>
     </p:extLst>
   </p:cSld>
